--- a/docs/Milestone1Presentation.pptx
+++ b/docs/Milestone1Presentation.pptx
@@ -19,23 +19,29 @@
     <p:sldId id="264" r:id="rId15"/>
     <p:sldId id="265" r:id="rId16"/>
     <p:sldId id="266" r:id="rId17"/>
+    <p:sldId id="267" r:id="rId18"/>
+    <p:sldId id="268" r:id="rId19"/>
+    <p:sldId id="269" r:id="rId20"/>
+    <p:sldId id="270" r:id="rId21"/>
+    <p:sldId id="271" r:id="rId22"/>
+    <p:sldId id="272" r:id="rId23"/>
   </p:sldIdLst>
   <p:sldSz cy="5143500" cx="9144000"/>
   <p:notesSz cx="6858000" cy="9144000"/>
   <p:embeddedFontLst>
     <p:embeddedFont>
       <p:font typeface="Montserrat"/>
-      <p:regular r:id="rId18"/>
-      <p:bold r:id="rId19"/>
-      <p:italic r:id="rId20"/>
-      <p:boldItalic r:id="rId21"/>
+      <p:regular r:id="rId24"/>
+      <p:bold r:id="rId25"/>
+      <p:italic r:id="rId26"/>
+      <p:boldItalic r:id="rId27"/>
     </p:embeddedFont>
     <p:embeddedFont>
       <p:font typeface="Lato"/>
-      <p:regular r:id="rId22"/>
-      <p:bold r:id="rId23"/>
-      <p:italic r:id="rId24"/>
-      <p:boldItalic r:id="rId25"/>
+      <p:regular r:id="rId28"/>
+      <p:bold r:id="rId29"/>
+      <p:italic r:id="rId30"/>
+      <p:boldItalic r:id="rId31"/>
     </p:embeddedFont>
   </p:embeddedFontLst>
   <p:defaultTextStyle>
@@ -816,7 +822,7 @@
   <p:cSld>
     <p:spTree>
       <p:nvGrpSpPr>
-        <p:cNvPr id="184" name="Shape 184"/>
+        <p:cNvPr id="190" name="Shape 190"/>
         <p:cNvGrpSpPr/>
         <p:nvPr/>
       </p:nvGrpSpPr>
@@ -830,7 +836,7 @@
       </p:grpSpPr>
       <p:sp>
         <p:nvSpPr>
-          <p:cNvPr id="185" name="Google Shape;185;g61f6464125_0_182:notes"/>
+          <p:cNvPr id="191" name="Google Shape;191;g61f6464125_0_171:notes"/>
           <p:cNvSpPr/>
           <p:nvPr>
             <p:ph idx="2" type="sldImg"/>
@@ -865,7 +871,7 @@
       </p:sp>
       <p:sp>
         <p:nvSpPr>
-          <p:cNvPr id="186" name="Google Shape;186;g61f6464125_0_182:notes"/>
+          <p:cNvPr id="192" name="Google Shape;192;g61f6464125_0_171:notes"/>
           <p:cNvSpPr txBox="1"/>
           <p:nvPr>
             <p:ph idx="1" type="body"/>
@@ -915,7 +921,7 @@
   <p:cSld>
     <p:spTree>
       <p:nvGrpSpPr>
-        <p:cNvPr id="191" name="Shape 191"/>
+        <p:cNvPr id="197" name="Shape 197"/>
         <p:cNvGrpSpPr/>
         <p:nvPr/>
       </p:nvGrpSpPr>
@@ -929,7 +935,7 @@
       </p:grpSpPr>
       <p:sp>
         <p:nvSpPr>
-          <p:cNvPr id="192" name="Google Shape;192;g61f6464125_0_189:notes"/>
+          <p:cNvPr id="198" name="Google Shape;198;g62ca61d788_0_6:notes"/>
           <p:cNvSpPr/>
           <p:nvPr>
             <p:ph idx="2" type="sldImg"/>
@@ -964,7 +970,601 @@
       </p:sp>
       <p:sp>
         <p:nvSpPr>
-          <p:cNvPr id="193" name="Google Shape;193;g61f6464125_0_189:notes"/>
+          <p:cNvPr id="199" name="Google Shape;199;g62ca61d788_0_6:notes"/>
+          <p:cNvSpPr txBox="1"/>
+          <p:nvPr>
+            <p:ph idx="1" type="body"/>
+          </p:nvPr>
+        </p:nvSpPr>
+        <p:spPr>
+          <a:xfrm>
+            <a:off x="685800" y="4343400"/>
+            <a:ext cx="5486400" cy="4114800"/>
+          </a:xfrm>
+          <a:prstGeom prst="rect">
+            <a:avLst/>
+          </a:prstGeom>
+        </p:spPr>
+        <p:txBody>
+          <a:bodyPr anchorCtr="0" anchor="t" bIns="91425" lIns="91425" spcFirstLastPara="1" rIns="91425" wrap="square" tIns="91425">
+            <a:noAutofit/>
+          </a:bodyPr>
+          <a:lstStyle/>
+          <a:p>
+            <a:pPr indent="0" lvl="0" marL="0" rtl="0" algn="l">
+              <a:spcBef>
+                <a:spcPts val="0"/>
+              </a:spcBef>
+              <a:spcAft>
+                <a:spcPts val="0"/>
+              </a:spcAft>
+              <a:buNone/>
+            </a:pPr>
+            <a:r>
+              <a:t/>
+            </a:r>
+            <a:endParaRPr/>
+          </a:p>
+        </p:txBody>
+      </p:sp>
+    </p:spTree>
+  </p:cSld>
+  <p:clrMapOvr>
+    <a:masterClrMapping/>
+  </p:clrMapOvr>
+</p:notes>
+</file>
+
+<file path=ppt/notesSlides/notesSlide12.xml><?xml version="1.0" encoding="utf-8"?>
+<p:notes xmlns:a="http://schemas.openxmlformats.org/drawingml/2006/main" xmlns:r="http://schemas.openxmlformats.org/officeDocument/2006/relationships" xmlns:mc="http://schemas.openxmlformats.org/markup-compatibility/2006" xmlns:mv="urn:schemas-microsoft-com:mac:vml" xmlns:p="http://schemas.openxmlformats.org/presentationml/2006/main" xmlns:c="http://schemas.openxmlformats.org/drawingml/2006/chart" xmlns:dgm="http://schemas.openxmlformats.org/drawingml/2006/diagram" xmlns:o="urn:schemas-microsoft-com:office:office" xmlns:v="urn:schemas-microsoft-com:vml" xmlns:pvml="urn:schemas-microsoft-com:office:powerpoint" xmlns:com="http://schemas.openxmlformats.org/drawingml/2006/compatibility" xmlns:p14="http://schemas.microsoft.com/office/powerpoint/2010/main" xmlns:p15="http://schemas.microsoft.com/office/powerpoint/2012/main" showMasterPhAnim="0" showMasterSp="0">
+  <p:cSld>
+    <p:spTree>
+      <p:nvGrpSpPr>
+        <p:cNvPr id="204" name="Shape 204"/>
+        <p:cNvGrpSpPr/>
+        <p:nvPr/>
+      </p:nvGrpSpPr>
+      <p:grpSpPr>
+        <a:xfrm>
+          <a:off x="0" y="0"/>
+          <a:ext cx="0" cy="0"/>
+          <a:chOff x="0" y="0"/>
+          <a:chExt cx="0" cy="0"/>
+        </a:xfrm>
+      </p:grpSpPr>
+      <p:sp>
+        <p:nvSpPr>
+          <p:cNvPr id="205" name="Google Shape;205;g61f6464125_0_149:notes"/>
+          <p:cNvSpPr/>
+          <p:nvPr>
+            <p:ph idx="2" type="sldImg"/>
+          </p:nvPr>
+        </p:nvSpPr>
+        <p:spPr>
+          <a:xfrm>
+            <a:off x="381300" y="685800"/>
+            <a:ext cx="6096000" cy="3429000"/>
+          </a:xfrm>
+          <a:custGeom>
+            <a:rect b="b" l="l" r="r" t="t"/>
+            <a:pathLst>
+              <a:path extrusionOk="0" h="120000" w="120000">
+                <a:moveTo>
+                  <a:pt x="0" y="0"/>
+                </a:moveTo>
+                <a:lnTo>
+                  <a:pt x="120000" y="0"/>
+                </a:lnTo>
+                <a:lnTo>
+                  <a:pt x="120000" y="120000"/>
+                </a:lnTo>
+                <a:lnTo>
+                  <a:pt x="0" y="120000"/>
+                </a:lnTo>
+                <a:close/>
+              </a:path>
+            </a:pathLst>
+          </a:custGeom>
+        </p:spPr>
+      </p:sp>
+      <p:sp>
+        <p:nvSpPr>
+          <p:cNvPr id="206" name="Google Shape;206;g61f6464125_0_149:notes"/>
+          <p:cNvSpPr txBox="1"/>
+          <p:nvPr>
+            <p:ph idx="1" type="body"/>
+          </p:nvPr>
+        </p:nvSpPr>
+        <p:spPr>
+          <a:xfrm>
+            <a:off x="685800" y="4343400"/>
+            <a:ext cx="5486400" cy="4114800"/>
+          </a:xfrm>
+          <a:prstGeom prst="rect">
+            <a:avLst/>
+          </a:prstGeom>
+        </p:spPr>
+        <p:txBody>
+          <a:bodyPr anchorCtr="0" anchor="t" bIns="91425" lIns="91425" spcFirstLastPara="1" rIns="91425" wrap="square" tIns="91425">
+            <a:noAutofit/>
+          </a:bodyPr>
+          <a:lstStyle/>
+          <a:p>
+            <a:pPr indent="0" lvl="0" marL="0" rtl="0" algn="l">
+              <a:spcBef>
+                <a:spcPts val="0"/>
+              </a:spcBef>
+              <a:spcAft>
+                <a:spcPts val="0"/>
+              </a:spcAft>
+              <a:buNone/>
+            </a:pPr>
+            <a:r>
+              <a:t/>
+            </a:r>
+            <a:endParaRPr/>
+          </a:p>
+        </p:txBody>
+      </p:sp>
+    </p:spTree>
+  </p:cSld>
+  <p:clrMapOvr>
+    <a:masterClrMapping/>
+  </p:clrMapOvr>
+</p:notes>
+</file>
+
+<file path=ppt/notesSlides/notesSlide13.xml><?xml version="1.0" encoding="utf-8"?>
+<p:notes xmlns:a="http://schemas.openxmlformats.org/drawingml/2006/main" xmlns:r="http://schemas.openxmlformats.org/officeDocument/2006/relationships" xmlns:mc="http://schemas.openxmlformats.org/markup-compatibility/2006" xmlns:mv="urn:schemas-microsoft-com:mac:vml" xmlns:p="http://schemas.openxmlformats.org/presentationml/2006/main" xmlns:c="http://schemas.openxmlformats.org/drawingml/2006/chart" xmlns:dgm="http://schemas.openxmlformats.org/drawingml/2006/diagram" xmlns:o="urn:schemas-microsoft-com:office:office" xmlns:v="urn:schemas-microsoft-com:vml" xmlns:pvml="urn:schemas-microsoft-com:office:powerpoint" xmlns:com="http://schemas.openxmlformats.org/drawingml/2006/compatibility" xmlns:p14="http://schemas.microsoft.com/office/powerpoint/2010/main" xmlns:p15="http://schemas.microsoft.com/office/powerpoint/2012/main" showMasterPhAnim="0" showMasterSp="0">
+  <p:cSld>
+    <p:spTree>
+      <p:nvGrpSpPr>
+        <p:cNvPr id="210" name="Shape 210"/>
+        <p:cNvGrpSpPr/>
+        <p:nvPr/>
+      </p:nvGrpSpPr>
+      <p:grpSpPr>
+        <a:xfrm>
+          <a:off x="0" y="0"/>
+          <a:ext cx="0" cy="0"/>
+          <a:chOff x="0" y="0"/>
+          <a:chExt cx="0" cy="0"/>
+        </a:xfrm>
+      </p:grpSpPr>
+      <p:sp>
+        <p:nvSpPr>
+          <p:cNvPr id="211" name="Google Shape;211;g62ca61d788_0_43:notes"/>
+          <p:cNvSpPr/>
+          <p:nvPr>
+            <p:ph idx="2" type="sldImg"/>
+          </p:nvPr>
+        </p:nvSpPr>
+        <p:spPr>
+          <a:xfrm>
+            <a:off x="381300" y="685800"/>
+            <a:ext cx="6096000" cy="3429000"/>
+          </a:xfrm>
+          <a:custGeom>
+            <a:rect b="b" l="l" r="r" t="t"/>
+            <a:pathLst>
+              <a:path extrusionOk="0" h="120000" w="120000">
+                <a:moveTo>
+                  <a:pt x="0" y="0"/>
+                </a:moveTo>
+                <a:lnTo>
+                  <a:pt x="120000" y="0"/>
+                </a:lnTo>
+                <a:lnTo>
+                  <a:pt x="120000" y="120000"/>
+                </a:lnTo>
+                <a:lnTo>
+                  <a:pt x="0" y="120000"/>
+                </a:lnTo>
+                <a:close/>
+              </a:path>
+            </a:pathLst>
+          </a:custGeom>
+        </p:spPr>
+      </p:sp>
+      <p:sp>
+        <p:nvSpPr>
+          <p:cNvPr id="212" name="Google Shape;212;g62ca61d788_0_43:notes"/>
+          <p:cNvSpPr txBox="1"/>
+          <p:nvPr>
+            <p:ph idx="1" type="body"/>
+          </p:nvPr>
+        </p:nvSpPr>
+        <p:spPr>
+          <a:xfrm>
+            <a:off x="685800" y="4343400"/>
+            <a:ext cx="5486400" cy="4114800"/>
+          </a:xfrm>
+          <a:prstGeom prst="rect">
+            <a:avLst/>
+          </a:prstGeom>
+        </p:spPr>
+        <p:txBody>
+          <a:bodyPr anchorCtr="0" anchor="t" bIns="91425" lIns="91425" spcFirstLastPara="1" rIns="91425" wrap="square" tIns="91425">
+            <a:noAutofit/>
+          </a:bodyPr>
+          <a:lstStyle/>
+          <a:p>
+            <a:pPr indent="0" lvl="0" marL="0" rtl="0" algn="l">
+              <a:spcBef>
+                <a:spcPts val="0"/>
+              </a:spcBef>
+              <a:spcAft>
+                <a:spcPts val="0"/>
+              </a:spcAft>
+              <a:buNone/>
+            </a:pPr>
+            <a:r>
+              <a:t/>
+            </a:r>
+            <a:endParaRPr/>
+          </a:p>
+        </p:txBody>
+      </p:sp>
+    </p:spTree>
+  </p:cSld>
+  <p:clrMapOvr>
+    <a:masterClrMapping/>
+  </p:clrMapOvr>
+</p:notes>
+</file>
+
+<file path=ppt/notesSlides/notesSlide14.xml><?xml version="1.0" encoding="utf-8"?>
+<p:notes xmlns:a="http://schemas.openxmlformats.org/drawingml/2006/main" xmlns:r="http://schemas.openxmlformats.org/officeDocument/2006/relationships" xmlns:mc="http://schemas.openxmlformats.org/markup-compatibility/2006" xmlns:mv="urn:schemas-microsoft-com:mac:vml" xmlns:p="http://schemas.openxmlformats.org/presentationml/2006/main" xmlns:c="http://schemas.openxmlformats.org/drawingml/2006/chart" xmlns:dgm="http://schemas.openxmlformats.org/drawingml/2006/diagram" xmlns:o="urn:schemas-microsoft-com:office:office" xmlns:v="urn:schemas-microsoft-com:vml" xmlns:pvml="urn:schemas-microsoft-com:office:powerpoint" xmlns:com="http://schemas.openxmlformats.org/drawingml/2006/compatibility" xmlns:p14="http://schemas.microsoft.com/office/powerpoint/2010/main" xmlns:p15="http://schemas.microsoft.com/office/powerpoint/2012/main" showMasterPhAnim="0" showMasterSp="0">
+  <p:cSld>
+    <p:spTree>
+      <p:nvGrpSpPr>
+        <p:cNvPr id="216" name="Shape 216"/>
+        <p:cNvGrpSpPr/>
+        <p:nvPr/>
+      </p:nvGrpSpPr>
+      <p:grpSpPr>
+        <a:xfrm>
+          <a:off x="0" y="0"/>
+          <a:ext cx="0" cy="0"/>
+          <a:chOff x="0" y="0"/>
+          <a:chExt cx="0" cy="0"/>
+        </a:xfrm>
+      </p:grpSpPr>
+      <p:sp>
+        <p:nvSpPr>
+          <p:cNvPr id="217" name="Google Shape;217;g61f6464125_0_182:notes"/>
+          <p:cNvSpPr/>
+          <p:nvPr>
+            <p:ph idx="2" type="sldImg"/>
+          </p:nvPr>
+        </p:nvSpPr>
+        <p:spPr>
+          <a:xfrm>
+            <a:off x="381300" y="685800"/>
+            <a:ext cx="6096000" cy="3429000"/>
+          </a:xfrm>
+          <a:custGeom>
+            <a:rect b="b" l="l" r="r" t="t"/>
+            <a:pathLst>
+              <a:path extrusionOk="0" h="120000" w="120000">
+                <a:moveTo>
+                  <a:pt x="0" y="0"/>
+                </a:moveTo>
+                <a:lnTo>
+                  <a:pt x="120000" y="0"/>
+                </a:lnTo>
+                <a:lnTo>
+                  <a:pt x="120000" y="120000"/>
+                </a:lnTo>
+                <a:lnTo>
+                  <a:pt x="0" y="120000"/>
+                </a:lnTo>
+                <a:close/>
+              </a:path>
+            </a:pathLst>
+          </a:custGeom>
+        </p:spPr>
+      </p:sp>
+      <p:sp>
+        <p:nvSpPr>
+          <p:cNvPr id="218" name="Google Shape;218;g61f6464125_0_182:notes"/>
+          <p:cNvSpPr txBox="1"/>
+          <p:nvPr>
+            <p:ph idx="1" type="body"/>
+          </p:nvPr>
+        </p:nvSpPr>
+        <p:spPr>
+          <a:xfrm>
+            <a:off x="685800" y="4343400"/>
+            <a:ext cx="5486400" cy="4114800"/>
+          </a:xfrm>
+          <a:prstGeom prst="rect">
+            <a:avLst/>
+          </a:prstGeom>
+        </p:spPr>
+        <p:txBody>
+          <a:bodyPr anchorCtr="0" anchor="t" bIns="91425" lIns="91425" spcFirstLastPara="1" rIns="91425" wrap="square" tIns="91425">
+            <a:noAutofit/>
+          </a:bodyPr>
+          <a:lstStyle/>
+          <a:p>
+            <a:pPr indent="0" lvl="0" marL="0" rtl="0" algn="l">
+              <a:spcBef>
+                <a:spcPts val="0"/>
+              </a:spcBef>
+              <a:spcAft>
+                <a:spcPts val="0"/>
+              </a:spcAft>
+              <a:buNone/>
+            </a:pPr>
+            <a:r>
+              <a:t/>
+            </a:r>
+            <a:endParaRPr/>
+          </a:p>
+        </p:txBody>
+      </p:sp>
+    </p:spTree>
+  </p:cSld>
+  <p:clrMapOvr>
+    <a:masterClrMapping/>
+  </p:clrMapOvr>
+</p:notes>
+</file>
+
+<file path=ppt/notesSlides/notesSlide15.xml><?xml version="1.0" encoding="utf-8"?>
+<p:notes xmlns:a="http://schemas.openxmlformats.org/drawingml/2006/main" xmlns:r="http://schemas.openxmlformats.org/officeDocument/2006/relationships" xmlns:mc="http://schemas.openxmlformats.org/markup-compatibility/2006" xmlns:mv="urn:schemas-microsoft-com:mac:vml" xmlns:p="http://schemas.openxmlformats.org/presentationml/2006/main" xmlns:c="http://schemas.openxmlformats.org/drawingml/2006/chart" xmlns:dgm="http://schemas.openxmlformats.org/drawingml/2006/diagram" xmlns:o="urn:schemas-microsoft-com:office:office" xmlns:v="urn:schemas-microsoft-com:vml" xmlns:pvml="urn:schemas-microsoft-com:office:powerpoint" xmlns:com="http://schemas.openxmlformats.org/drawingml/2006/compatibility" xmlns:p14="http://schemas.microsoft.com/office/powerpoint/2010/main" xmlns:p15="http://schemas.microsoft.com/office/powerpoint/2012/main" showMasterPhAnim="0" showMasterSp="0">
+  <p:cSld>
+    <p:spTree>
+      <p:nvGrpSpPr>
+        <p:cNvPr id="224" name="Shape 224"/>
+        <p:cNvGrpSpPr/>
+        <p:nvPr/>
+      </p:nvGrpSpPr>
+      <p:grpSpPr>
+        <a:xfrm>
+          <a:off x="0" y="0"/>
+          <a:ext cx="0" cy="0"/>
+          <a:chOff x="0" y="0"/>
+          <a:chExt cx="0" cy="0"/>
+        </a:xfrm>
+      </p:grpSpPr>
+      <p:sp>
+        <p:nvSpPr>
+          <p:cNvPr id="225" name="Google Shape;225;g61f6464125_0_189:notes"/>
+          <p:cNvSpPr/>
+          <p:nvPr>
+            <p:ph idx="2" type="sldImg"/>
+          </p:nvPr>
+        </p:nvSpPr>
+        <p:spPr>
+          <a:xfrm>
+            <a:off x="381300" y="685800"/>
+            <a:ext cx="6096000" cy="3429000"/>
+          </a:xfrm>
+          <a:custGeom>
+            <a:rect b="b" l="l" r="r" t="t"/>
+            <a:pathLst>
+              <a:path extrusionOk="0" h="120000" w="120000">
+                <a:moveTo>
+                  <a:pt x="0" y="0"/>
+                </a:moveTo>
+                <a:lnTo>
+                  <a:pt x="120000" y="0"/>
+                </a:lnTo>
+                <a:lnTo>
+                  <a:pt x="120000" y="120000"/>
+                </a:lnTo>
+                <a:lnTo>
+                  <a:pt x="0" y="120000"/>
+                </a:lnTo>
+                <a:close/>
+              </a:path>
+            </a:pathLst>
+          </a:custGeom>
+        </p:spPr>
+      </p:sp>
+      <p:sp>
+        <p:nvSpPr>
+          <p:cNvPr id="226" name="Google Shape;226;g61f6464125_0_189:notes"/>
+          <p:cNvSpPr txBox="1"/>
+          <p:nvPr>
+            <p:ph idx="1" type="body"/>
+          </p:nvPr>
+        </p:nvSpPr>
+        <p:spPr>
+          <a:xfrm>
+            <a:off x="685800" y="4343400"/>
+            <a:ext cx="5486400" cy="4114800"/>
+          </a:xfrm>
+          <a:prstGeom prst="rect">
+            <a:avLst/>
+          </a:prstGeom>
+        </p:spPr>
+        <p:txBody>
+          <a:bodyPr anchorCtr="0" anchor="t" bIns="91425" lIns="91425" spcFirstLastPara="1" rIns="91425" wrap="square" tIns="91425">
+            <a:noAutofit/>
+          </a:bodyPr>
+          <a:lstStyle/>
+          <a:p>
+            <a:pPr indent="0" lvl="0" marL="0" rtl="0" algn="l">
+              <a:spcBef>
+                <a:spcPts val="0"/>
+              </a:spcBef>
+              <a:spcAft>
+                <a:spcPts val="0"/>
+              </a:spcAft>
+              <a:buNone/>
+            </a:pPr>
+            <a:r>
+              <a:t/>
+            </a:r>
+            <a:endParaRPr/>
+          </a:p>
+        </p:txBody>
+      </p:sp>
+    </p:spTree>
+  </p:cSld>
+  <p:clrMapOvr>
+    <a:masterClrMapping/>
+  </p:clrMapOvr>
+</p:notes>
+</file>
+
+<file path=ppt/notesSlides/notesSlide16.xml><?xml version="1.0" encoding="utf-8"?>
+<p:notes xmlns:a="http://schemas.openxmlformats.org/drawingml/2006/main" xmlns:r="http://schemas.openxmlformats.org/officeDocument/2006/relationships" xmlns:mc="http://schemas.openxmlformats.org/markup-compatibility/2006" xmlns:mv="urn:schemas-microsoft-com:mac:vml" xmlns:p="http://schemas.openxmlformats.org/presentationml/2006/main" xmlns:c="http://schemas.openxmlformats.org/drawingml/2006/chart" xmlns:dgm="http://schemas.openxmlformats.org/drawingml/2006/diagram" xmlns:o="urn:schemas-microsoft-com:office:office" xmlns:v="urn:schemas-microsoft-com:vml" xmlns:pvml="urn:schemas-microsoft-com:office:powerpoint" xmlns:com="http://schemas.openxmlformats.org/drawingml/2006/compatibility" xmlns:p14="http://schemas.microsoft.com/office/powerpoint/2010/main" xmlns:p15="http://schemas.microsoft.com/office/powerpoint/2012/main" showMasterPhAnim="0" showMasterSp="0">
+  <p:cSld>
+    <p:spTree>
+      <p:nvGrpSpPr>
+        <p:cNvPr id="230" name="Shape 230"/>
+        <p:cNvGrpSpPr/>
+        <p:nvPr/>
+      </p:nvGrpSpPr>
+      <p:grpSpPr>
+        <a:xfrm>
+          <a:off x="0" y="0"/>
+          <a:ext cx="0" cy="0"/>
+          <a:chOff x="0" y="0"/>
+          <a:chExt cx="0" cy="0"/>
+        </a:xfrm>
+      </p:grpSpPr>
+      <p:sp>
+        <p:nvSpPr>
+          <p:cNvPr id="231" name="Google Shape;231;g61f6464125_0_216:notes"/>
+          <p:cNvSpPr/>
+          <p:nvPr>
+            <p:ph idx="2" type="sldImg"/>
+          </p:nvPr>
+        </p:nvSpPr>
+        <p:spPr>
+          <a:xfrm>
+            <a:off x="381300" y="685800"/>
+            <a:ext cx="6096000" cy="3429000"/>
+          </a:xfrm>
+          <a:custGeom>
+            <a:rect b="b" l="l" r="r" t="t"/>
+            <a:pathLst>
+              <a:path extrusionOk="0" h="120000" w="120000">
+                <a:moveTo>
+                  <a:pt x="0" y="0"/>
+                </a:moveTo>
+                <a:lnTo>
+                  <a:pt x="120000" y="0"/>
+                </a:lnTo>
+                <a:lnTo>
+                  <a:pt x="120000" y="120000"/>
+                </a:lnTo>
+                <a:lnTo>
+                  <a:pt x="0" y="120000"/>
+                </a:lnTo>
+                <a:close/>
+              </a:path>
+            </a:pathLst>
+          </a:custGeom>
+        </p:spPr>
+      </p:sp>
+      <p:sp>
+        <p:nvSpPr>
+          <p:cNvPr id="232" name="Google Shape;232;g61f6464125_0_216:notes"/>
+          <p:cNvSpPr txBox="1"/>
+          <p:nvPr>
+            <p:ph idx="1" type="body"/>
+          </p:nvPr>
+        </p:nvSpPr>
+        <p:spPr>
+          <a:xfrm>
+            <a:off x="685800" y="4343400"/>
+            <a:ext cx="5486400" cy="4114800"/>
+          </a:xfrm>
+          <a:prstGeom prst="rect">
+            <a:avLst/>
+          </a:prstGeom>
+        </p:spPr>
+        <p:txBody>
+          <a:bodyPr anchorCtr="0" anchor="t" bIns="91425" lIns="91425" spcFirstLastPara="1" rIns="91425" wrap="square" tIns="91425">
+            <a:noAutofit/>
+          </a:bodyPr>
+          <a:lstStyle/>
+          <a:p>
+            <a:pPr indent="0" lvl="0" marL="0" rtl="0" algn="l">
+              <a:spcBef>
+                <a:spcPts val="0"/>
+              </a:spcBef>
+              <a:spcAft>
+                <a:spcPts val="0"/>
+              </a:spcAft>
+              <a:buNone/>
+            </a:pPr>
+            <a:r>
+              <a:t/>
+            </a:r>
+            <a:endParaRPr/>
+          </a:p>
+        </p:txBody>
+      </p:sp>
+    </p:spTree>
+  </p:cSld>
+  <p:clrMapOvr>
+    <a:masterClrMapping/>
+  </p:clrMapOvr>
+</p:notes>
+</file>
+
+<file path=ppt/notesSlides/notesSlide17.xml><?xml version="1.0" encoding="utf-8"?>
+<p:notes xmlns:a="http://schemas.openxmlformats.org/drawingml/2006/main" xmlns:r="http://schemas.openxmlformats.org/officeDocument/2006/relationships" xmlns:mc="http://schemas.openxmlformats.org/markup-compatibility/2006" xmlns:mv="urn:schemas-microsoft-com:mac:vml" xmlns:p="http://schemas.openxmlformats.org/presentationml/2006/main" xmlns:c="http://schemas.openxmlformats.org/drawingml/2006/chart" xmlns:dgm="http://schemas.openxmlformats.org/drawingml/2006/diagram" xmlns:o="urn:schemas-microsoft-com:office:office" xmlns:v="urn:schemas-microsoft-com:vml" xmlns:pvml="urn:schemas-microsoft-com:office:powerpoint" xmlns:com="http://schemas.openxmlformats.org/drawingml/2006/compatibility" xmlns:p14="http://schemas.microsoft.com/office/powerpoint/2010/main" xmlns:p15="http://schemas.microsoft.com/office/powerpoint/2012/main" showMasterPhAnim="0" showMasterSp="0">
+  <p:cSld>
+    <p:spTree>
+      <p:nvGrpSpPr>
+        <p:cNvPr id="236" name="Shape 236"/>
+        <p:cNvGrpSpPr/>
+        <p:nvPr/>
+      </p:nvGrpSpPr>
+      <p:grpSpPr>
+        <a:xfrm>
+          <a:off x="0" y="0"/>
+          <a:ext cx="0" cy="0"/>
+          <a:chOff x="0" y="0"/>
+          <a:chExt cx="0" cy="0"/>
+        </a:xfrm>
+      </p:grpSpPr>
+      <p:sp>
+        <p:nvSpPr>
+          <p:cNvPr id="237" name="Google Shape;237;g62ca61d788_0_31:notes"/>
+          <p:cNvSpPr/>
+          <p:nvPr>
+            <p:ph idx="2" type="sldImg"/>
+          </p:nvPr>
+        </p:nvSpPr>
+        <p:spPr>
+          <a:xfrm>
+            <a:off x="381300" y="685800"/>
+            <a:ext cx="6096000" cy="3429000"/>
+          </a:xfrm>
+          <a:custGeom>
+            <a:rect b="b" l="l" r="r" t="t"/>
+            <a:pathLst>
+              <a:path extrusionOk="0" h="120000" w="120000">
+                <a:moveTo>
+                  <a:pt x="0" y="0"/>
+                </a:moveTo>
+                <a:lnTo>
+                  <a:pt x="120000" y="0"/>
+                </a:lnTo>
+                <a:lnTo>
+                  <a:pt x="120000" y="120000"/>
+                </a:lnTo>
+                <a:lnTo>
+                  <a:pt x="0" y="120000"/>
+                </a:lnTo>
+                <a:close/>
+              </a:path>
+            </a:pathLst>
+          </a:custGeom>
+        </p:spPr>
+      </p:sp>
+      <p:sp>
+        <p:nvSpPr>
+          <p:cNvPr id="238" name="Google Shape;238;g62ca61d788_0_31:notes"/>
           <p:cNvSpPr txBox="1"/>
           <p:nvPr>
             <p:ph idx="1" type="body"/>
@@ -1226,7 +1826,7 @@
       </p:grpSpPr>
       <p:sp>
         <p:nvSpPr>
-          <p:cNvPr id="150" name="Google Shape;150;g61f6464125_0_211:notes"/>
+          <p:cNvPr id="150" name="Google Shape;150;g62ca61d788_0_36:notes"/>
           <p:cNvSpPr/>
           <p:nvPr>
             <p:ph idx="2" type="sldImg"/>
@@ -1261,7 +1861,7 @@
       </p:sp>
       <p:sp>
         <p:nvSpPr>
-          <p:cNvPr id="151" name="Google Shape;151;g61f6464125_0_211:notes"/>
+          <p:cNvPr id="151" name="Google Shape;151;g62ca61d788_0_36:notes"/>
           <p:cNvSpPr txBox="1"/>
           <p:nvPr>
             <p:ph idx="1" type="body"/>
@@ -1311,7 +1911,7 @@
   <p:cSld>
     <p:spTree>
       <p:nvGrpSpPr>
-        <p:cNvPr id="155" name="Shape 155"/>
+        <p:cNvPr id="156" name="Shape 156"/>
         <p:cNvGrpSpPr/>
         <p:nvPr/>
       </p:nvGrpSpPr>
@@ -1325,7 +1925,7 @@
       </p:grpSpPr>
       <p:sp>
         <p:nvSpPr>
-          <p:cNvPr id="156" name="Google Shape;156;g61f6464125_0_204:notes"/>
+          <p:cNvPr id="157" name="Google Shape;157;g62ca61d788_0_12:notes"/>
           <p:cNvSpPr/>
           <p:nvPr>
             <p:ph idx="2" type="sldImg"/>
@@ -1360,7 +1960,7 @@
       </p:sp>
       <p:sp>
         <p:nvSpPr>
-          <p:cNvPr id="157" name="Google Shape;157;g61f6464125_0_204:notes"/>
+          <p:cNvPr id="158" name="Google Shape;158;g62ca61d788_0_12:notes"/>
           <p:cNvSpPr txBox="1"/>
           <p:nvPr>
             <p:ph idx="1" type="body"/>
@@ -1410,7 +2010,7 @@
   <p:cSld>
     <p:spTree>
       <p:nvGrpSpPr>
-        <p:cNvPr id="160" name="Shape 160"/>
+        <p:cNvPr id="162" name="Shape 162"/>
         <p:cNvGrpSpPr/>
         <p:nvPr/>
       </p:nvGrpSpPr>
@@ -1424,7 +2024,7 @@
       </p:grpSpPr>
       <p:sp>
         <p:nvSpPr>
-          <p:cNvPr id="161" name="Google Shape;161;g61f6464125_0_149:notes"/>
+          <p:cNvPr id="163" name="Google Shape;163;g61f6464125_0_211:notes"/>
           <p:cNvSpPr/>
           <p:nvPr>
             <p:ph idx="2" type="sldImg"/>
@@ -1459,7 +2059,7 @@
       </p:sp>
       <p:sp>
         <p:nvSpPr>
-          <p:cNvPr id="162" name="Google Shape;162;g61f6464125_0_149:notes"/>
+          <p:cNvPr id="164" name="Google Shape;164;g61f6464125_0_211:notes"/>
           <p:cNvSpPr txBox="1"/>
           <p:nvPr>
             <p:ph idx="1" type="body"/>
@@ -1509,7 +2109,7 @@
   <p:cSld>
     <p:spTree>
       <p:nvGrpSpPr>
-        <p:cNvPr id="166" name="Shape 166"/>
+        <p:cNvPr id="169" name="Shape 169"/>
         <p:cNvGrpSpPr/>
         <p:nvPr/>
       </p:nvGrpSpPr>
@@ -1523,7 +2123,7 @@
       </p:grpSpPr>
       <p:sp>
         <p:nvSpPr>
-          <p:cNvPr id="167" name="Google Shape;167;g61f6464125_0_162:notes"/>
+          <p:cNvPr id="170" name="Google Shape;170;g62ca61d788_0_22:notes"/>
           <p:cNvSpPr/>
           <p:nvPr>
             <p:ph idx="2" type="sldImg"/>
@@ -1558,7 +2158,7 @@
       </p:sp>
       <p:sp>
         <p:nvSpPr>
-          <p:cNvPr id="168" name="Google Shape;168;g61f6464125_0_162:notes"/>
+          <p:cNvPr id="171" name="Google Shape;171;g62ca61d788_0_22:notes"/>
           <p:cNvSpPr txBox="1"/>
           <p:nvPr>
             <p:ph idx="1" type="body"/>
@@ -1608,7 +2208,7 @@
   <p:cSld>
     <p:spTree>
       <p:nvGrpSpPr>
-        <p:cNvPr id="171" name="Shape 171"/>
+        <p:cNvPr id="179" name="Shape 179"/>
         <p:cNvGrpSpPr/>
         <p:nvPr/>
       </p:nvGrpSpPr>
@@ -1622,7 +2222,7 @@
       </p:grpSpPr>
       <p:sp>
         <p:nvSpPr>
-          <p:cNvPr id="172" name="Google Shape;172;g61f6464125_0_194:notes"/>
+          <p:cNvPr id="180" name="Google Shape;180;g61f6464125_0_162:notes"/>
           <p:cNvSpPr/>
           <p:nvPr>
             <p:ph idx="2" type="sldImg"/>
@@ -1657,7 +2257,7 @@
       </p:sp>
       <p:sp>
         <p:nvSpPr>
-          <p:cNvPr id="173" name="Google Shape;173;g61f6464125_0_194:notes"/>
+          <p:cNvPr id="181" name="Google Shape;181;g61f6464125_0_162:notes"/>
           <p:cNvSpPr txBox="1"/>
           <p:nvPr>
             <p:ph idx="1" type="body"/>
@@ -1707,7 +2307,7 @@
   <p:cSld>
     <p:spTree>
       <p:nvGrpSpPr>
-        <p:cNvPr id="177" name="Shape 177"/>
+        <p:cNvPr id="184" name="Shape 184"/>
         <p:cNvGrpSpPr/>
         <p:nvPr/>
       </p:nvGrpSpPr>
@@ -1721,7 +2321,7 @@
       </p:grpSpPr>
       <p:sp>
         <p:nvSpPr>
-          <p:cNvPr id="178" name="Google Shape;178;g61f6464125_0_171:notes"/>
+          <p:cNvPr id="185" name="Google Shape;185;g61f6464125_0_194:notes"/>
           <p:cNvSpPr/>
           <p:nvPr>
             <p:ph idx="2" type="sldImg"/>
@@ -1756,7 +2356,7 @@
       </p:sp>
       <p:sp>
         <p:nvSpPr>
-          <p:cNvPr id="179" name="Google Shape;179;g61f6464125_0_171:notes"/>
+          <p:cNvPr id="186" name="Google Shape;186;g61f6464125_0_194:notes"/>
           <p:cNvSpPr txBox="1"/>
           <p:nvPr>
             <p:ph idx="1" type="body"/>
@@ -10110,7 +10710,7 @@
   <p:cSld>
     <p:spTree>
       <p:nvGrpSpPr>
-        <p:cNvPr id="187" name="Shape 187"/>
+        <p:cNvPr id="193" name="Shape 193"/>
         <p:cNvGrpSpPr/>
         <p:nvPr/>
       </p:nvGrpSpPr>
@@ -10124,7 +10724,7 @@
       </p:grpSpPr>
       <p:sp>
         <p:nvSpPr>
-          <p:cNvPr id="188" name="Google Shape;188;p22"/>
+          <p:cNvPr id="194" name="Google Shape;194;p22"/>
           <p:cNvSpPr txBox="1"/>
           <p:nvPr>
             <p:ph type="title"/>
@@ -10146,17 +10746,28 @@
           <a:lstStyle/>
           <a:p>
             <a:pPr indent="0" lvl="0" marL="0" rtl="0" algn="l">
-              <a:spcBef>
-                <a:spcPts val="0"/>
-              </a:spcBef>
-              <a:spcAft>
-                <a:spcPts val="0"/>
+              <a:lnSpc>
+                <a:spcPct val="115000"/>
+              </a:lnSpc>
+              <a:spcBef>
+                <a:spcPts val="1800"/>
+              </a:spcBef>
+              <a:spcAft>
+                <a:spcPts val="600"/>
               </a:spcAft>
               <a:buNone/>
             </a:pPr>
             <a:r>
-              <a:rPr lang="en"/>
-              <a:t>Task 8: Test plan - Overview</a:t>
+              <a:rPr lang="en">
+                <a:solidFill>
+                  <a:srgbClr val="FFFFFF"/>
+                </a:solidFill>
+                <a:latin typeface="Lato"/>
+                <a:ea typeface="Lato"/>
+                <a:cs typeface="Lato"/>
+                <a:sym typeface="Lato"/>
+              </a:rPr>
+              <a:t>SSD</a:t>
             </a:r>
             <a:endParaRPr/>
           </a:p>
@@ -10164,7 +10775,754 @@
       </p:sp>
       <p:sp>
         <p:nvSpPr>
-          <p:cNvPr id="189" name="Google Shape;189;p22"/>
+          <p:cNvPr id="195" name="Google Shape;195;p22"/>
+          <p:cNvSpPr txBox="1"/>
+          <p:nvPr>
+            <p:ph idx="1" type="body"/>
+          </p:nvPr>
+        </p:nvSpPr>
+        <p:spPr>
+          <a:xfrm>
+            <a:off x="1297500" y="1567550"/>
+            <a:ext cx="2729400" cy="2911200"/>
+          </a:xfrm>
+          <a:prstGeom prst="rect">
+            <a:avLst/>
+          </a:prstGeom>
+        </p:spPr>
+        <p:txBody>
+          <a:bodyPr anchorCtr="0" anchor="t" bIns="91425" lIns="91425" spcFirstLastPara="1" rIns="91425" wrap="square" tIns="91425">
+            <a:noAutofit/>
+          </a:bodyPr>
+          <a:lstStyle/>
+          <a:p>
+            <a:pPr indent="0" lvl="0" marL="0" rtl="0" algn="l">
+              <a:spcBef>
+                <a:spcPts val="1600"/>
+              </a:spcBef>
+              <a:spcAft>
+                <a:spcPts val="0"/>
+              </a:spcAft>
+              <a:buNone/>
+            </a:pPr>
+            <a:r>
+              <a:rPr lang="en" sz="1400">
+                <a:solidFill>
+                  <a:srgbClr val="FFFFFF"/>
+                </a:solidFill>
+              </a:rPr>
+              <a:t>Use Case Example: Seed and Grow Loops</a:t>
+            </a:r>
+            <a:endParaRPr sz="1400">
+              <a:solidFill>
+                <a:srgbClr val="FFFFFF"/>
+              </a:solidFill>
+            </a:endParaRPr>
+          </a:p>
+          <a:p>
+            <a:pPr indent="-304800" lvl="0" marL="457200" rtl="0" algn="l">
+              <a:spcBef>
+                <a:spcPts val="400"/>
+              </a:spcBef>
+              <a:spcAft>
+                <a:spcPts val="0"/>
+              </a:spcAft>
+              <a:buClr>
+                <a:srgbClr val="FFFFFF"/>
+              </a:buClr>
+              <a:buSzPts val="1200"/>
+              <a:buAutoNum type="arabicPeriod"/>
+            </a:pPr>
+            <a:r>
+              <a:rPr lang="en" sz="1200">
+                <a:solidFill>
+                  <a:srgbClr val="FFFFFF"/>
+                </a:solidFill>
+              </a:rPr>
+              <a:t>Get seeds</a:t>
+            </a:r>
+            <a:endParaRPr sz="1200">
+              <a:solidFill>
+                <a:srgbClr val="FFFFFF"/>
+              </a:solidFill>
+            </a:endParaRPr>
+          </a:p>
+          <a:p>
+            <a:pPr indent="-304800" lvl="0" marL="457200" rtl="0" algn="l">
+              <a:spcBef>
+                <a:spcPts val="0"/>
+              </a:spcBef>
+              <a:spcAft>
+                <a:spcPts val="0"/>
+              </a:spcAft>
+              <a:buClr>
+                <a:srgbClr val="FFFFFF"/>
+              </a:buClr>
+              <a:buSzPts val="1200"/>
+              <a:buAutoNum type="arabicPeriod"/>
+            </a:pPr>
+            <a:r>
+              <a:rPr lang="en" sz="1200">
+                <a:solidFill>
+                  <a:srgbClr val="FFFFFF"/>
+                </a:solidFill>
+              </a:rPr>
+              <a:t>Plant seeds</a:t>
+            </a:r>
+            <a:endParaRPr sz="1200">
+              <a:solidFill>
+                <a:srgbClr val="FFFFFF"/>
+              </a:solidFill>
+            </a:endParaRPr>
+          </a:p>
+          <a:p>
+            <a:pPr indent="-304800" lvl="0" marL="457200" rtl="0" algn="l">
+              <a:spcBef>
+                <a:spcPts val="0"/>
+              </a:spcBef>
+              <a:spcAft>
+                <a:spcPts val="0"/>
+              </a:spcAft>
+              <a:buClr>
+                <a:srgbClr val="FFFFFF"/>
+              </a:buClr>
+              <a:buSzPts val="1200"/>
+              <a:buAutoNum type="arabicPeriod"/>
+            </a:pPr>
+            <a:r>
+              <a:rPr lang="en" sz="1200">
+                <a:solidFill>
+                  <a:srgbClr val="FFFFFF"/>
+                </a:solidFill>
+              </a:rPr>
+              <a:t>Cycle sensor activation</a:t>
+            </a:r>
+            <a:endParaRPr sz="1200">
+              <a:solidFill>
+                <a:srgbClr val="FFFFFF"/>
+              </a:solidFill>
+            </a:endParaRPr>
+          </a:p>
+          <a:p>
+            <a:pPr indent="-304800" lvl="0" marL="457200" rtl="0" algn="l">
+              <a:spcBef>
+                <a:spcPts val="0"/>
+              </a:spcBef>
+              <a:spcAft>
+                <a:spcPts val="0"/>
+              </a:spcAft>
+              <a:buClr>
+                <a:srgbClr val="FFFFFF"/>
+              </a:buClr>
+              <a:buSzPts val="1200"/>
+              <a:buAutoNum type="arabicPeriod"/>
+            </a:pPr>
+            <a:r>
+              <a:rPr lang="en" sz="1200">
+                <a:solidFill>
+                  <a:srgbClr val="FFFFFF"/>
+                </a:solidFill>
+              </a:rPr>
+              <a:t>Engage support systems</a:t>
+            </a:r>
+            <a:endParaRPr>
+              <a:solidFill>
+                <a:srgbClr val="FFFFFF"/>
+              </a:solidFill>
+            </a:endParaRPr>
+          </a:p>
+        </p:txBody>
+      </p:sp>
+      <p:pic>
+        <p:nvPicPr>
+          <p:cNvPr id="196" name="Google Shape;196;p22"/>
+          <p:cNvPicPr preferRelativeResize="0"/>
+          <p:nvPr/>
+        </p:nvPicPr>
+        <p:blipFill>
+          <a:blip r:embed="rId3">
+            <a:alphaModFix/>
+          </a:blip>
+          <a:stretch>
+            <a:fillRect/>
+          </a:stretch>
+        </p:blipFill>
+        <p:spPr>
+          <a:xfrm>
+            <a:off x="3869550" y="951475"/>
+            <a:ext cx="4812300" cy="3240541"/>
+          </a:xfrm>
+          <a:prstGeom prst="rect">
+            <a:avLst/>
+          </a:prstGeom>
+          <a:noFill/>
+          <a:ln cap="flat" cmpd="sng" w="9525">
+            <a:solidFill>
+              <a:schemeClr val="dk2"/>
+            </a:solidFill>
+            <a:prstDash val="solid"/>
+            <a:round/>
+            <a:headEnd len="sm" w="sm" type="none"/>
+            <a:tailEnd len="sm" w="sm" type="none"/>
+          </a:ln>
+        </p:spPr>
+      </p:pic>
+    </p:spTree>
+  </p:cSld>
+  <p:clrMapOvr>
+    <a:masterClrMapping/>
+  </p:clrMapOvr>
+</p:sld>
+</file>
+
+<file path=ppt/slides/slide11.xml><?xml version="1.0" encoding="utf-8"?>
+<p:sld xmlns:a="http://schemas.openxmlformats.org/drawingml/2006/main" xmlns:r="http://schemas.openxmlformats.org/officeDocument/2006/relationships" xmlns:mc="http://schemas.openxmlformats.org/markup-compatibility/2006" xmlns:mv="urn:schemas-microsoft-com:mac:vml" xmlns:p="http://schemas.openxmlformats.org/presentationml/2006/main" xmlns:c="http://schemas.openxmlformats.org/drawingml/2006/chart" xmlns:dgm="http://schemas.openxmlformats.org/drawingml/2006/diagram" xmlns:o="urn:schemas-microsoft-com:office:office" xmlns:v="urn:schemas-microsoft-com:vml" xmlns:pvml="urn:schemas-microsoft-com:office:powerpoint" xmlns:com="http://schemas.openxmlformats.org/drawingml/2006/compatibility" xmlns:p14="http://schemas.microsoft.com/office/powerpoint/2010/main" xmlns:p15="http://schemas.microsoft.com/office/powerpoint/2012/main">
+  <p:cSld>
+    <p:spTree>
+      <p:nvGrpSpPr>
+        <p:cNvPr id="200" name="Shape 200"/>
+        <p:cNvGrpSpPr/>
+        <p:nvPr/>
+      </p:nvGrpSpPr>
+      <p:grpSpPr>
+        <a:xfrm>
+          <a:off x="0" y="0"/>
+          <a:ext cx="0" cy="0"/>
+          <a:chOff x="0" y="0"/>
+          <a:chExt cx="0" cy="0"/>
+        </a:xfrm>
+      </p:grpSpPr>
+      <p:sp>
+        <p:nvSpPr>
+          <p:cNvPr id="201" name="Google Shape;201;p23"/>
+          <p:cNvSpPr txBox="1"/>
+          <p:nvPr>
+            <p:ph type="title"/>
+          </p:nvPr>
+        </p:nvSpPr>
+        <p:spPr>
+          <a:xfrm>
+            <a:off x="1297500" y="393750"/>
+            <a:ext cx="7038900" cy="914100"/>
+          </a:xfrm>
+          <a:prstGeom prst="rect">
+            <a:avLst/>
+          </a:prstGeom>
+        </p:spPr>
+        <p:txBody>
+          <a:bodyPr anchorCtr="0" anchor="t" bIns="91425" lIns="91425" spcFirstLastPara="1" rIns="91425" wrap="square" tIns="91425">
+            <a:noAutofit/>
+          </a:bodyPr>
+          <a:lstStyle/>
+          <a:p>
+            <a:pPr indent="0" lvl="0" marL="0" rtl="0" algn="l">
+              <a:spcBef>
+                <a:spcPts val="0"/>
+              </a:spcBef>
+              <a:spcAft>
+                <a:spcPts val="0"/>
+              </a:spcAft>
+              <a:buNone/>
+            </a:pPr>
+            <a:r>
+              <a:rPr lang="en"/>
+              <a:t>Task 7: Create design document - Requirements and Config</a:t>
+            </a:r>
+            <a:endParaRPr/>
+          </a:p>
+          <a:p>
+            <a:pPr indent="0" lvl="0" marL="0" rtl="0" algn="l">
+              <a:spcBef>
+                <a:spcPts val="0"/>
+              </a:spcBef>
+              <a:spcAft>
+                <a:spcPts val="0"/>
+              </a:spcAft>
+              <a:buNone/>
+            </a:pPr>
+            <a:r>
+              <a:t/>
+            </a:r>
+            <a:endParaRPr/>
+          </a:p>
+        </p:txBody>
+      </p:sp>
+      <p:sp>
+        <p:nvSpPr>
+          <p:cNvPr id="202" name="Google Shape;202;p23"/>
+          <p:cNvSpPr txBox="1"/>
+          <p:nvPr>
+            <p:ph idx="1" type="body"/>
+          </p:nvPr>
+        </p:nvSpPr>
+        <p:spPr>
+          <a:xfrm>
+            <a:off x="1297500" y="1567550"/>
+            <a:ext cx="3482700" cy="2911200"/>
+          </a:xfrm>
+          <a:prstGeom prst="rect">
+            <a:avLst/>
+          </a:prstGeom>
+        </p:spPr>
+        <p:txBody>
+          <a:bodyPr anchorCtr="0" anchor="t" bIns="91425" lIns="91425" spcFirstLastPara="1" rIns="91425" wrap="square" tIns="91425">
+            <a:noAutofit/>
+          </a:bodyPr>
+          <a:lstStyle/>
+          <a:p>
+            <a:pPr indent="0" lvl="0" marL="0" rtl="0" algn="l">
+              <a:spcBef>
+                <a:spcPts val="0"/>
+              </a:spcBef>
+              <a:spcAft>
+                <a:spcPts val="0"/>
+              </a:spcAft>
+              <a:buNone/>
+            </a:pPr>
+            <a:r>
+              <a:rPr lang="en"/>
+              <a:t>XML Parser:</a:t>
+            </a:r>
+            <a:endParaRPr/>
+          </a:p>
+          <a:p>
+            <a:pPr indent="0" lvl="0" marL="0" rtl="0" algn="l">
+              <a:spcBef>
+                <a:spcPts val="1600"/>
+              </a:spcBef>
+              <a:spcAft>
+                <a:spcPts val="0"/>
+              </a:spcAft>
+              <a:buNone/>
+            </a:pPr>
+            <a:r>
+              <a:rPr lang="en"/>
+              <a:t>Pros:</a:t>
+            </a:r>
+            <a:endParaRPr/>
+          </a:p>
+          <a:p>
+            <a:pPr indent="-311150" lvl="0" marL="457200" rtl="0" algn="l">
+              <a:spcBef>
+                <a:spcPts val="1600"/>
+              </a:spcBef>
+              <a:spcAft>
+                <a:spcPts val="0"/>
+              </a:spcAft>
+              <a:buSzPts val="1300"/>
+              <a:buAutoNum type="arabicPeriod"/>
+            </a:pPr>
+            <a:r>
+              <a:rPr lang="en"/>
+              <a:t>Easy to parse</a:t>
+            </a:r>
+            <a:endParaRPr/>
+          </a:p>
+          <a:p>
+            <a:pPr indent="0" lvl="0" marL="0" rtl="0" algn="l">
+              <a:spcBef>
+                <a:spcPts val="1600"/>
+              </a:spcBef>
+              <a:spcAft>
+                <a:spcPts val="0"/>
+              </a:spcAft>
+              <a:buNone/>
+            </a:pPr>
+            <a:r>
+              <a:rPr lang="en"/>
+              <a:t>Cons:</a:t>
+            </a:r>
+            <a:endParaRPr/>
+          </a:p>
+          <a:p>
+            <a:pPr indent="-311150" lvl="0" marL="457200" rtl="0" algn="l">
+              <a:spcBef>
+                <a:spcPts val="1600"/>
+              </a:spcBef>
+              <a:spcAft>
+                <a:spcPts val="0"/>
+              </a:spcAft>
+              <a:buSzPts val="1300"/>
+              <a:buAutoNum type="arabicPeriod"/>
+            </a:pPr>
+            <a:r>
+              <a:rPr lang="en"/>
+              <a:t>Verbose</a:t>
+            </a:r>
+            <a:endParaRPr/>
+          </a:p>
+          <a:p>
+            <a:pPr indent="-311150" lvl="0" marL="457200" rtl="0" algn="l">
+              <a:spcBef>
+                <a:spcPts val="0"/>
+              </a:spcBef>
+              <a:spcAft>
+                <a:spcPts val="0"/>
+              </a:spcAft>
+              <a:buSzPts val="1300"/>
+              <a:buAutoNum type="arabicPeriod"/>
+            </a:pPr>
+            <a:r>
+              <a:rPr lang="en"/>
+              <a:t>May be difficult to debug</a:t>
+            </a:r>
+            <a:endParaRPr/>
+          </a:p>
+          <a:p>
+            <a:pPr indent="-311150" lvl="0" marL="457200" rtl="0" algn="l">
+              <a:spcBef>
+                <a:spcPts val="0"/>
+              </a:spcBef>
+              <a:spcAft>
+                <a:spcPts val="0"/>
+              </a:spcAft>
+              <a:buSzPts val="1300"/>
+              <a:buAutoNum type="arabicPeriod"/>
+            </a:pPr>
+            <a:r>
+              <a:rPr lang="en"/>
+              <a:t>Parser may be large</a:t>
+            </a:r>
+            <a:endParaRPr/>
+          </a:p>
+        </p:txBody>
+      </p:sp>
+      <p:sp>
+        <p:nvSpPr>
+          <p:cNvPr id="203" name="Google Shape;203;p23"/>
+          <p:cNvSpPr txBox="1"/>
+          <p:nvPr>
+            <p:ph idx="1" type="body"/>
+          </p:nvPr>
+        </p:nvSpPr>
+        <p:spPr>
+          <a:xfrm>
+            <a:off x="4933525" y="1567550"/>
+            <a:ext cx="3482700" cy="2911200"/>
+          </a:xfrm>
+          <a:prstGeom prst="rect">
+            <a:avLst/>
+          </a:prstGeom>
+        </p:spPr>
+        <p:txBody>
+          <a:bodyPr anchorCtr="0" anchor="t" bIns="91425" lIns="91425" spcFirstLastPara="1" rIns="91425" wrap="square" tIns="91425">
+            <a:noAutofit/>
+          </a:bodyPr>
+          <a:lstStyle/>
+          <a:p>
+            <a:pPr indent="0" lvl="0" marL="0" rtl="0" algn="l">
+              <a:spcBef>
+                <a:spcPts val="0"/>
+              </a:spcBef>
+              <a:spcAft>
+                <a:spcPts val="0"/>
+              </a:spcAft>
+              <a:buNone/>
+            </a:pPr>
+            <a:r>
+              <a:rPr lang="en"/>
+              <a:t>Parser:</a:t>
+            </a:r>
+            <a:endParaRPr/>
+          </a:p>
+          <a:p>
+            <a:pPr indent="-311150" lvl="0" marL="457200" rtl="0" algn="l">
+              <a:spcBef>
+                <a:spcPts val="1600"/>
+              </a:spcBef>
+              <a:spcAft>
+                <a:spcPts val="0"/>
+              </a:spcAft>
+              <a:buSzPts val="1300"/>
+              <a:buChar char="●"/>
+            </a:pPr>
+            <a:r>
+              <a:rPr lang="en"/>
+              <a:t>Configurations fall into:</a:t>
+            </a:r>
+            <a:endParaRPr/>
+          </a:p>
+          <a:p>
+            <a:pPr indent="-298450" lvl="1" marL="914400" rtl="0" algn="l">
+              <a:spcBef>
+                <a:spcPts val="0"/>
+              </a:spcBef>
+              <a:spcAft>
+                <a:spcPts val="0"/>
+              </a:spcAft>
+              <a:buSzPts val="1100"/>
+              <a:buChar char="○"/>
+            </a:pPr>
+            <a:r>
+              <a:rPr lang="en"/>
+              <a:t>Actions</a:t>
+            </a:r>
+            <a:endParaRPr/>
+          </a:p>
+          <a:p>
+            <a:pPr indent="-298450" lvl="1" marL="914400" rtl="0" algn="l">
+              <a:spcBef>
+                <a:spcPts val="0"/>
+              </a:spcBef>
+              <a:spcAft>
+                <a:spcPts val="0"/>
+              </a:spcAft>
+              <a:buSzPts val="1100"/>
+              <a:buChar char="○"/>
+            </a:pPr>
+            <a:r>
+              <a:rPr lang="en"/>
+              <a:t>Specifying a conditions</a:t>
+            </a:r>
+            <a:endParaRPr/>
+          </a:p>
+          <a:p>
+            <a:pPr indent="-311150" lvl="0" marL="457200" rtl="0" algn="l">
+              <a:spcBef>
+                <a:spcPts val="0"/>
+              </a:spcBef>
+              <a:spcAft>
+                <a:spcPts val="0"/>
+              </a:spcAft>
+              <a:buSzPts val="1300"/>
+              <a:buChar char="●"/>
+            </a:pPr>
+            <a:r>
+              <a:rPr lang="en"/>
+              <a:t>Duration</a:t>
+            </a:r>
+            <a:r>
+              <a:rPr lang="en"/>
+              <a:t> </a:t>
+            </a:r>
+            <a:endParaRPr/>
+          </a:p>
+          <a:p>
+            <a:pPr indent="-311150" lvl="0" marL="457200" rtl="0" algn="l">
+              <a:spcBef>
+                <a:spcPts val="0"/>
+              </a:spcBef>
+              <a:spcAft>
+                <a:spcPts val="0"/>
+              </a:spcAft>
+              <a:buSzPts val="1300"/>
+              <a:buChar char="●"/>
+            </a:pPr>
+            <a:r>
+              <a:rPr lang="en"/>
+              <a:t>Frequency</a:t>
+            </a:r>
+            <a:endParaRPr/>
+          </a:p>
+          <a:p>
+            <a:pPr indent="-311150" lvl="0" marL="457200" rtl="0" algn="l">
+              <a:spcBef>
+                <a:spcPts val="0"/>
+              </a:spcBef>
+              <a:spcAft>
+                <a:spcPts val="0"/>
+              </a:spcAft>
+              <a:buSzPts val="1300"/>
+              <a:buChar char="●"/>
+            </a:pPr>
+            <a:r>
+              <a:rPr lang="en"/>
+              <a:t>Intensity</a:t>
+            </a:r>
+            <a:endParaRPr/>
+          </a:p>
+        </p:txBody>
+      </p:sp>
+    </p:spTree>
+  </p:cSld>
+  <p:clrMapOvr>
+    <a:masterClrMapping/>
+  </p:clrMapOvr>
+</p:sld>
+</file>
+
+<file path=ppt/slides/slide12.xml><?xml version="1.0" encoding="utf-8"?>
+<p:sld xmlns:a="http://schemas.openxmlformats.org/drawingml/2006/main" xmlns:r="http://schemas.openxmlformats.org/officeDocument/2006/relationships" xmlns:mc="http://schemas.openxmlformats.org/markup-compatibility/2006" xmlns:mv="urn:schemas-microsoft-com:mac:vml" xmlns:p="http://schemas.openxmlformats.org/presentationml/2006/main" xmlns:c="http://schemas.openxmlformats.org/drawingml/2006/chart" xmlns:dgm="http://schemas.openxmlformats.org/drawingml/2006/diagram" xmlns:o="urn:schemas-microsoft-com:office:office" xmlns:v="urn:schemas-microsoft-com:vml" xmlns:pvml="urn:schemas-microsoft-com:office:powerpoint" xmlns:com="http://schemas.openxmlformats.org/drawingml/2006/compatibility" xmlns:p14="http://schemas.microsoft.com/office/powerpoint/2010/main" xmlns:p15="http://schemas.microsoft.com/office/powerpoint/2012/main">
+  <p:cSld>
+    <p:spTree>
+      <p:nvGrpSpPr>
+        <p:cNvPr id="207" name="Shape 207"/>
+        <p:cNvGrpSpPr/>
+        <p:nvPr/>
+      </p:nvGrpSpPr>
+      <p:grpSpPr>
+        <a:xfrm>
+          <a:off x="0" y="0"/>
+          <a:ext cx="0" cy="0"/>
+          <a:chOff x="0" y="0"/>
+          <a:chExt cx="0" cy="0"/>
+        </a:xfrm>
+      </p:grpSpPr>
+      <p:sp>
+        <p:nvSpPr>
+          <p:cNvPr id="208" name="Google Shape;208;p24"/>
+          <p:cNvSpPr txBox="1"/>
+          <p:nvPr>
+            <p:ph type="title"/>
+          </p:nvPr>
+        </p:nvSpPr>
+        <p:spPr>
+          <a:xfrm>
+            <a:off x="1297500" y="393750"/>
+            <a:ext cx="7512600" cy="914100"/>
+          </a:xfrm>
+          <a:prstGeom prst="rect">
+            <a:avLst/>
+          </a:prstGeom>
+        </p:spPr>
+        <p:txBody>
+          <a:bodyPr anchorCtr="0" anchor="t" bIns="91425" lIns="91425" spcFirstLastPara="1" rIns="91425" wrap="square" tIns="91425">
+            <a:noAutofit/>
+          </a:bodyPr>
+          <a:lstStyle/>
+          <a:p>
+            <a:pPr indent="0" lvl="0" marL="0" rtl="0" algn="l">
+              <a:spcBef>
+                <a:spcPts val="0"/>
+              </a:spcBef>
+              <a:spcAft>
+                <a:spcPts val="0"/>
+              </a:spcAft>
+              <a:buNone/>
+            </a:pPr>
+            <a:r>
+              <a:rPr lang="en"/>
+              <a:t>Task 7: Create design document - </a:t>
+            </a:r>
+            <a:r>
+              <a:rPr lang="en"/>
+              <a:t>Requirements</a:t>
+            </a:r>
+            <a:r>
+              <a:rPr lang="en"/>
+              <a:t> and Config (Some Ideas)</a:t>
+            </a:r>
+            <a:endParaRPr/>
+          </a:p>
+        </p:txBody>
+      </p:sp>
+      <p:pic>
+        <p:nvPicPr>
+          <p:cNvPr id="209" name="Google Shape;209;p24"/>
+          <p:cNvPicPr preferRelativeResize="0"/>
+          <p:nvPr/>
+        </p:nvPicPr>
+        <p:blipFill>
+          <a:blip r:embed="rId3">
+            <a:alphaModFix/>
+          </a:blip>
+          <a:stretch>
+            <a:fillRect/>
+          </a:stretch>
+        </p:blipFill>
+        <p:spPr>
+          <a:xfrm>
+            <a:off x="2283575" y="1307851"/>
+            <a:ext cx="4853824" cy="3692325"/>
+          </a:xfrm>
+          <a:prstGeom prst="rect">
+            <a:avLst/>
+          </a:prstGeom>
+          <a:noFill/>
+          <a:ln cap="flat" cmpd="sng" w="9525">
+            <a:solidFill>
+              <a:schemeClr val="dk2"/>
+            </a:solidFill>
+            <a:prstDash val="solid"/>
+            <a:round/>
+            <a:headEnd len="sm" w="sm" type="none"/>
+            <a:tailEnd len="sm" w="sm" type="none"/>
+          </a:ln>
+        </p:spPr>
+      </p:pic>
+    </p:spTree>
+  </p:cSld>
+  <p:clrMapOvr>
+    <a:masterClrMapping/>
+  </p:clrMapOvr>
+</p:sld>
+</file>
+
+<file path=ppt/slides/slide13.xml><?xml version="1.0" encoding="utf-8"?>
+<p:sld xmlns:a="http://schemas.openxmlformats.org/drawingml/2006/main" xmlns:r="http://schemas.openxmlformats.org/officeDocument/2006/relationships" xmlns:mc="http://schemas.openxmlformats.org/markup-compatibility/2006" xmlns:mv="urn:schemas-microsoft-com:mac:vml" xmlns:p="http://schemas.openxmlformats.org/presentationml/2006/main" xmlns:c="http://schemas.openxmlformats.org/drawingml/2006/chart" xmlns:dgm="http://schemas.openxmlformats.org/drawingml/2006/diagram" xmlns:o="urn:schemas-microsoft-com:office:office" xmlns:v="urn:schemas-microsoft-com:vml" xmlns:pvml="urn:schemas-microsoft-com:office:powerpoint" xmlns:com="http://schemas.openxmlformats.org/drawingml/2006/compatibility" xmlns:p14="http://schemas.microsoft.com/office/powerpoint/2010/main" xmlns:p15="http://schemas.microsoft.com/office/powerpoint/2012/main">
+  <p:cSld>
+    <p:spTree>
+      <p:nvGrpSpPr>
+        <p:cNvPr id="213" name="Shape 213"/>
+        <p:cNvGrpSpPr/>
+        <p:nvPr/>
+      </p:nvGrpSpPr>
+      <p:grpSpPr>
+        <a:xfrm>
+          <a:off x="0" y="0"/>
+          <a:ext cx="0" cy="0"/>
+          <a:chOff x="0" y="0"/>
+          <a:chExt cx="0" cy="0"/>
+        </a:xfrm>
+      </p:grpSpPr>
+      <p:sp>
+        <p:nvSpPr>
+          <p:cNvPr id="214" name="Google Shape;214;p25"/>
+          <p:cNvSpPr txBox="1"/>
+          <p:nvPr>
+            <p:ph type="title"/>
+          </p:nvPr>
+        </p:nvSpPr>
+        <p:spPr>
+          <a:xfrm>
+            <a:off x="1297500" y="393750"/>
+            <a:ext cx="7038900" cy="914100"/>
+          </a:xfrm>
+          <a:prstGeom prst="rect">
+            <a:avLst/>
+          </a:prstGeom>
+        </p:spPr>
+        <p:txBody>
+          <a:bodyPr anchorCtr="0" anchor="t" bIns="91425" lIns="91425" spcFirstLastPara="1" rIns="91425" wrap="square" tIns="91425">
+            <a:noAutofit/>
+          </a:bodyPr>
+          <a:lstStyle/>
+          <a:p>
+            <a:pPr indent="0" lvl="0" marL="0" rtl="0" algn="l">
+              <a:spcBef>
+                <a:spcPts val="0"/>
+              </a:spcBef>
+              <a:spcAft>
+                <a:spcPts val="0"/>
+              </a:spcAft>
+              <a:buNone/>
+            </a:pPr>
+            <a:r>
+              <a:rPr lang="en"/>
+              <a:t>Task 7: Create design document - Requirements and Config (Some Ideas)</a:t>
+            </a:r>
+            <a:endParaRPr/>
+          </a:p>
+          <a:p>
+            <a:pPr indent="0" lvl="0" marL="0" rtl="0" algn="l">
+              <a:spcBef>
+                <a:spcPts val="0"/>
+              </a:spcBef>
+              <a:spcAft>
+                <a:spcPts val="0"/>
+              </a:spcAft>
+              <a:buNone/>
+            </a:pPr>
+            <a:r>
+              <a:t/>
+            </a:r>
+            <a:endParaRPr/>
+          </a:p>
+        </p:txBody>
+      </p:sp>
+      <p:sp>
+        <p:nvSpPr>
+          <p:cNvPr id="215" name="Google Shape;215;p25"/>
           <p:cNvSpPr txBox="1"/>
           <p:nvPr>
             <p:ph idx="1" type="body"/>
@@ -10185,6 +11543,234 @@
           </a:bodyPr>
           <a:lstStyle/>
           <a:p>
+            <a:pPr indent="-311150" lvl="0" marL="457200" rtl="0" algn="l">
+              <a:spcBef>
+                <a:spcPts val="0"/>
+              </a:spcBef>
+              <a:spcAft>
+                <a:spcPts val="0"/>
+              </a:spcAft>
+              <a:buSzPts val="1300"/>
+              <a:buChar char="●"/>
+            </a:pPr>
+            <a:r>
+              <a:rPr lang="en"/>
+              <a:t>S</a:t>
+            </a:r>
+            <a:r>
+              <a:rPr lang="en"/>
+              <a:t>impler syntax/grammar than XML is probably achievable...</a:t>
+            </a:r>
+            <a:endParaRPr/>
+          </a:p>
+          <a:p>
+            <a:pPr indent="-311150" lvl="0" marL="457200" rtl="0" algn="l">
+              <a:spcBef>
+                <a:spcPts val="0"/>
+              </a:spcBef>
+              <a:spcAft>
+                <a:spcPts val="0"/>
+              </a:spcAft>
+              <a:buSzPts val="1300"/>
+              <a:buChar char="●"/>
+            </a:pPr>
+            <a:r>
+              <a:rPr lang="en"/>
+              <a:t>One possible idea is keyword:value pair</a:t>
+            </a:r>
+            <a:endParaRPr/>
+          </a:p>
+          <a:p>
+            <a:pPr indent="-311150" lvl="0" marL="457200" rtl="0" algn="l">
+              <a:spcBef>
+                <a:spcPts val="0"/>
+              </a:spcBef>
+              <a:spcAft>
+                <a:spcPts val="0"/>
+              </a:spcAft>
+              <a:buSzPts val="1300"/>
+              <a:buChar char="●"/>
+            </a:pPr>
+            <a:r>
+              <a:rPr lang="en"/>
+              <a:t>An action can be a list of keyword:value pair</a:t>
+            </a:r>
+            <a:endParaRPr/>
+          </a:p>
+          <a:p>
+            <a:pPr indent="-298450" lvl="1" marL="914400" rtl="0" algn="l">
+              <a:spcBef>
+                <a:spcPts val="0"/>
+              </a:spcBef>
+              <a:spcAft>
+                <a:spcPts val="0"/>
+              </a:spcAft>
+              <a:buSzPts val="1100"/>
+              <a:buChar char="○"/>
+            </a:pPr>
+            <a:r>
+              <a:rPr lang="en"/>
+              <a:t>activate:waterpump duration:10s</a:t>
+            </a:r>
+            <a:endParaRPr/>
+          </a:p>
+          <a:p>
+            <a:pPr indent="-298450" lvl="1" marL="914400" rtl="0" algn="l">
+              <a:spcBef>
+                <a:spcPts val="0"/>
+              </a:spcBef>
+              <a:spcAft>
+                <a:spcPts val="0"/>
+              </a:spcAft>
+              <a:buSzPts val="1100"/>
+              <a:buChar char="○"/>
+            </a:pPr>
+            <a:r>
+              <a:rPr lang="en"/>
+              <a:t>activate:moistureSensor frequency:6h</a:t>
+            </a:r>
+            <a:endParaRPr/>
+          </a:p>
+          <a:p>
+            <a:pPr indent="-298450" lvl="1" marL="914400" rtl="0" algn="l">
+              <a:spcBef>
+                <a:spcPts val="0"/>
+              </a:spcBef>
+              <a:spcAft>
+                <a:spcPts val="0"/>
+              </a:spcAft>
+              <a:buSzPts val="1100"/>
+              <a:buChar char="○"/>
+            </a:pPr>
+            <a:r>
+              <a:rPr lang="en"/>
+              <a:t>activate:light intensity:5</a:t>
+            </a:r>
+            <a:endParaRPr/>
+          </a:p>
+          <a:p>
+            <a:pPr indent="0" lvl="0" marL="0" rtl="0" algn="l">
+              <a:spcBef>
+                <a:spcPts val="1600"/>
+              </a:spcBef>
+              <a:spcAft>
+                <a:spcPts val="0"/>
+              </a:spcAft>
+              <a:buNone/>
+            </a:pPr>
+            <a:r>
+              <a:rPr lang="en"/>
+              <a:t>Other things to consider:</a:t>
+            </a:r>
+            <a:endParaRPr/>
+          </a:p>
+          <a:p>
+            <a:pPr indent="-311150" lvl="0" marL="457200" rtl="0" algn="l">
+              <a:spcBef>
+                <a:spcPts val="1600"/>
+              </a:spcBef>
+              <a:spcAft>
+                <a:spcPts val="0"/>
+              </a:spcAft>
+              <a:buSzPts val="1300"/>
+              <a:buChar char="●"/>
+            </a:pPr>
+            <a:r>
+              <a:rPr lang="en"/>
+              <a:t>Processes parallel or sequential and how to specify</a:t>
+            </a:r>
+            <a:endParaRPr/>
+          </a:p>
+        </p:txBody>
+      </p:sp>
+    </p:spTree>
+  </p:cSld>
+  <p:clrMapOvr>
+    <a:masterClrMapping/>
+  </p:clrMapOvr>
+</p:sld>
+</file>
+
+<file path=ppt/slides/slide14.xml><?xml version="1.0" encoding="utf-8"?>
+<p:sld xmlns:a="http://schemas.openxmlformats.org/drawingml/2006/main" xmlns:r="http://schemas.openxmlformats.org/officeDocument/2006/relationships" xmlns:mc="http://schemas.openxmlformats.org/markup-compatibility/2006" xmlns:mv="urn:schemas-microsoft-com:mac:vml" xmlns:p="http://schemas.openxmlformats.org/presentationml/2006/main" xmlns:c="http://schemas.openxmlformats.org/drawingml/2006/chart" xmlns:dgm="http://schemas.openxmlformats.org/drawingml/2006/diagram" xmlns:o="urn:schemas-microsoft-com:office:office" xmlns:v="urn:schemas-microsoft-com:vml" xmlns:pvml="urn:schemas-microsoft-com:office:powerpoint" xmlns:com="http://schemas.openxmlformats.org/drawingml/2006/compatibility" xmlns:p14="http://schemas.microsoft.com/office/powerpoint/2010/main" xmlns:p15="http://schemas.microsoft.com/office/powerpoint/2012/main">
+  <p:cSld>
+    <p:spTree>
+      <p:nvGrpSpPr>
+        <p:cNvPr id="219" name="Shape 219"/>
+        <p:cNvGrpSpPr/>
+        <p:nvPr/>
+      </p:nvGrpSpPr>
+      <p:grpSpPr>
+        <a:xfrm>
+          <a:off x="0" y="0"/>
+          <a:ext cx="0" cy="0"/>
+          <a:chOff x="0" y="0"/>
+          <a:chExt cx="0" cy="0"/>
+        </a:xfrm>
+      </p:grpSpPr>
+      <p:sp>
+        <p:nvSpPr>
+          <p:cNvPr id="220" name="Google Shape;220;p26"/>
+          <p:cNvSpPr txBox="1"/>
+          <p:nvPr>
+            <p:ph type="title"/>
+          </p:nvPr>
+        </p:nvSpPr>
+        <p:spPr>
+          <a:xfrm>
+            <a:off x="1297500" y="393750"/>
+            <a:ext cx="7038900" cy="914100"/>
+          </a:xfrm>
+          <a:prstGeom prst="rect">
+            <a:avLst/>
+          </a:prstGeom>
+        </p:spPr>
+        <p:txBody>
+          <a:bodyPr anchorCtr="0" anchor="t" bIns="91425" lIns="91425" spcFirstLastPara="1" rIns="91425" wrap="square" tIns="91425">
+            <a:noAutofit/>
+          </a:bodyPr>
+          <a:lstStyle/>
+          <a:p>
+            <a:pPr indent="0" lvl="0" marL="0" rtl="0" algn="l">
+              <a:spcBef>
+                <a:spcPts val="0"/>
+              </a:spcBef>
+              <a:spcAft>
+                <a:spcPts val="0"/>
+              </a:spcAft>
+              <a:buNone/>
+            </a:pPr>
+            <a:r>
+              <a:rPr lang="en"/>
+              <a:t>Task 8: Test plan - Overview</a:t>
+            </a:r>
+            <a:endParaRPr/>
+          </a:p>
+        </p:txBody>
+      </p:sp>
+      <p:sp>
+        <p:nvSpPr>
+          <p:cNvPr id="221" name="Google Shape;221;p26"/>
+          <p:cNvSpPr txBox="1"/>
+          <p:nvPr>
+            <p:ph idx="1" type="body"/>
+          </p:nvPr>
+        </p:nvSpPr>
+        <p:spPr>
+          <a:xfrm>
+            <a:off x="1297500" y="1186550"/>
+            <a:ext cx="7038900" cy="2911200"/>
+          </a:xfrm>
+          <a:prstGeom prst="rect">
+            <a:avLst/>
+          </a:prstGeom>
+        </p:spPr>
+        <p:txBody>
+          <a:bodyPr anchorCtr="0" anchor="t" bIns="91425" lIns="91425" spcFirstLastPara="1" rIns="91425" wrap="square" tIns="91425">
+            <a:noAutofit/>
+          </a:bodyPr>
+          <a:lstStyle/>
+          <a:p>
             <a:pPr indent="0" lvl="0" marL="0" rtl="0" algn="l">
               <a:spcBef>
                 <a:spcPts val="0"/>
@@ -10231,12 +11817,12 @@
       </p:sp>
       <p:graphicFrame>
         <p:nvGraphicFramePr>
-          <p:cNvPr id="190" name="Google Shape;190;p22"/>
+          <p:cNvPr id="222" name="Google Shape;222;p26"/>
           <p:cNvGraphicFramePr/>
           <p:nvPr/>
         </p:nvGraphicFramePr>
         <p:xfrm>
-          <a:off x="1600200" y="2702025"/>
+          <a:off x="1600200" y="2321025"/>
           <a:ext cx="3000000" cy="3000000"/>
         </p:xfrm>
         <a:graphic>
@@ -10244,7 +11830,7 @@
             <a:tbl>
               <a:tblPr>
                 <a:noFill/>
-                <a:tableStyleId>{95A3B765-3EC4-48AE-858C-BEBE6EAC6162}</a:tableStyleId>
+                <a:tableStyleId>{C9ED71EE-A23C-49A4-B947-668A60F3EF4A}</a:tableStyleId>
               </a:tblPr>
               <a:tblGrid>
                 <a:gridCol w="1485900"/>
@@ -10274,10 +11860,10 @@
                         <a:solidFill>
                           <a:srgbClr val="FFFFFF"/>
                         </a:solidFill>
-                        <a:latin typeface="Times New Roman"/>
-                        <a:ea typeface="Times New Roman"/>
-                        <a:cs typeface="Times New Roman"/>
-                        <a:sym typeface="Times New Roman"/>
+                        <a:latin typeface="Lato"/>
+                        <a:ea typeface="Lato"/>
+                        <a:cs typeface="Lato"/>
+                        <a:sym typeface="Lato"/>
                       </a:endParaRPr>
                     </a:p>
                   </a:txBody>
@@ -10339,10 +11925,10 @@
                           <a:solidFill>
                             <a:srgbClr val="FFFFFF"/>
                           </a:solidFill>
-                          <a:latin typeface="Times New Roman"/>
-                          <a:ea typeface="Times New Roman"/>
-                          <a:cs typeface="Times New Roman"/>
-                          <a:sym typeface="Times New Roman"/>
+                          <a:latin typeface="Lato"/>
+                          <a:ea typeface="Lato"/>
+                          <a:cs typeface="Lato"/>
+                          <a:sym typeface="Lato"/>
                         </a:rPr>
                         <a:t>Simulated Farm</a:t>
                       </a:r>
@@ -10350,10 +11936,10 @@
                         <a:solidFill>
                           <a:srgbClr val="FFFFFF"/>
                         </a:solidFill>
-                        <a:latin typeface="Times New Roman"/>
-                        <a:ea typeface="Times New Roman"/>
-                        <a:cs typeface="Times New Roman"/>
-                        <a:sym typeface="Times New Roman"/>
+                        <a:latin typeface="Lato"/>
+                        <a:ea typeface="Lato"/>
+                        <a:cs typeface="Lato"/>
+                        <a:sym typeface="Lato"/>
                       </a:endParaRPr>
                     </a:p>
                   </a:txBody>
@@ -10415,10 +12001,10 @@
                           <a:solidFill>
                             <a:srgbClr val="FFFFFF"/>
                           </a:solidFill>
-                          <a:latin typeface="Times New Roman"/>
-                          <a:ea typeface="Times New Roman"/>
-                          <a:cs typeface="Times New Roman"/>
-                          <a:sym typeface="Times New Roman"/>
+                          <a:latin typeface="Lato"/>
+                          <a:ea typeface="Lato"/>
+                          <a:cs typeface="Lato"/>
+                          <a:sym typeface="Lato"/>
                         </a:rPr>
                         <a:t>Sensor</a:t>
                       </a:r>
@@ -10426,10 +12012,10 @@
                         <a:solidFill>
                           <a:srgbClr val="FFFFFF"/>
                         </a:solidFill>
-                        <a:latin typeface="Times New Roman"/>
-                        <a:ea typeface="Times New Roman"/>
-                        <a:cs typeface="Times New Roman"/>
-                        <a:sym typeface="Times New Roman"/>
+                        <a:latin typeface="Lato"/>
+                        <a:ea typeface="Lato"/>
+                        <a:cs typeface="Lato"/>
+                        <a:sym typeface="Lato"/>
                       </a:endParaRPr>
                     </a:p>
                   </a:txBody>
@@ -10491,10 +12077,10 @@
                           <a:solidFill>
                             <a:srgbClr val="FFFFFF"/>
                           </a:solidFill>
-                          <a:latin typeface="Times New Roman"/>
-                          <a:ea typeface="Times New Roman"/>
-                          <a:cs typeface="Times New Roman"/>
-                          <a:sym typeface="Times New Roman"/>
+                          <a:latin typeface="Lato"/>
+                          <a:ea typeface="Lato"/>
+                          <a:cs typeface="Lato"/>
+                          <a:sym typeface="Lato"/>
                         </a:rPr>
                         <a:t>Actuator</a:t>
                       </a:r>
@@ -10502,10 +12088,10 @@
                         <a:solidFill>
                           <a:srgbClr val="FFFFFF"/>
                         </a:solidFill>
-                        <a:latin typeface="Times New Roman"/>
-                        <a:ea typeface="Times New Roman"/>
-                        <a:cs typeface="Times New Roman"/>
-                        <a:sym typeface="Times New Roman"/>
+                        <a:latin typeface="Lato"/>
+                        <a:ea typeface="Lato"/>
+                        <a:cs typeface="Lato"/>
+                        <a:sym typeface="Lato"/>
                       </a:endParaRPr>
                     </a:p>
                   </a:txBody>
@@ -10569,10 +12155,10 @@
                           <a:solidFill>
                             <a:srgbClr val="FFFFFF"/>
                           </a:solidFill>
-                          <a:latin typeface="Times New Roman"/>
-                          <a:ea typeface="Times New Roman"/>
-                          <a:cs typeface="Times New Roman"/>
-                          <a:sym typeface="Times New Roman"/>
+                          <a:latin typeface="Lato"/>
+                          <a:ea typeface="Lato"/>
+                          <a:cs typeface="Lato"/>
+                          <a:sym typeface="Lato"/>
                         </a:rPr>
                         <a:t>Single Stage</a:t>
                       </a:r>
@@ -10580,10 +12166,10 @@
                         <a:solidFill>
                           <a:srgbClr val="FFFFFF"/>
                         </a:solidFill>
-                        <a:latin typeface="Times New Roman"/>
-                        <a:ea typeface="Times New Roman"/>
-                        <a:cs typeface="Times New Roman"/>
-                        <a:sym typeface="Times New Roman"/>
+                        <a:latin typeface="Lato"/>
+                        <a:ea typeface="Lato"/>
+                        <a:cs typeface="Lato"/>
+                        <a:sym typeface="Lato"/>
                       </a:endParaRPr>
                     </a:p>
                   </a:txBody>
@@ -10645,10 +12231,10 @@
                           <a:solidFill>
                             <a:srgbClr val="FFFFFF"/>
                           </a:solidFill>
-                          <a:latin typeface="Times New Roman"/>
-                          <a:ea typeface="Times New Roman"/>
-                          <a:cs typeface="Times New Roman"/>
-                          <a:sym typeface="Times New Roman"/>
+                          <a:latin typeface="Lato"/>
+                          <a:ea typeface="Lato"/>
+                          <a:cs typeface="Lato"/>
+                          <a:sym typeface="Lato"/>
                         </a:rPr>
                         <a:t>State cases</a:t>
                       </a:r>
@@ -10656,10 +12242,10 @@
                         <a:solidFill>
                           <a:srgbClr val="FFFFFF"/>
                         </a:solidFill>
-                        <a:latin typeface="Times New Roman"/>
-                        <a:ea typeface="Times New Roman"/>
-                        <a:cs typeface="Times New Roman"/>
-                        <a:sym typeface="Times New Roman"/>
+                        <a:latin typeface="Lato"/>
+                        <a:ea typeface="Lato"/>
+                        <a:cs typeface="Lato"/>
+                        <a:sym typeface="Lato"/>
                       </a:endParaRPr>
                     </a:p>
                   </a:txBody>
@@ -10721,10 +12307,10 @@
                           <a:solidFill>
                             <a:srgbClr val="FFFFFF"/>
                           </a:solidFill>
-                          <a:latin typeface="Times New Roman"/>
-                          <a:ea typeface="Times New Roman"/>
-                          <a:cs typeface="Times New Roman"/>
-                          <a:sym typeface="Times New Roman"/>
+                          <a:latin typeface="Lato"/>
+                          <a:ea typeface="Lato"/>
+                          <a:cs typeface="Lato"/>
+                          <a:sym typeface="Lato"/>
                         </a:rPr>
                         <a:t>Expected data behavior for features</a:t>
                       </a:r>
@@ -10732,10 +12318,10 @@
                         <a:solidFill>
                           <a:srgbClr val="FFFFFF"/>
                         </a:solidFill>
-                        <a:latin typeface="Times New Roman"/>
-                        <a:ea typeface="Times New Roman"/>
-                        <a:cs typeface="Times New Roman"/>
-                        <a:sym typeface="Times New Roman"/>
+                        <a:latin typeface="Lato"/>
+                        <a:ea typeface="Lato"/>
+                        <a:cs typeface="Lato"/>
+                        <a:sym typeface="Lato"/>
                       </a:endParaRPr>
                     </a:p>
                   </a:txBody>
@@ -10797,10 +12383,10 @@
                           <a:solidFill>
                             <a:srgbClr val="FFFFFF"/>
                           </a:solidFill>
-                          <a:latin typeface="Times New Roman"/>
-                          <a:ea typeface="Times New Roman"/>
-                          <a:cs typeface="Times New Roman"/>
-                          <a:sym typeface="Times New Roman"/>
+                          <a:latin typeface="Lato"/>
+                          <a:ea typeface="Lato"/>
+                          <a:cs typeface="Lato"/>
+                          <a:sym typeface="Lato"/>
                         </a:rPr>
                         <a:t>Expected actions and reactions for features</a:t>
                       </a:r>
@@ -10808,10 +12394,10 @@
                         <a:solidFill>
                           <a:srgbClr val="FFFFFF"/>
                         </a:solidFill>
-                        <a:latin typeface="Times New Roman"/>
-                        <a:ea typeface="Times New Roman"/>
-                        <a:cs typeface="Times New Roman"/>
-                        <a:sym typeface="Times New Roman"/>
+                        <a:latin typeface="Lato"/>
+                        <a:ea typeface="Lato"/>
+                        <a:cs typeface="Lato"/>
+                        <a:sym typeface="Lato"/>
                       </a:endParaRPr>
                     </a:p>
                   </a:txBody>
@@ -10875,10 +12461,10 @@
                           <a:solidFill>
                             <a:srgbClr val="FFFFFF"/>
                           </a:solidFill>
-                          <a:latin typeface="Times New Roman"/>
-                          <a:ea typeface="Times New Roman"/>
-                          <a:cs typeface="Times New Roman"/>
-                          <a:sym typeface="Times New Roman"/>
+                          <a:latin typeface="Lato"/>
+                          <a:ea typeface="Lato"/>
+                          <a:cs typeface="Lato"/>
+                          <a:sym typeface="Lato"/>
                         </a:rPr>
                         <a:t>One Cycle</a:t>
                       </a:r>
@@ -10886,10 +12472,10 @@
                         <a:solidFill>
                           <a:srgbClr val="FFFFFF"/>
                         </a:solidFill>
-                        <a:latin typeface="Times New Roman"/>
-                        <a:ea typeface="Times New Roman"/>
-                        <a:cs typeface="Times New Roman"/>
-                        <a:sym typeface="Times New Roman"/>
+                        <a:latin typeface="Lato"/>
+                        <a:ea typeface="Lato"/>
+                        <a:cs typeface="Lato"/>
+                        <a:sym typeface="Lato"/>
                       </a:endParaRPr>
                     </a:p>
                   </a:txBody>
@@ -10951,10 +12537,10 @@
                           <a:solidFill>
                             <a:srgbClr val="FFFFFF"/>
                           </a:solidFill>
-                          <a:latin typeface="Times New Roman"/>
-                          <a:ea typeface="Times New Roman"/>
-                          <a:cs typeface="Times New Roman"/>
-                          <a:sym typeface="Times New Roman"/>
+                          <a:latin typeface="Lato"/>
+                          <a:ea typeface="Lato"/>
+                          <a:cs typeface="Lato"/>
+                          <a:sym typeface="Lato"/>
                         </a:rPr>
                         <a:t>State and transitions cases</a:t>
                       </a:r>
@@ -10962,10 +12548,10 @@
                         <a:solidFill>
                           <a:srgbClr val="FFFFFF"/>
                         </a:solidFill>
-                        <a:latin typeface="Times New Roman"/>
-                        <a:ea typeface="Times New Roman"/>
-                        <a:cs typeface="Times New Roman"/>
-                        <a:sym typeface="Times New Roman"/>
+                        <a:latin typeface="Lato"/>
+                        <a:ea typeface="Lato"/>
+                        <a:cs typeface="Lato"/>
+                        <a:sym typeface="Lato"/>
                       </a:endParaRPr>
                     </a:p>
                   </a:txBody>
@@ -11027,10 +12613,10 @@
                           <a:solidFill>
                             <a:srgbClr val="FFFFFF"/>
                           </a:solidFill>
-                          <a:latin typeface="Times New Roman"/>
-                          <a:ea typeface="Times New Roman"/>
-                          <a:cs typeface="Times New Roman"/>
-                          <a:sym typeface="Times New Roman"/>
+                          <a:latin typeface="Lato"/>
+                          <a:ea typeface="Lato"/>
+                          <a:cs typeface="Lato"/>
+                          <a:sym typeface="Lato"/>
                         </a:rPr>
                         <a:t>Expected data behavior for features</a:t>
                       </a:r>
@@ -11038,10 +12624,10 @@
                         <a:solidFill>
                           <a:srgbClr val="FFFFFF"/>
                         </a:solidFill>
-                        <a:latin typeface="Times New Roman"/>
-                        <a:ea typeface="Times New Roman"/>
-                        <a:cs typeface="Times New Roman"/>
-                        <a:sym typeface="Times New Roman"/>
+                        <a:latin typeface="Lato"/>
+                        <a:ea typeface="Lato"/>
+                        <a:cs typeface="Lato"/>
+                        <a:sym typeface="Lato"/>
                       </a:endParaRPr>
                     </a:p>
                   </a:txBody>
@@ -11103,10 +12689,10 @@
                           <a:solidFill>
                             <a:srgbClr val="FFFFFF"/>
                           </a:solidFill>
-                          <a:latin typeface="Times New Roman"/>
-                          <a:ea typeface="Times New Roman"/>
-                          <a:cs typeface="Times New Roman"/>
-                          <a:sym typeface="Times New Roman"/>
+                          <a:latin typeface="Lato"/>
+                          <a:ea typeface="Lato"/>
+                          <a:cs typeface="Lato"/>
+                          <a:sym typeface="Lato"/>
                         </a:rPr>
                         <a:t>Expected actions and reactions for features</a:t>
                       </a:r>
@@ -11114,10 +12700,10 @@
                         <a:solidFill>
                           <a:srgbClr val="FFFFFF"/>
                         </a:solidFill>
-                        <a:latin typeface="Times New Roman"/>
-                        <a:ea typeface="Times New Roman"/>
-                        <a:cs typeface="Times New Roman"/>
-                        <a:sym typeface="Times New Roman"/>
+                        <a:latin typeface="Lato"/>
+                        <a:ea typeface="Lato"/>
+                        <a:cs typeface="Lato"/>
+                        <a:sym typeface="Lato"/>
                       </a:endParaRPr>
                     </a:p>
                   </a:txBody>
@@ -11181,10 +12767,10 @@
                           <a:solidFill>
                             <a:srgbClr val="FFFFFF"/>
                           </a:solidFill>
-                          <a:latin typeface="Times New Roman"/>
-                          <a:ea typeface="Times New Roman"/>
-                          <a:cs typeface="Times New Roman"/>
-                          <a:sym typeface="Times New Roman"/>
+                          <a:latin typeface="Lato"/>
+                          <a:ea typeface="Lato"/>
+                          <a:cs typeface="Lato"/>
+                          <a:sym typeface="Lato"/>
                         </a:rPr>
                         <a:t>Multi Cycle</a:t>
                       </a:r>
@@ -11192,10 +12778,10 @@
                         <a:solidFill>
                           <a:srgbClr val="FFFFFF"/>
                         </a:solidFill>
-                        <a:latin typeface="Times New Roman"/>
-                        <a:ea typeface="Times New Roman"/>
-                        <a:cs typeface="Times New Roman"/>
-                        <a:sym typeface="Times New Roman"/>
+                        <a:latin typeface="Lato"/>
+                        <a:ea typeface="Lato"/>
+                        <a:cs typeface="Lato"/>
+                        <a:sym typeface="Lato"/>
                       </a:endParaRPr>
                     </a:p>
                   </a:txBody>
@@ -11257,10 +12843,10 @@
                           <a:solidFill>
                             <a:srgbClr val="FFFFFF"/>
                           </a:solidFill>
-                          <a:latin typeface="Times New Roman"/>
-                          <a:ea typeface="Times New Roman"/>
-                          <a:cs typeface="Times New Roman"/>
-                          <a:sym typeface="Times New Roman"/>
+                          <a:latin typeface="Lato"/>
+                          <a:ea typeface="Lato"/>
+                          <a:cs typeface="Lato"/>
+                          <a:sym typeface="Lato"/>
                         </a:rPr>
                         <a:t>Multiple sets of state and transition cases</a:t>
                       </a:r>
@@ -11268,10 +12854,10 @@
                         <a:solidFill>
                           <a:srgbClr val="FFFFFF"/>
                         </a:solidFill>
-                        <a:latin typeface="Times New Roman"/>
-                        <a:ea typeface="Times New Roman"/>
-                        <a:cs typeface="Times New Roman"/>
-                        <a:sym typeface="Times New Roman"/>
+                        <a:latin typeface="Lato"/>
+                        <a:ea typeface="Lato"/>
+                        <a:cs typeface="Lato"/>
+                        <a:sym typeface="Lato"/>
                       </a:endParaRPr>
                     </a:p>
                   </a:txBody>
@@ -11333,10 +12919,10 @@
                           <a:solidFill>
                             <a:srgbClr val="FFFFFF"/>
                           </a:solidFill>
-                          <a:latin typeface="Times New Roman"/>
-                          <a:ea typeface="Times New Roman"/>
-                          <a:cs typeface="Times New Roman"/>
-                          <a:sym typeface="Times New Roman"/>
+                          <a:latin typeface="Lato"/>
+                          <a:ea typeface="Lato"/>
+                          <a:cs typeface="Lato"/>
+                          <a:sym typeface="Lato"/>
                         </a:rPr>
                         <a:t>Expected data behavior for features</a:t>
                       </a:r>
@@ -11344,10 +12930,10 @@
                         <a:solidFill>
                           <a:srgbClr val="FFFFFF"/>
                         </a:solidFill>
-                        <a:latin typeface="Times New Roman"/>
-                        <a:ea typeface="Times New Roman"/>
-                        <a:cs typeface="Times New Roman"/>
-                        <a:sym typeface="Times New Roman"/>
+                        <a:latin typeface="Lato"/>
+                        <a:ea typeface="Lato"/>
+                        <a:cs typeface="Lato"/>
+                        <a:sym typeface="Lato"/>
                       </a:endParaRPr>
                     </a:p>
                   </a:txBody>
@@ -11409,10 +12995,10 @@
                           <a:solidFill>
                             <a:srgbClr val="FFFFFF"/>
                           </a:solidFill>
-                          <a:latin typeface="Times New Roman"/>
-                          <a:ea typeface="Times New Roman"/>
-                          <a:cs typeface="Times New Roman"/>
-                          <a:sym typeface="Times New Roman"/>
+                          <a:latin typeface="Lato"/>
+                          <a:ea typeface="Lato"/>
+                          <a:cs typeface="Lato"/>
+                          <a:sym typeface="Lato"/>
                         </a:rPr>
                         <a:t>Expected actions and reactions for features</a:t>
                       </a:r>
@@ -11420,10 +13006,10 @@
                         <a:solidFill>
                           <a:srgbClr val="FFFFFF"/>
                         </a:solidFill>
-                        <a:latin typeface="Times New Roman"/>
-                        <a:ea typeface="Times New Roman"/>
-                        <a:cs typeface="Times New Roman"/>
-                        <a:sym typeface="Times New Roman"/>
+                        <a:latin typeface="Lato"/>
+                        <a:ea typeface="Lato"/>
+                        <a:cs typeface="Lato"/>
+                        <a:sym typeface="Lato"/>
                       </a:endParaRPr>
                     </a:p>
                   </a:txBody>
@@ -11471,6 +13057,64 @@
           </a:graphicData>
         </a:graphic>
       </p:graphicFrame>
+      <p:sp>
+        <p:nvSpPr>
+          <p:cNvPr id="223" name="Google Shape;223;p26"/>
+          <p:cNvSpPr txBox="1"/>
+          <p:nvPr/>
+        </p:nvSpPr>
+        <p:spPr>
+          <a:xfrm>
+            <a:off x="1600200" y="4683550"/>
+            <a:ext cx="2807400" cy="371100"/>
+          </a:xfrm>
+          <a:prstGeom prst="rect">
+            <a:avLst/>
+          </a:prstGeom>
+          <a:noFill/>
+          <a:ln>
+            <a:noFill/>
+          </a:ln>
+        </p:spPr>
+        <p:txBody>
+          <a:bodyPr anchorCtr="0" anchor="t" bIns="91425" lIns="91425" spcFirstLastPara="1" rIns="91425" wrap="square" tIns="91425">
+            <a:noAutofit/>
+          </a:bodyPr>
+          <a:lstStyle/>
+          <a:p>
+            <a:pPr indent="0" lvl="0" marL="0" rtl="0" algn="l">
+              <a:spcBef>
+                <a:spcPts val="0"/>
+              </a:spcBef>
+              <a:spcAft>
+                <a:spcPts val="0"/>
+              </a:spcAft>
+              <a:buNone/>
+            </a:pPr>
+            <a:r>
+              <a:rPr lang="en">
+                <a:solidFill>
+                  <a:srgbClr val="FFFFFF"/>
+                </a:solidFill>
+                <a:latin typeface="Lato"/>
+                <a:ea typeface="Lato"/>
+                <a:cs typeface="Lato"/>
+                <a:sym typeface="Lato"/>
+              </a:rPr>
+              <a:t>Defined pass/fail criteria</a:t>
+            </a:r>
+            <a:endParaRPr>
+              <a:solidFill>
+                <a:srgbClr val="FFFFFF"/>
+              </a:solidFill>
+              <a:latin typeface="Lato"/>
+              <a:ea typeface="Lato"/>
+              <a:cs typeface="Lato"/>
+              <a:sym typeface="Lato"/>
+            </a:endParaRPr>
+          </a:p>
+        </p:txBody>
+      </p:sp>
     </p:spTree>
   </p:cSld>
   <p:clrMapOvr>
@@ -11479,12 +13123,12 @@
 </p:sld>
 </file>
 
-<file path=ppt/slides/slide11.xml><?xml version="1.0" encoding="utf-8"?>
+<file path=ppt/slides/slide15.xml><?xml version="1.0" encoding="utf-8"?>
 <p:sld xmlns:a="http://schemas.openxmlformats.org/drawingml/2006/main" xmlns:r="http://schemas.openxmlformats.org/officeDocument/2006/relationships" xmlns:mc="http://schemas.openxmlformats.org/markup-compatibility/2006" xmlns:mv="urn:schemas-microsoft-com:mac:vml" xmlns:p="http://schemas.openxmlformats.org/presentationml/2006/main" xmlns:c="http://schemas.openxmlformats.org/drawingml/2006/chart" xmlns:dgm="http://schemas.openxmlformats.org/drawingml/2006/diagram" xmlns:o="urn:schemas-microsoft-com:office:office" xmlns:v="urn:schemas-microsoft-com:vml" xmlns:pvml="urn:schemas-microsoft-com:office:powerpoint" xmlns:com="http://schemas.openxmlformats.org/drawingml/2006/compatibility" xmlns:p14="http://schemas.microsoft.com/office/powerpoint/2010/main" xmlns:p15="http://schemas.microsoft.com/office/powerpoint/2012/main">
   <p:cSld>
     <p:spTree>
       <p:nvGrpSpPr>
-        <p:cNvPr id="194" name="Shape 194"/>
+        <p:cNvPr id="227" name="Shape 227"/>
         <p:cNvGrpSpPr/>
         <p:nvPr/>
       </p:nvGrpSpPr>
@@ -11498,7 +13142,7 @@
       </p:grpSpPr>
       <p:sp>
         <p:nvSpPr>
-          <p:cNvPr id="195" name="Google Shape;195;p23"/>
+          <p:cNvPr id="228" name="Google Shape;228;p27"/>
           <p:cNvSpPr txBox="1"/>
           <p:nvPr>
             <p:ph type="title"/>
@@ -11542,7 +13186,7 @@
       </p:sp>
       <p:sp>
         <p:nvSpPr>
-          <p:cNvPr id="196" name="Google Shape;196;p23"/>
+          <p:cNvPr id="229" name="Google Shape;229;p27"/>
           <p:cNvSpPr txBox="1"/>
           <p:nvPr>
             <p:ph idx="1" type="body"/>
@@ -11644,6 +13288,747 @@
             <a:r>
               <a:rPr lang="en"/>
               <a:t>Baselining will occur after testing and sponsor approval</a:t>
+            </a:r>
+            <a:endParaRPr/>
+          </a:p>
+        </p:txBody>
+      </p:sp>
+    </p:spTree>
+  </p:cSld>
+  <p:clrMapOvr>
+    <a:masterClrMapping/>
+  </p:clrMapOvr>
+</p:sld>
+</file>
+
+<file path=ppt/slides/slide16.xml><?xml version="1.0" encoding="utf-8"?>
+<p:sld xmlns:a="http://schemas.openxmlformats.org/drawingml/2006/main" xmlns:r="http://schemas.openxmlformats.org/officeDocument/2006/relationships" xmlns:mc="http://schemas.openxmlformats.org/markup-compatibility/2006" xmlns:mv="urn:schemas-microsoft-com:mac:vml" xmlns:p="http://schemas.openxmlformats.org/presentationml/2006/main" xmlns:c="http://schemas.openxmlformats.org/drawingml/2006/chart" xmlns:dgm="http://schemas.openxmlformats.org/drawingml/2006/diagram" xmlns:o="urn:schemas-microsoft-com:office:office" xmlns:v="urn:schemas-microsoft-com:vml" xmlns:pvml="urn:schemas-microsoft-com:office:powerpoint" xmlns:com="http://schemas.openxmlformats.org/drawingml/2006/compatibility" xmlns:p14="http://schemas.microsoft.com/office/powerpoint/2010/main" xmlns:p15="http://schemas.microsoft.com/office/powerpoint/2012/main">
+  <p:cSld>
+    <p:spTree>
+      <p:nvGrpSpPr>
+        <p:cNvPr id="233" name="Shape 233"/>
+        <p:cNvGrpSpPr/>
+        <p:nvPr/>
+      </p:nvGrpSpPr>
+      <p:grpSpPr>
+        <a:xfrm>
+          <a:off x="0" y="0"/>
+          <a:ext cx="0" cy="0"/>
+          <a:chOff x="0" y="0"/>
+          <a:chExt cx="0" cy="0"/>
+        </a:xfrm>
+      </p:grpSpPr>
+      <p:sp>
+        <p:nvSpPr>
+          <p:cNvPr id="234" name="Google Shape;234;p28"/>
+          <p:cNvSpPr txBox="1"/>
+          <p:nvPr>
+            <p:ph type="title"/>
+          </p:nvPr>
+        </p:nvSpPr>
+        <p:spPr>
+          <a:xfrm>
+            <a:off x="1297500" y="393750"/>
+            <a:ext cx="7038900" cy="914100"/>
+          </a:xfrm>
+          <a:prstGeom prst="rect">
+            <a:avLst/>
+          </a:prstGeom>
+        </p:spPr>
+        <p:txBody>
+          <a:bodyPr anchorCtr="0" anchor="t" bIns="91425" lIns="91425" spcFirstLastPara="1" rIns="91425" wrap="square" tIns="91425">
+            <a:noAutofit/>
+          </a:bodyPr>
+          <a:lstStyle/>
+          <a:p>
+            <a:pPr indent="0" lvl="0" marL="0" rtl="0" algn="l">
+              <a:spcBef>
+                <a:spcPts val="0"/>
+              </a:spcBef>
+              <a:spcAft>
+                <a:spcPts val="0"/>
+              </a:spcAft>
+              <a:buNone/>
+            </a:pPr>
+            <a:r>
+              <a:rPr lang="en"/>
+              <a:t>Milestone 2</a:t>
+            </a:r>
+            <a:endParaRPr/>
+          </a:p>
+        </p:txBody>
+      </p:sp>
+      <p:graphicFrame>
+        <p:nvGraphicFramePr>
+          <p:cNvPr id="235" name="Google Shape;235;p28"/>
+          <p:cNvGraphicFramePr/>
+          <p:nvPr/>
+        </p:nvGraphicFramePr>
+        <p:xfrm>
+          <a:off x="1683850" y="1567550"/>
+          <a:ext cx="3000000" cy="3000000"/>
+        </p:xfrm>
+        <a:graphic>
+          <a:graphicData uri="http://schemas.openxmlformats.org/drawingml/2006/table">
+            <a:tbl>
+              <a:tblPr>
+                <a:noFill/>
+                <a:tableStyleId>{C9ED71EE-A23C-49A4-B947-668A60F3EF4A}</a:tableStyleId>
+              </a:tblPr>
+              <a:tblGrid>
+                <a:gridCol w="1981200"/>
+                <a:gridCol w="1981200"/>
+                <a:gridCol w="1981200"/>
+              </a:tblGrid>
+              <a:tr h="12700">
+                <a:tc>
+                  <a:txBody>
+                    <a:bodyPr/>
+                    <a:lstStyle/>
+                    <a:p>
+                      <a:pPr indent="0" lvl="0" marL="0" rtl="0" algn="ctr">
+                        <a:spcBef>
+                          <a:spcPts val="0"/>
+                        </a:spcBef>
+                        <a:spcAft>
+                          <a:spcPts val="0"/>
+                        </a:spcAft>
+                        <a:buNone/>
+                      </a:pPr>
+                      <a:r>
+                        <a:rPr b="1" lang="en" sz="1200">
+                          <a:latin typeface="Times New Roman"/>
+                          <a:ea typeface="Times New Roman"/>
+                          <a:cs typeface="Times New Roman"/>
+                          <a:sym typeface="Times New Roman"/>
+                        </a:rPr>
+                        <a:t>Task</a:t>
+                      </a:r>
+                      <a:endParaRPr b="1" sz="1200">
+                        <a:latin typeface="Times New Roman"/>
+                        <a:ea typeface="Times New Roman"/>
+                        <a:cs typeface="Times New Roman"/>
+                        <a:sym typeface="Times New Roman"/>
+                      </a:endParaRPr>
+                    </a:p>
+                  </a:txBody>
+                  <a:tcPr marT="63500" marB="63500" marR="63500" marL="63500">
+                    <a:solidFill>
+                      <a:srgbClr val="D9D9D9"/>
+                    </a:solidFill>
+                  </a:tcPr>
+                </a:tc>
+                <a:tc>
+                  <a:txBody>
+                    <a:bodyPr/>
+                    <a:lstStyle/>
+                    <a:p>
+                      <a:pPr indent="0" lvl="0" marL="0" rtl="0" algn="ctr">
+                        <a:spcBef>
+                          <a:spcPts val="0"/>
+                        </a:spcBef>
+                        <a:spcAft>
+                          <a:spcPts val="0"/>
+                        </a:spcAft>
+                        <a:buNone/>
+                      </a:pPr>
+                      <a:r>
+                        <a:rPr b="1" lang="en" sz="1200">
+                          <a:latin typeface="Times New Roman"/>
+                          <a:ea typeface="Times New Roman"/>
+                          <a:cs typeface="Times New Roman"/>
+                          <a:sym typeface="Times New Roman"/>
+                        </a:rPr>
+                        <a:t>Giampiero</a:t>
+                      </a:r>
+                      <a:endParaRPr b="1" sz="1200">
+                        <a:latin typeface="Times New Roman"/>
+                        <a:ea typeface="Times New Roman"/>
+                        <a:cs typeface="Times New Roman"/>
+                        <a:sym typeface="Times New Roman"/>
+                      </a:endParaRPr>
+                    </a:p>
+                  </a:txBody>
+                  <a:tcPr marT="63500" marB="63500" marR="63500" marL="63500">
+                    <a:solidFill>
+                      <a:srgbClr val="D9D9D9"/>
+                    </a:solidFill>
+                  </a:tcPr>
+                </a:tc>
+                <a:tc>
+                  <a:txBody>
+                    <a:bodyPr/>
+                    <a:lstStyle/>
+                    <a:p>
+                      <a:pPr indent="0" lvl="0" marL="0" rtl="0" algn="ctr">
+                        <a:spcBef>
+                          <a:spcPts val="0"/>
+                        </a:spcBef>
+                        <a:spcAft>
+                          <a:spcPts val="0"/>
+                        </a:spcAft>
+                        <a:buNone/>
+                      </a:pPr>
+                      <a:r>
+                        <a:rPr b="1" lang="en" sz="1200">
+                          <a:latin typeface="Times New Roman"/>
+                          <a:ea typeface="Times New Roman"/>
+                          <a:cs typeface="Times New Roman"/>
+                          <a:sym typeface="Times New Roman"/>
+                        </a:rPr>
+                        <a:t>Christopher</a:t>
+                      </a:r>
+                      <a:endParaRPr b="1" sz="1200">
+                        <a:latin typeface="Times New Roman"/>
+                        <a:ea typeface="Times New Roman"/>
+                        <a:cs typeface="Times New Roman"/>
+                        <a:sym typeface="Times New Roman"/>
+                      </a:endParaRPr>
+                    </a:p>
+                  </a:txBody>
+                  <a:tcPr marT="63500" marB="63500" marR="63500" marL="63500">
+                    <a:solidFill>
+                      <a:srgbClr val="D9D9D9"/>
+                    </a:solidFill>
+                  </a:tcPr>
+                </a:tc>
+              </a:tr>
+              <a:tr h="266700">
+                <a:tc>
+                  <a:txBody>
+                    <a:bodyPr/>
+                    <a:lstStyle/>
+                    <a:p>
+                      <a:pPr indent="0" lvl="0" marL="0" rtl="0" algn="l">
+                        <a:lnSpc>
+                          <a:spcPct val="115000"/>
+                        </a:lnSpc>
+                        <a:spcBef>
+                          <a:spcPts val="0"/>
+                        </a:spcBef>
+                        <a:spcAft>
+                          <a:spcPts val="0"/>
+                        </a:spcAft>
+                        <a:buNone/>
+                      </a:pPr>
+                      <a:r>
+                        <a:rPr lang="en" sz="1200">
+                          <a:latin typeface="Times New Roman"/>
+                          <a:ea typeface="Times New Roman"/>
+                          <a:cs typeface="Times New Roman"/>
+                          <a:sym typeface="Times New Roman"/>
+                        </a:rPr>
+                        <a:t>Implement inheritable high-level interfaces/classes for sensor communication</a:t>
+                      </a:r>
+                      <a:endParaRPr sz="1200">
+                        <a:latin typeface="Times New Roman"/>
+                        <a:ea typeface="Times New Roman"/>
+                        <a:cs typeface="Times New Roman"/>
+                        <a:sym typeface="Times New Roman"/>
+                      </a:endParaRPr>
+                    </a:p>
+                  </a:txBody>
+                  <a:tcPr marT="63500" marB="63500" marR="63500" marL="63500">
+                    <a:solidFill>
+                      <a:srgbClr val="D9D9D9"/>
+                    </a:solidFill>
+                  </a:tcPr>
+                </a:tc>
+                <a:tc>
+                  <a:txBody>
+                    <a:bodyPr/>
+                    <a:lstStyle/>
+                    <a:p>
+                      <a:pPr indent="0" lvl="0" marL="0" rtl="0" algn="ctr">
+                        <a:spcBef>
+                          <a:spcPts val="0"/>
+                        </a:spcBef>
+                        <a:spcAft>
+                          <a:spcPts val="0"/>
+                        </a:spcAft>
+                        <a:buNone/>
+                      </a:pPr>
+                      <a:r>
+                        <a:rPr lang="en" sz="1200">
+                          <a:latin typeface="Times New Roman"/>
+                          <a:ea typeface="Times New Roman"/>
+                          <a:cs typeface="Times New Roman"/>
+                          <a:sym typeface="Times New Roman"/>
+                        </a:rPr>
+                        <a:t>Responsible - 50%</a:t>
+                      </a:r>
+                      <a:endParaRPr sz="1200">
+                        <a:latin typeface="Times New Roman"/>
+                        <a:ea typeface="Times New Roman"/>
+                        <a:cs typeface="Times New Roman"/>
+                        <a:sym typeface="Times New Roman"/>
+                      </a:endParaRPr>
+                    </a:p>
+                  </a:txBody>
+                  <a:tcPr marT="63500" marB="63500" marR="63500" marL="63500">
+                    <a:solidFill>
+                      <a:srgbClr val="F3F3F3"/>
+                    </a:solidFill>
+                  </a:tcPr>
+                </a:tc>
+                <a:tc>
+                  <a:txBody>
+                    <a:bodyPr/>
+                    <a:lstStyle/>
+                    <a:p>
+                      <a:pPr indent="0" lvl="0" marL="0" rtl="0" algn="ctr">
+                        <a:spcBef>
+                          <a:spcPts val="0"/>
+                        </a:spcBef>
+                        <a:spcAft>
+                          <a:spcPts val="0"/>
+                        </a:spcAft>
+                        <a:buNone/>
+                      </a:pPr>
+                      <a:r>
+                        <a:rPr lang="en" sz="1200">
+                          <a:latin typeface="Times New Roman"/>
+                          <a:ea typeface="Times New Roman"/>
+                          <a:cs typeface="Times New Roman"/>
+                          <a:sym typeface="Times New Roman"/>
+                        </a:rPr>
+                        <a:t>Responsible - 50%</a:t>
+                      </a:r>
+                      <a:endParaRPr sz="1200">
+                        <a:latin typeface="Times New Roman"/>
+                        <a:ea typeface="Times New Roman"/>
+                        <a:cs typeface="Times New Roman"/>
+                        <a:sym typeface="Times New Roman"/>
+                      </a:endParaRPr>
+                    </a:p>
+                  </a:txBody>
+                  <a:tcPr marT="63500" marB="63500" marR="63500" marL="63500">
+                    <a:solidFill>
+                      <a:srgbClr val="F3F3F3"/>
+                    </a:solidFill>
+                  </a:tcPr>
+                </a:tc>
+              </a:tr>
+              <a:tr h="12700">
+                <a:tc>
+                  <a:txBody>
+                    <a:bodyPr/>
+                    <a:lstStyle/>
+                    <a:p>
+                      <a:pPr indent="0" lvl="0" marL="0" rtl="0" algn="l">
+                        <a:lnSpc>
+                          <a:spcPct val="115000"/>
+                        </a:lnSpc>
+                        <a:spcBef>
+                          <a:spcPts val="0"/>
+                        </a:spcBef>
+                        <a:spcAft>
+                          <a:spcPts val="0"/>
+                        </a:spcAft>
+                        <a:buNone/>
+                      </a:pPr>
+                      <a:r>
+                        <a:rPr lang="en" sz="1200">
+                          <a:latin typeface="Times New Roman"/>
+                          <a:ea typeface="Times New Roman"/>
+                          <a:cs typeface="Times New Roman"/>
+                          <a:sym typeface="Times New Roman"/>
+                        </a:rPr>
+                        <a:t>Create simulated farm for testing</a:t>
+                      </a:r>
+                      <a:endParaRPr sz="1200">
+                        <a:latin typeface="Times New Roman"/>
+                        <a:ea typeface="Times New Roman"/>
+                        <a:cs typeface="Times New Roman"/>
+                        <a:sym typeface="Times New Roman"/>
+                      </a:endParaRPr>
+                    </a:p>
+                  </a:txBody>
+                  <a:tcPr marT="63500" marB="63500" marR="63500" marL="63500">
+                    <a:solidFill>
+                      <a:srgbClr val="D9D9D9"/>
+                    </a:solidFill>
+                  </a:tcPr>
+                </a:tc>
+                <a:tc>
+                  <a:txBody>
+                    <a:bodyPr/>
+                    <a:lstStyle/>
+                    <a:p>
+                      <a:pPr indent="0" lvl="0" marL="0" rtl="0" algn="ctr">
+                        <a:spcBef>
+                          <a:spcPts val="0"/>
+                        </a:spcBef>
+                        <a:spcAft>
+                          <a:spcPts val="0"/>
+                        </a:spcAft>
+                        <a:buNone/>
+                      </a:pPr>
+                      <a:r>
+                        <a:rPr lang="en" sz="1200">
+                          <a:latin typeface="Times New Roman"/>
+                          <a:ea typeface="Times New Roman"/>
+                          <a:cs typeface="Times New Roman"/>
+                          <a:sym typeface="Times New Roman"/>
+                        </a:rPr>
+                        <a:t>Responsible - 50% Test</a:t>
+                      </a:r>
+                      <a:endParaRPr sz="1200">
+                        <a:latin typeface="Times New Roman"/>
+                        <a:ea typeface="Times New Roman"/>
+                        <a:cs typeface="Times New Roman"/>
+                        <a:sym typeface="Times New Roman"/>
+                      </a:endParaRPr>
+                    </a:p>
+                  </a:txBody>
+                  <a:tcPr marT="63500" marB="63500" marR="63500" marL="63500">
+                    <a:solidFill>
+                      <a:srgbClr val="F3F3F3"/>
+                    </a:solidFill>
+                  </a:tcPr>
+                </a:tc>
+                <a:tc>
+                  <a:txBody>
+                    <a:bodyPr/>
+                    <a:lstStyle/>
+                    <a:p>
+                      <a:pPr indent="0" lvl="0" marL="0" rtl="0" algn="ctr">
+                        <a:spcBef>
+                          <a:spcPts val="0"/>
+                        </a:spcBef>
+                        <a:spcAft>
+                          <a:spcPts val="0"/>
+                        </a:spcAft>
+                        <a:buNone/>
+                      </a:pPr>
+                      <a:r>
+                        <a:rPr lang="en" sz="1200">
+                          <a:latin typeface="Times New Roman"/>
+                          <a:ea typeface="Times New Roman"/>
+                          <a:cs typeface="Times New Roman"/>
+                          <a:sym typeface="Times New Roman"/>
+                        </a:rPr>
+                        <a:t>Responsible - 50% Test/Demo</a:t>
+                      </a:r>
+                      <a:endParaRPr sz="1200">
+                        <a:latin typeface="Times New Roman"/>
+                        <a:ea typeface="Times New Roman"/>
+                        <a:cs typeface="Times New Roman"/>
+                        <a:sym typeface="Times New Roman"/>
+                      </a:endParaRPr>
+                    </a:p>
+                  </a:txBody>
+                  <a:tcPr marT="63500" marB="63500" marR="63500" marL="63500">
+                    <a:solidFill>
+                      <a:srgbClr val="F3F3F3"/>
+                    </a:solidFill>
+                  </a:tcPr>
+                </a:tc>
+              </a:tr>
+              <a:tr h="12700">
+                <a:tc>
+                  <a:txBody>
+                    <a:bodyPr/>
+                    <a:lstStyle/>
+                    <a:p>
+                      <a:pPr indent="0" lvl="0" marL="0" rtl="0" algn="l">
+                        <a:lnSpc>
+                          <a:spcPct val="115000"/>
+                        </a:lnSpc>
+                        <a:spcBef>
+                          <a:spcPts val="0"/>
+                        </a:spcBef>
+                        <a:spcAft>
+                          <a:spcPts val="0"/>
+                        </a:spcAft>
+                        <a:buNone/>
+                      </a:pPr>
+                      <a:r>
+                        <a:rPr lang="en" sz="1200">
+                          <a:latin typeface="Times New Roman"/>
+                          <a:ea typeface="Times New Roman"/>
+                          <a:cs typeface="Times New Roman"/>
+                          <a:sym typeface="Times New Roman"/>
+                        </a:rPr>
+                        <a:t>Create baselining requirements and process</a:t>
+                      </a:r>
+                      <a:endParaRPr sz="1200">
+                        <a:latin typeface="Times New Roman"/>
+                        <a:ea typeface="Times New Roman"/>
+                        <a:cs typeface="Times New Roman"/>
+                        <a:sym typeface="Times New Roman"/>
+                      </a:endParaRPr>
+                    </a:p>
+                  </a:txBody>
+                  <a:tcPr marT="63500" marB="63500" marR="63500" marL="63500">
+                    <a:solidFill>
+                      <a:srgbClr val="D9D9D9"/>
+                    </a:solidFill>
+                  </a:tcPr>
+                </a:tc>
+                <a:tc>
+                  <a:txBody>
+                    <a:bodyPr/>
+                    <a:lstStyle/>
+                    <a:p>
+                      <a:pPr indent="0" lvl="0" marL="0" rtl="0" algn="ctr">
+                        <a:spcBef>
+                          <a:spcPts val="0"/>
+                        </a:spcBef>
+                        <a:spcAft>
+                          <a:spcPts val="0"/>
+                        </a:spcAft>
+                        <a:buNone/>
+                      </a:pPr>
+                      <a:r>
+                        <a:rPr lang="en" sz="1200">
+                          <a:latin typeface="Times New Roman"/>
+                          <a:ea typeface="Times New Roman"/>
+                          <a:cs typeface="Times New Roman"/>
+                          <a:sym typeface="Times New Roman"/>
+                        </a:rPr>
+                        <a:t>Responsible - 25%</a:t>
+                      </a:r>
+                      <a:endParaRPr sz="1200">
+                        <a:latin typeface="Times New Roman"/>
+                        <a:ea typeface="Times New Roman"/>
+                        <a:cs typeface="Times New Roman"/>
+                        <a:sym typeface="Times New Roman"/>
+                      </a:endParaRPr>
+                    </a:p>
+                  </a:txBody>
+                  <a:tcPr marT="63500" marB="63500" marR="63500" marL="63500">
+                    <a:solidFill>
+                      <a:srgbClr val="F3F3F3"/>
+                    </a:solidFill>
+                  </a:tcPr>
+                </a:tc>
+                <a:tc>
+                  <a:txBody>
+                    <a:bodyPr/>
+                    <a:lstStyle/>
+                    <a:p>
+                      <a:pPr indent="0" lvl="0" marL="0" rtl="0" algn="ctr">
+                        <a:spcBef>
+                          <a:spcPts val="0"/>
+                        </a:spcBef>
+                        <a:spcAft>
+                          <a:spcPts val="0"/>
+                        </a:spcAft>
+                        <a:buNone/>
+                      </a:pPr>
+                      <a:r>
+                        <a:rPr lang="en" sz="1200">
+                          <a:latin typeface="Times New Roman"/>
+                          <a:ea typeface="Times New Roman"/>
+                          <a:cs typeface="Times New Roman"/>
+                          <a:sym typeface="Times New Roman"/>
+                        </a:rPr>
+                        <a:t>Responsible - 75% </a:t>
+                      </a:r>
+                      <a:endParaRPr sz="1200">
+                        <a:latin typeface="Times New Roman"/>
+                        <a:ea typeface="Times New Roman"/>
+                        <a:cs typeface="Times New Roman"/>
+                        <a:sym typeface="Times New Roman"/>
+                      </a:endParaRPr>
+                    </a:p>
+                  </a:txBody>
+                  <a:tcPr marT="63500" marB="63500" marR="63500" marL="63500">
+                    <a:solidFill>
+                      <a:srgbClr val="F3F3F3"/>
+                    </a:solidFill>
+                  </a:tcPr>
+                </a:tc>
+              </a:tr>
+              <a:tr h="12700">
+                <a:tc>
+                  <a:txBody>
+                    <a:bodyPr/>
+                    <a:lstStyle/>
+                    <a:p>
+                      <a:pPr indent="0" lvl="0" marL="0" rtl="0" algn="l">
+                        <a:lnSpc>
+                          <a:spcPct val="115000"/>
+                        </a:lnSpc>
+                        <a:spcBef>
+                          <a:spcPts val="0"/>
+                        </a:spcBef>
+                        <a:spcAft>
+                          <a:spcPts val="0"/>
+                        </a:spcAft>
+                        <a:buNone/>
+                      </a:pPr>
+                      <a:r>
+                        <a:rPr lang="en" sz="1200">
+                          <a:latin typeface="Times New Roman"/>
+                          <a:ea typeface="Times New Roman"/>
+                          <a:cs typeface="Times New Roman"/>
+                          <a:sym typeface="Times New Roman"/>
+                        </a:rPr>
+                        <a:t>Added this task 9/30/19 to create a configuration file for at least one phase in system and run in simulation</a:t>
+                      </a:r>
+                      <a:endParaRPr sz="1200">
+                        <a:latin typeface="Times New Roman"/>
+                        <a:ea typeface="Times New Roman"/>
+                        <a:cs typeface="Times New Roman"/>
+                        <a:sym typeface="Times New Roman"/>
+                      </a:endParaRPr>
+                    </a:p>
+                  </a:txBody>
+                  <a:tcPr marT="63500" marB="63500" marR="63500" marL="63500">
+                    <a:solidFill>
+                      <a:srgbClr val="D9D9D9"/>
+                    </a:solidFill>
+                  </a:tcPr>
+                </a:tc>
+                <a:tc>
+                  <a:txBody>
+                    <a:bodyPr/>
+                    <a:lstStyle/>
+                    <a:p>
+                      <a:pPr indent="0" lvl="0" marL="0" rtl="0" algn="ctr">
+                        <a:spcBef>
+                          <a:spcPts val="0"/>
+                        </a:spcBef>
+                        <a:spcAft>
+                          <a:spcPts val="0"/>
+                        </a:spcAft>
+                        <a:buNone/>
+                      </a:pPr>
+                      <a:r>
+                        <a:rPr lang="en" sz="1200">
+                          <a:latin typeface="Times New Roman"/>
+                          <a:ea typeface="Times New Roman"/>
+                          <a:cs typeface="Times New Roman"/>
+                          <a:sym typeface="Times New Roman"/>
+                        </a:rPr>
+                        <a:t>Responsible - 50% Test/Demo</a:t>
+                      </a:r>
+                      <a:endParaRPr sz="1200">
+                        <a:latin typeface="Times New Roman"/>
+                        <a:ea typeface="Times New Roman"/>
+                        <a:cs typeface="Times New Roman"/>
+                        <a:sym typeface="Times New Roman"/>
+                      </a:endParaRPr>
+                    </a:p>
+                  </a:txBody>
+                  <a:tcPr marT="63500" marB="63500" marR="63500" marL="63500">
+                    <a:solidFill>
+                      <a:srgbClr val="F3F3F3"/>
+                    </a:solidFill>
+                  </a:tcPr>
+                </a:tc>
+                <a:tc>
+                  <a:txBody>
+                    <a:bodyPr/>
+                    <a:lstStyle/>
+                    <a:p>
+                      <a:pPr indent="0" lvl="0" marL="0" rtl="0" algn="ctr">
+                        <a:spcBef>
+                          <a:spcPts val="0"/>
+                        </a:spcBef>
+                        <a:spcAft>
+                          <a:spcPts val="0"/>
+                        </a:spcAft>
+                        <a:buNone/>
+                      </a:pPr>
+                      <a:r>
+                        <a:rPr lang="en" sz="1200">
+                          <a:latin typeface="Times New Roman"/>
+                          <a:ea typeface="Times New Roman"/>
+                          <a:cs typeface="Times New Roman"/>
+                          <a:sym typeface="Times New Roman"/>
+                        </a:rPr>
+                        <a:t>Responsible - 50% Test/Demo</a:t>
+                      </a:r>
+                      <a:endParaRPr sz="1200">
+                        <a:latin typeface="Times New Roman"/>
+                        <a:ea typeface="Times New Roman"/>
+                        <a:cs typeface="Times New Roman"/>
+                        <a:sym typeface="Times New Roman"/>
+                      </a:endParaRPr>
+                    </a:p>
+                  </a:txBody>
+                  <a:tcPr marT="63500" marB="63500" marR="63500" marL="63500">
+                    <a:solidFill>
+                      <a:srgbClr val="F3F3F3"/>
+                    </a:solidFill>
+                  </a:tcPr>
+                </a:tc>
+              </a:tr>
+            </a:tbl>
+          </a:graphicData>
+        </a:graphic>
+      </p:graphicFrame>
+    </p:spTree>
+  </p:cSld>
+  <p:clrMapOvr>
+    <a:masterClrMapping/>
+  </p:clrMapOvr>
+</p:sld>
+</file>
+
+<file path=ppt/slides/slide17.xml><?xml version="1.0" encoding="utf-8"?>
+<p:sld xmlns:a="http://schemas.openxmlformats.org/drawingml/2006/main" xmlns:r="http://schemas.openxmlformats.org/officeDocument/2006/relationships" xmlns:mc="http://schemas.openxmlformats.org/markup-compatibility/2006" xmlns:mv="urn:schemas-microsoft-com:mac:vml" xmlns:p="http://schemas.openxmlformats.org/presentationml/2006/main" xmlns:c="http://schemas.openxmlformats.org/drawingml/2006/chart" xmlns:dgm="http://schemas.openxmlformats.org/drawingml/2006/diagram" xmlns:o="urn:schemas-microsoft-com:office:office" xmlns:v="urn:schemas-microsoft-com:vml" xmlns:pvml="urn:schemas-microsoft-com:office:powerpoint" xmlns:com="http://schemas.openxmlformats.org/drawingml/2006/compatibility" xmlns:p14="http://schemas.microsoft.com/office/powerpoint/2010/main" xmlns:p15="http://schemas.microsoft.com/office/powerpoint/2012/main">
+  <p:cSld>
+    <p:spTree>
+      <p:nvGrpSpPr>
+        <p:cNvPr id="239" name="Shape 239"/>
+        <p:cNvGrpSpPr/>
+        <p:nvPr/>
+      </p:nvGrpSpPr>
+      <p:grpSpPr>
+        <a:xfrm>
+          <a:off x="0" y="0"/>
+          <a:ext cx="0" cy="0"/>
+          <a:chOff x="0" y="0"/>
+          <a:chExt cx="0" cy="0"/>
+        </a:xfrm>
+      </p:grpSpPr>
+      <p:sp>
+        <p:nvSpPr>
+          <p:cNvPr id="240" name="Google Shape;240;p29"/>
+          <p:cNvSpPr txBox="1"/>
+          <p:nvPr>
+            <p:ph idx="1" type="body"/>
+          </p:nvPr>
+        </p:nvSpPr>
+        <p:spPr>
+          <a:xfrm>
+            <a:off x="42750" y="28500"/>
+            <a:ext cx="9047400" cy="5072100"/>
+          </a:xfrm>
+          <a:prstGeom prst="rect">
+            <a:avLst/>
+          </a:prstGeom>
+        </p:spPr>
+        <p:txBody>
+          <a:bodyPr anchorCtr="0" anchor="ctr" bIns="91425" lIns="91425" spcFirstLastPara="1" rIns="91425" wrap="square" tIns="91425">
+            <a:noAutofit/>
+          </a:bodyPr>
+          <a:lstStyle/>
+          <a:p>
+            <a:pPr indent="0" lvl="0" marL="0" rtl="0" algn="ctr">
+              <a:lnSpc>
+                <a:spcPct val="100000"/>
+              </a:lnSpc>
+              <a:spcBef>
+                <a:spcPts val="0"/>
+              </a:spcBef>
+              <a:spcAft>
+                <a:spcPts val="0"/>
+              </a:spcAft>
+              <a:buNone/>
+            </a:pPr>
+            <a:r>
+              <a:rPr lang="en" sz="2400">
+                <a:latin typeface="Montserrat"/>
+                <a:ea typeface="Montserrat"/>
+                <a:cs typeface="Montserrat"/>
+                <a:sym typeface="Montserrat"/>
+              </a:rPr>
+              <a:t>Questions?</a:t>
             </a:r>
             <a:endParaRPr/>
           </a:p>
@@ -11710,22 +14095,6 @@
               <a:rPr lang="en"/>
               <a:t>Milestone 1</a:t>
             </a:r>
-            <a:endParaRPr/>
-          </a:p>
-          <a:p>
-            <a:pPr indent="0" lvl="0" marL="0" rtl="0" algn="l">
-              <a:spcBef>
-                <a:spcPts val="0"/>
-              </a:spcBef>
-              <a:spcAft>
-                <a:spcPts val="0"/>
-              </a:spcAft>
-              <a:buNone/>
-            </a:pPr>
-            <a:r>
-              <a:rPr i="1" lang="en" sz="1200"/>
-              <a:t>2-5 No slides needed</a:t>
-            </a:r>
             <a:endParaRPr i="1" sz="1200"/>
           </a:p>
         </p:txBody>
@@ -11745,7 +14114,7 @@
             <a:tbl>
               <a:tblPr>
                 <a:noFill/>
-                <a:tableStyleId>{95A3B765-3EC4-48AE-858C-BEBE6EAC6162}</a:tableStyleId>
+                <a:tableStyleId>{C9ED71EE-A23C-49A4-B947-668A60F3EF4A}</a:tableStyleId>
               </a:tblPr>
               <a:tblGrid>
                 <a:gridCol w="1485900"/>
@@ -11937,7 +14306,7 @@
                   </a:txBody>
                   <a:tcPr marT="63500" marB="63500" marR="63500" marL="63500">
                     <a:solidFill>
-                      <a:srgbClr val="D9D9D9"/>
+                      <a:srgbClr val="EFEFEF"/>
                     </a:solidFill>
                   </a:tcPr>
                 </a:tc>
@@ -12087,7 +14456,7 @@
                   </a:txBody>
                   <a:tcPr marT="63500" marB="63500" marR="63500" marL="63500">
                     <a:solidFill>
-                      <a:srgbClr val="FFFF00"/>
+                      <a:srgbClr val="EFEFEF"/>
                     </a:solidFill>
                   </a:tcPr>
                 </a:tc>
@@ -12237,7 +14606,7 @@
                   </a:txBody>
                   <a:tcPr marT="63500" marB="63500" marR="63500" marL="63500">
                     <a:solidFill>
-                      <a:srgbClr val="FFFF00"/>
+                      <a:srgbClr val="EFEFEF"/>
                     </a:solidFill>
                   </a:tcPr>
                 </a:tc>
@@ -12387,7 +14756,7 @@
                   </a:txBody>
                   <a:tcPr marT="63500" marB="63500" marR="63500" marL="63500">
                     <a:solidFill>
-                      <a:srgbClr val="FFFF00"/>
+                      <a:srgbClr val="EFEFEF"/>
                     </a:solidFill>
                   </a:tcPr>
                 </a:tc>
@@ -12525,7 +14894,7 @@
                           <a:cs typeface="Times New Roman"/>
                           <a:sym typeface="Times New Roman"/>
                         </a:rPr>
-                        <a:t>5. Provide demos of tools</a:t>
+                        <a:t>5. Provide demos</a:t>
                       </a:r>
                       <a:endParaRPr sz="1200">
                         <a:latin typeface="Times New Roman"/>
@@ -12537,7 +14906,7 @@
                   </a:txBody>
                   <a:tcPr marT="63500" marB="63500" marR="63500" marL="63500">
                     <a:solidFill>
-                      <a:srgbClr val="FFFF00"/>
+                      <a:srgbClr val="EFEFEF"/>
                     </a:solidFill>
                   </a:tcPr>
                 </a:tc>
@@ -12687,7 +15056,7 @@
                   </a:txBody>
                   <a:tcPr marT="63500" marB="63500" marR="63500" marL="63500">
                     <a:solidFill>
-                      <a:srgbClr val="D9D9D9"/>
+                      <a:srgbClr val="EFEFEF"/>
                     </a:solidFill>
                   </a:tcPr>
                 </a:tc>
@@ -12837,7 +15206,7 @@
                   </a:txBody>
                   <a:tcPr marT="63500" marB="63500" marR="63500" marL="63500">
                     <a:solidFill>
-                      <a:srgbClr val="D9D9D9"/>
+                      <a:srgbClr val="EFEFEF"/>
                     </a:solidFill>
                   </a:tcPr>
                 </a:tc>
@@ -12987,7 +15356,7 @@
                   </a:txBody>
                   <a:tcPr marT="63500" marB="63500" marR="63500" marL="63500">
                     <a:solidFill>
-                      <a:srgbClr val="D9D9D9"/>
+                      <a:srgbClr val="EFEFEF"/>
                     </a:solidFill>
                   </a:tcPr>
                 </a:tc>
@@ -13137,7 +15506,7 @@
                   </a:txBody>
                   <a:tcPr marT="63500" marB="63500" marR="63500" marL="63500">
                     <a:solidFill>
-                      <a:srgbClr val="D9D9D9"/>
+                      <a:srgbClr val="EFEFEF"/>
                     </a:solidFill>
                   </a:tcPr>
                 </a:tc>
@@ -13357,7 +15726,7 @@
             </a:pPr>
             <a:r>
               <a:rPr lang="en"/>
-              <a:t>SPI</a:t>
+              <a:t>SPI - Blue model</a:t>
             </a:r>
             <a:endParaRPr/>
           </a:p>
@@ -13446,6 +15815,106 @@
             </a:r>
             <a:endParaRPr/>
           </a:p>
+          <a:p>
+            <a:pPr indent="-311150" lvl="0" marL="457200" rtl="0" algn="l">
+              <a:spcBef>
+                <a:spcPts val="0"/>
+              </a:spcBef>
+              <a:spcAft>
+                <a:spcPts val="0"/>
+              </a:spcAft>
+              <a:buSzPts val="1300"/>
+              <a:buChar char="●"/>
+            </a:pPr>
+            <a:r>
+              <a:rPr lang="en"/>
+              <a:t>Cloud9 IDE</a:t>
+            </a:r>
+            <a:endParaRPr/>
+          </a:p>
+          <a:p>
+            <a:pPr indent="-311150" lvl="0" marL="457200" rtl="0" algn="l">
+              <a:spcBef>
+                <a:spcPts val="0"/>
+              </a:spcBef>
+              <a:spcAft>
+                <a:spcPts val="0"/>
+              </a:spcAft>
+              <a:buSzPts val="1300"/>
+              <a:buChar char="●"/>
+            </a:pPr>
+            <a:r>
+              <a:rPr lang="en"/>
+              <a:t>Little chance of EOL</a:t>
+            </a:r>
+            <a:endParaRPr/>
+          </a:p>
+          <a:p>
+            <a:pPr indent="-311150" lvl="0" marL="457200" rtl="0" algn="l">
+              <a:spcBef>
+                <a:spcPts val="0"/>
+              </a:spcBef>
+              <a:spcAft>
+                <a:spcPts val="0"/>
+              </a:spcAft>
+              <a:buSzPts val="1300"/>
+              <a:buChar char="●"/>
+            </a:pPr>
+            <a:r>
+              <a:rPr lang="en"/>
+              <a:t>Decent documentation</a:t>
+            </a:r>
+            <a:endParaRPr/>
+          </a:p>
+          <a:p>
+            <a:pPr indent="0" lvl="0" marL="0" rtl="0" algn="l">
+              <a:spcBef>
+                <a:spcPts val="1600"/>
+              </a:spcBef>
+              <a:spcAft>
+                <a:spcPts val="0"/>
+              </a:spcAft>
+              <a:buNone/>
+            </a:pPr>
+            <a:r>
+              <a:rPr lang="en"/>
+              <a:t>(</a:t>
+            </a:r>
+            <a:r>
+              <a:rPr lang="en" u="sng">
+                <a:solidFill>
+                  <a:schemeClr val="hlink"/>
+                </a:solidFill>
+                <a:hlinkClick r:id="rId3"/>
+              </a:rPr>
+              <a:t>DEMO</a:t>
+            </a:r>
+            <a:r>
+              <a:rPr lang="en"/>
+              <a:t>) - </a:t>
+            </a:r>
+            <a:r>
+              <a:rPr i="1" lang="en"/>
+              <a:t>in class only</a:t>
+            </a:r>
+            <a:endParaRPr/>
+          </a:p>
+          <a:p>
+            <a:pPr indent="0" lvl="0" marL="0" rtl="0" algn="l">
+              <a:spcBef>
+                <a:spcPts val="1600"/>
+              </a:spcBef>
+              <a:spcAft>
+                <a:spcPts val="1600"/>
+              </a:spcAft>
+              <a:buNone/>
+            </a:pPr>
+            <a:r>
+              <a:rPr lang="en"/>
+              <a:t>Extra: Mapping out custom board plan</a:t>
+            </a:r>
+            <a:endParaRPr/>
+          </a:p>
         </p:txBody>
       </p:sp>
       <p:pic>
@@ -13454,18 +15923,17 @@
           <p:cNvPicPr preferRelativeResize="0"/>
           <p:nvPr/>
         </p:nvPicPr>
-        <p:blipFill>
-          <a:blip r:embed="rId3">
+        <p:blipFill rotWithShape="1">
+          <a:blip r:embed="rId4">
             <a:alphaModFix/>
           </a:blip>
-          <a:stretch>
-            <a:fillRect/>
-          </a:stretch>
+          <a:srcRect b="0" l="0" r="0" t="27219"/>
+          <a:stretch/>
         </p:blipFill>
         <p:spPr>
           <a:xfrm>
-            <a:off x="5203325" y="984862"/>
-            <a:ext cx="3053500" cy="4076575"/>
+            <a:off x="5146350" y="1307853"/>
+            <a:ext cx="3053500" cy="2966975"/>
           </a:xfrm>
           <a:prstGeom prst="rect">
             <a:avLst/>
@@ -13541,7 +16009,7 @@
             </a:pPr>
             <a:r>
               <a:rPr lang="en"/>
-              <a:t>Task 6: Requirements Document</a:t>
+              <a:t>DEMO</a:t>
             </a:r>
             <a:endParaRPr/>
           </a:p>
@@ -13557,8 +16025,8 @@
         </p:nvSpPr>
         <p:spPr>
           <a:xfrm>
-            <a:off x="1297500" y="1567550"/>
-            <a:ext cx="7038900" cy="2911200"/>
+            <a:off x="1297500" y="1307850"/>
+            <a:ext cx="7038900" cy="3171000"/>
           </a:xfrm>
           <a:prstGeom prst="rect">
             <a:avLst/>
@@ -13580,209 +16048,57 @@
               <a:buNone/>
             </a:pPr>
             <a:r>
-              <a:rPr lang="en" sz="1100">
+              <a:rPr lang="en"/>
+              <a:t>HelloWorld - LEDS say “hello” in Morse Code using Python! </a:t>
+            </a:r>
+            <a:r>
+              <a:rPr lang="en"/>
+              <a:t>(</a:t>
+            </a:r>
+            <a:r>
+              <a:rPr lang="en" u="sng">
                 <a:solidFill>
-                  <a:srgbClr val="FFFFFF"/>
+                  <a:schemeClr val="accent5"/>
                 </a:solidFill>
+                <a:hlinkClick r:id="rId3"/>
               </a:rPr>
-              <a:t>Deciding on the structure of the software was the most difficult problem so far, but designing the syntax of the configuration file may be more of a challenge in the future.</a:t>
+              <a:t>DEMO</a:t>
             </a:r>
-            <a:endParaRPr sz="1100">
-              <a:solidFill>
-                <a:srgbClr val="FFFFFF"/>
-              </a:solidFill>
-            </a:endParaRPr>
+            <a:r>
+              <a:rPr lang="en"/>
+              <a:t>) - </a:t>
+            </a:r>
+            <a:r>
+              <a:rPr i="1" lang="en"/>
+              <a:t>in class only</a:t>
+            </a:r>
+            <a:endParaRPr/>
           </a:p>
           <a:p>
             <a:pPr indent="0" lvl="0" marL="0" rtl="0" algn="l">
               <a:spcBef>
-                <a:spcPts val="0"/>
-              </a:spcBef>
-              <a:spcAft>
-                <a:spcPts val="0"/>
+                <a:spcPts val="1600"/>
+              </a:spcBef>
+              <a:spcAft>
+                <a:spcPts val="1600"/>
               </a:spcAft>
               <a:buNone/>
             </a:pPr>
             <a:r>
               <a:t/>
             </a:r>
-            <a:endParaRPr sz="1100">
-              <a:solidFill>
-                <a:srgbClr val="FFFFFF"/>
-              </a:solidFill>
-            </a:endParaRPr>
-          </a:p>
-          <a:p>
-            <a:pPr indent="0" lvl="0" marL="0" rtl="0" algn="l">
-              <a:spcBef>
-                <a:spcPts val="0"/>
-              </a:spcBef>
-              <a:spcAft>
-                <a:spcPts val="0"/>
-              </a:spcAft>
-              <a:buNone/>
-            </a:pPr>
-            <a:r>
-              <a:rPr lang="en" sz="1100">
-                <a:solidFill>
-                  <a:srgbClr val="FFFFFF"/>
-                </a:solidFill>
-              </a:rPr>
-              <a:t>Actions:</a:t>
-            </a:r>
-            <a:endParaRPr sz="1100">
-              <a:solidFill>
-                <a:srgbClr val="FFFFFF"/>
-              </a:solidFill>
-            </a:endParaRPr>
-          </a:p>
-          <a:p>
-            <a:pPr indent="-298450" lvl="0" marL="457200" rtl="0" algn="l">
-              <a:spcBef>
-                <a:spcPts val="0"/>
-              </a:spcBef>
-              <a:spcAft>
-                <a:spcPts val="0"/>
-              </a:spcAft>
-              <a:buClr>
-                <a:srgbClr val="FFFFFF"/>
-              </a:buClr>
-              <a:buSzPts val="1100"/>
-              <a:buChar char="●"/>
-            </a:pPr>
-            <a:r>
-              <a:rPr lang="en" sz="1100">
-                <a:solidFill>
-                  <a:srgbClr val="FFFFFF"/>
-                </a:solidFill>
-              </a:rPr>
-              <a:t>NFR</a:t>
-            </a:r>
-            <a:endParaRPr sz="1100">
-              <a:solidFill>
-                <a:srgbClr val="FFFFFF"/>
-              </a:solidFill>
-            </a:endParaRPr>
-          </a:p>
-          <a:p>
-            <a:pPr indent="-298450" lvl="0" marL="457200" rtl="0" algn="l">
-              <a:spcBef>
-                <a:spcPts val="0"/>
-              </a:spcBef>
-              <a:spcAft>
-                <a:spcPts val="0"/>
-              </a:spcAft>
-              <a:buClr>
-                <a:srgbClr val="FFFFFF"/>
-              </a:buClr>
-              <a:buSzPts val="1100"/>
-              <a:buChar char="●"/>
-            </a:pPr>
-            <a:r>
-              <a:rPr lang="en" sz="1100">
-                <a:solidFill>
-                  <a:srgbClr val="FFFFFF"/>
-                </a:solidFill>
-              </a:rPr>
-              <a:t>FR</a:t>
-            </a:r>
-            <a:endParaRPr sz="1100">
-              <a:solidFill>
-                <a:srgbClr val="FFFFFF"/>
-              </a:solidFill>
-            </a:endParaRPr>
-          </a:p>
-          <a:p>
-            <a:pPr indent="-298450" lvl="0" marL="457200" rtl="0" algn="l">
-              <a:spcBef>
-                <a:spcPts val="0"/>
-              </a:spcBef>
-              <a:spcAft>
-                <a:spcPts val="0"/>
-              </a:spcAft>
-              <a:buClr>
-                <a:srgbClr val="FFFFFF"/>
-              </a:buClr>
-              <a:buSzPts val="1100"/>
-              <a:buChar char="●"/>
-            </a:pPr>
-            <a:r>
-              <a:rPr lang="en" sz="1100">
-                <a:solidFill>
-                  <a:srgbClr val="FFFFFF"/>
-                </a:solidFill>
-              </a:rPr>
-              <a:t>Traceability</a:t>
-            </a:r>
-            <a:endParaRPr sz="1100">
-              <a:solidFill>
-                <a:srgbClr val="FFFFFF"/>
-              </a:solidFill>
-            </a:endParaRPr>
-          </a:p>
-          <a:p>
-            <a:pPr indent="-298450" lvl="0" marL="457200" rtl="0" algn="l">
-              <a:spcBef>
-                <a:spcPts val="0"/>
-              </a:spcBef>
-              <a:spcAft>
-                <a:spcPts val="0"/>
-              </a:spcAft>
-              <a:buClr>
-                <a:srgbClr val="FFFFFF"/>
-              </a:buClr>
-              <a:buSzPts val="1100"/>
-              <a:buChar char="●"/>
-            </a:pPr>
-            <a:r>
-              <a:rPr lang="en" sz="1100">
-                <a:solidFill>
-                  <a:srgbClr val="FFFFFF"/>
-                </a:solidFill>
-              </a:rPr>
-              <a:t>WBS</a:t>
-            </a:r>
-            <a:endParaRPr sz="1100">
-              <a:solidFill>
-                <a:srgbClr val="FFFFFF"/>
-              </a:solidFill>
-            </a:endParaRPr>
+            <a:endParaRPr/>
           </a:p>
         </p:txBody>
       </p:sp>
-    </p:spTree>
-  </p:cSld>
-  <p:clrMapOvr>
-    <a:masterClrMapping/>
-  </p:clrMapOvr>
-</p:sld>
-</file>
-
-<file path=ppt/slides/slide5.xml><?xml version="1.0" encoding="utf-8"?>
-<p:sld xmlns:a="http://schemas.openxmlformats.org/drawingml/2006/main" xmlns:r="http://schemas.openxmlformats.org/officeDocument/2006/relationships" xmlns:mc="http://schemas.openxmlformats.org/markup-compatibility/2006" xmlns:mv="urn:schemas-microsoft-com:mac:vml" xmlns:p="http://schemas.openxmlformats.org/presentationml/2006/main" xmlns:c="http://schemas.openxmlformats.org/drawingml/2006/chart" xmlns:dgm="http://schemas.openxmlformats.org/drawingml/2006/diagram" xmlns:o="urn:schemas-microsoft-com:office:office" xmlns:v="urn:schemas-microsoft-com:vml" xmlns:pvml="urn:schemas-microsoft-com:office:powerpoint" xmlns:com="http://schemas.openxmlformats.org/drawingml/2006/compatibility" xmlns:p14="http://schemas.microsoft.com/office/powerpoint/2010/main" xmlns:p15="http://schemas.microsoft.com/office/powerpoint/2012/main">
-  <p:cSld>
-    <p:spTree>
-      <p:nvGrpSpPr>
-        <p:cNvPr id="158" name="Shape 158"/>
-        <p:cNvGrpSpPr/>
-        <p:nvPr/>
-      </p:nvGrpSpPr>
-      <p:grpSpPr>
-        <a:xfrm>
-          <a:off x="0" y="0"/>
-          <a:ext cx="0" cy="0"/>
-          <a:chOff x="0" y="0"/>
-          <a:chExt cx="0" cy="0"/>
-        </a:xfrm>
-      </p:grpSpPr>
       <p:pic>
         <p:nvPicPr>
-          <p:cNvPr id="159" name="Google Shape;159;p17"/>
+          <p:cNvPr id="155" name="Google Shape;155;p16"/>
           <p:cNvPicPr preferRelativeResize="0"/>
           <p:nvPr/>
         </p:nvPicPr>
         <p:blipFill>
-          <a:blip r:embed="rId3">
+          <a:blip r:embed="rId4">
             <a:alphaModFix/>
           </a:blip>
           <a:stretch>
@@ -13790,110 +16106,9 @@
           </a:stretch>
         </p:blipFill>
         <p:spPr>
-          <a:xfrm>
-            <a:off x="2255625" y="276551"/>
-            <a:ext cx="4632751" cy="4590399"/>
-          </a:xfrm>
-          <a:prstGeom prst="rect">
-            <a:avLst/>
-          </a:prstGeom>
-          <a:noFill/>
-          <a:ln>
-            <a:noFill/>
-          </a:ln>
-        </p:spPr>
-      </p:pic>
-    </p:spTree>
-  </p:cSld>
-  <p:clrMapOvr>
-    <a:masterClrMapping/>
-  </p:clrMapOvr>
-</p:sld>
-</file>
-
-<file path=ppt/slides/slide6.xml><?xml version="1.0" encoding="utf-8"?>
-<p:sld xmlns:a="http://schemas.openxmlformats.org/drawingml/2006/main" xmlns:r="http://schemas.openxmlformats.org/officeDocument/2006/relationships" xmlns:mc="http://schemas.openxmlformats.org/markup-compatibility/2006" xmlns:mv="urn:schemas-microsoft-com:mac:vml" xmlns:p="http://schemas.openxmlformats.org/presentationml/2006/main" xmlns:c="http://schemas.openxmlformats.org/drawingml/2006/chart" xmlns:dgm="http://schemas.openxmlformats.org/drawingml/2006/diagram" xmlns:o="urn:schemas-microsoft-com:office:office" xmlns:v="urn:schemas-microsoft-com:vml" xmlns:pvml="urn:schemas-microsoft-com:office:powerpoint" xmlns:com="http://schemas.openxmlformats.org/drawingml/2006/compatibility" xmlns:p14="http://schemas.microsoft.com/office/powerpoint/2010/main" xmlns:p15="http://schemas.microsoft.com/office/powerpoint/2012/main">
-  <p:cSld>
-    <p:spTree>
-      <p:nvGrpSpPr>
-        <p:cNvPr id="163" name="Shape 163"/>
-        <p:cNvGrpSpPr/>
-        <p:nvPr/>
-      </p:nvGrpSpPr>
-      <p:grpSpPr>
-        <a:xfrm>
-          <a:off x="0" y="0"/>
-          <a:ext cx="0" cy="0"/>
-          <a:chOff x="0" y="0"/>
-          <a:chExt cx="0" cy="0"/>
-        </a:xfrm>
-      </p:grpSpPr>
-      <p:sp>
-        <p:nvSpPr>
-          <p:cNvPr id="164" name="Google Shape;164;p18"/>
-          <p:cNvSpPr txBox="1"/>
-          <p:nvPr>
-            <p:ph type="title"/>
-          </p:nvPr>
-        </p:nvSpPr>
-        <p:spPr>
-          <a:xfrm>
-            <a:off x="1297500" y="393750"/>
-            <a:ext cx="7512600" cy="914100"/>
-          </a:xfrm>
-          <a:prstGeom prst="rect">
-            <a:avLst/>
-          </a:prstGeom>
-        </p:spPr>
-        <p:txBody>
-          <a:bodyPr anchorCtr="0" anchor="t" bIns="91425" lIns="91425" spcFirstLastPara="1" rIns="91425" wrap="square" tIns="91425">
-            <a:noAutofit/>
-          </a:bodyPr>
-          <a:lstStyle/>
-          <a:p>
-            <a:pPr indent="0" lvl="0" marL="0" rtl="0" algn="l">
-              <a:spcBef>
-                <a:spcPts val="0"/>
-              </a:spcBef>
-              <a:spcAft>
-                <a:spcPts val="0"/>
-              </a:spcAft>
-              <a:buNone/>
-            </a:pPr>
-            <a:r>
-              <a:rPr lang="en"/>
-              <a:t>Task 7: Create design document - </a:t>
-            </a:r>
-            <a:r>
-              <a:rPr lang="en"/>
-              <a:t>Requirements</a:t>
-            </a:r>
-            <a:r>
-              <a:rPr lang="en"/>
-              <a:t> and Config</a:t>
-            </a:r>
-            <a:endParaRPr/>
-          </a:p>
-        </p:txBody>
-      </p:sp>
-      <p:pic>
-        <p:nvPicPr>
-          <p:cNvPr id="165" name="Google Shape;165;p18"/>
-          <p:cNvPicPr preferRelativeResize="0"/>
-          <p:nvPr/>
-        </p:nvPicPr>
-        <p:blipFill>
-          <a:blip r:embed="rId3">
-            <a:alphaModFix/>
-          </a:blip>
-          <a:stretch>
-            <a:fillRect/>
-          </a:stretch>
-        </p:blipFill>
-        <p:spPr>
-          <a:xfrm>
-            <a:off x="2283575" y="1307851"/>
-            <a:ext cx="4853824" cy="3692325"/>
+          <a:xfrm rot="5400000">
+            <a:off x="3043125" y="585151"/>
+            <a:ext cx="3057750" cy="5673200"/>
           </a:xfrm>
           <a:prstGeom prst="rect">
             <a:avLst/>
@@ -13918,12 +16133,2916 @@
 </p:sld>
 </file>
 
+<file path=ppt/slides/slide5.xml><?xml version="1.0" encoding="utf-8"?>
+<p:sld xmlns:a="http://schemas.openxmlformats.org/drawingml/2006/main" xmlns:r="http://schemas.openxmlformats.org/officeDocument/2006/relationships" xmlns:mc="http://schemas.openxmlformats.org/markup-compatibility/2006" xmlns:mv="urn:schemas-microsoft-com:mac:vml" xmlns:p="http://schemas.openxmlformats.org/presentationml/2006/main" xmlns:c="http://schemas.openxmlformats.org/drawingml/2006/chart" xmlns:dgm="http://schemas.openxmlformats.org/drawingml/2006/diagram" xmlns:o="urn:schemas-microsoft-com:office:office" xmlns:v="urn:schemas-microsoft-com:vml" xmlns:pvml="urn:schemas-microsoft-com:office:powerpoint" xmlns:com="http://schemas.openxmlformats.org/drawingml/2006/compatibility" xmlns:p14="http://schemas.microsoft.com/office/powerpoint/2010/main" xmlns:p15="http://schemas.microsoft.com/office/powerpoint/2012/main">
+  <p:cSld>
+    <p:spTree>
+      <p:nvGrpSpPr>
+        <p:cNvPr id="159" name="Shape 159"/>
+        <p:cNvGrpSpPr/>
+        <p:nvPr/>
+      </p:nvGrpSpPr>
+      <p:grpSpPr>
+        <a:xfrm>
+          <a:off x="0" y="0"/>
+          <a:ext cx="0" cy="0"/>
+          <a:chOff x="0" y="0"/>
+          <a:chExt cx="0" cy="0"/>
+        </a:xfrm>
+      </p:grpSpPr>
+      <p:sp>
+        <p:nvSpPr>
+          <p:cNvPr id="160" name="Google Shape;160;p17"/>
+          <p:cNvSpPr txBox="1"/>
+          <p:nvPr>
+            <p:ph type="title"/>
+          </p:nvPr>
+        </p:nvSpPr>
+        <p:spPr>
+          <a:xfrm>
+            <a:off x="685150" y="2323350"/>
+            <a:ext cx="1958700" cy="1545000"/>
+          </a:xfrm>
+          <a:prstGeom prst="rect">
+            <a:avLst/>
+          </a:prstGeom>
+        </p:spPr>
+        <p:txBody>
+          <a:bodyPr anchorCtr="0" anchor="t" bIns="91425" lIns="91425" spcFirstLastPara="1" rIns="91425" wrap="square" tIns="91425">
+            <a:noAutofit/>
+          </a:bodyPr>
+          <a:lstStyle/>
+          <a:p>
+            <a:pPr indent="0" lvl="0" marL="0" rtl="0" algn="l">
+              <a:spcBef>
+                <a:spcPts val="0"/>
+              </a:spcBef>
+              <a:spcAft>
+                <a:spcPts val="0"/>
+              </a:spcAft>
+              <a:buNone/>
+            </a:pPr>
+            <a:r>
+              <a:rPr lang="en"/>
+              <a:t>Milestone 1</a:t>
+            </a:r>
+            <a:endParaRPr/>
+          </a:p>
+          <a:p>
+            <a:pPr indent="0" lvl="0" marL="0" rtl="0" algn="l">
+              <a:spcBef>
+                <a:spcPts val="0"/>
+              </a:spcBef>
+              <a:spcAft>
+                <a:spcPts val="0"/>
+              </a:spcAft>
+              <a:buNone/>
+            </a:pPr>
+            <a:r>
+              <a:rPr i="1" lang="en" sz="1200"/>
+              <a:t>2-5 No slides needed</a:t>
+            </a:r>
+            <a:endParaRPr i="1" sz="1200"/>
+          </a:p>
+        </p:txBody>
+      </p:sp>
+      <p:graphicFrame>
+        <p:nvGraphicFramePr>
+          <p:cNvPr id="161" name="Google Shape;161;p17"/>
+          <p:cNvGraphicFramePr/>
+          <p:nvPr/>
+        </p:nvGraphicFramePr>
+        <p:xfrm>
+          <a:off x="3127550" y="127000"/>
+          <a:ext cx="3000000" cy="3000000"/>
+        </p:xfrm>
+        <a:graphic>
+          <a:graphicData uri="http://schemas.openxmlformats.org/drawingml/2006/table">
+            <a:tbl>
+              <a:tblPr>
+                <a:noFill/>
+                <a:tableStyleId>{C9ED71EE-A23C-49A4-B947-668A60F3EF4A}</a:tableStyleId>
+              </a:tblPr>
+              <a:tblGrid>
+                <a:gridCol w="1485900"/>
+                <a:gridCol w="1485900"/>
+                <a:gridCol w="1895475"/>
+                <a:gridCol w="1076325"/>
+              </a:tblGrid>
+              <a:tr h="12700">
+                <a:tc>
+                  <a:txBody>
+                    <a:bodyPr/>
+                    <a:lstStyle/>
+                    <a:p>
+                      <a:pPr indent="0" lvl="0" marL="0" rtl="0" algn="ctr">
+                        <a:spcBef>
+                          <a:spcPts val="0"/>
+                        </a:spcBef>
+                        <a:spcAft>
+                          <a:spcPts val="0"/>
+                        </a:spcAft>
+                        <a:buNone/>
+                      </a:pPr>
+                      <a:r>
+                        <a:rPr b="1" lang="en" sz="1200">
+                          <a:latin typeface="Times New Roman"/>
+                          <a:ea typeface="Times New Roman"/>
+                          <a:cs typeface="Times New Roman"/>
+                          <a:sym typeface="Times New Roman"/>
+                        </a:rPr>
+                        <a:t>Task</a:t>
+                      </a:r>
+                      <a:endParaRPr b="1" sz="1200">
+                        <a:latin typeface="Times New Roman"/>
+                        <a:ea typeface="Times New Roman"/>
+                        <a:cs typeface="Times New Roman"/>
+                        <a:sym typeface="Times New Roman"/>
+                      </a:endParaRPr>
+                    </a:p>
+                  </a:txBody>
+                  <a:tcPr marT="63500" marB="63500" marR="63500" marL="63500">
+                    <a:solidFill>
+                      <a:srgbClr val="D9D9D9"/>
+                    </a:solidFill>
+                  </a:tcPr>
+                </a:tc>
+                <a:tc>
+                  <a:txBody>
+                    <a:bodyPr/>
+                    <a:lstStyle/>
+                    <a:p>
+                      <a:pPr indent="0" lvl="0" marL="0" rtl="0" algn="ctr">
+                        <a:spcBef>
+                          <a:spcPts val="0"/>
+                        </a:spcBef>
+                        <a:spcAft>
+                          <a:spcPts val="0"/>
+                        </a:spcAft>
+                        <a:buNone/>
+                      </a:pPr>
+                      <a:r>
+                        <a:rPr b="1" lang="en" sz="1200">
+                          <a:latin typeface="Times New Roman"/>
+                          <a:ea typeface="Times New Roman"/>
+                          <a:cs typeface="Times New Roman"/>
+                          <a:sym typeface="Times New Roman"/>
+                        </a:rPr>
+                        <a:t>Giampiero</a:t>
+                      </a:r>
+                      <a:endParaRPr b="1" sz="1200">
+                        <a:latin typeface="Times New Roman"/>
+                        <a:ea typeface="Times New Roman"/>
+                        <a:cs typeface="Times New Roman"/>
+                        <a:sym typeface="Times New Roman"/>
+                      </a:endParaRPr>
+                    </a:p>
+                  </a:txBody>
+                  <a:tcPr marT="63500" marB="63500" marR="63500" marL="63500">
+                    <a:solidFill>
+                      <a:srgbClr val="D9D9D9"/>
+                    </a:solidFill>
+                  </a:tcPr>
+                </a:tc>
+                <a:tc>
+                  <a:txBody>
+                    <a:bodyPr/>
+                    <a:lstStyle/>
+                    <a:p>
+                      <a:pPr indent="0" lvl="0" marL="0" rtl="0" algn="ctr">
+                        <a:spcBef>
+                          <a:spcPts val="0"/>
+                        </a:spcBef>
+                        <a:spcAft>
+                          <a:spcPts val="0"/>
+                        </a:spcAft>
+                        <a:buNone/>
+                      </a:pPr>
+                      <a:r>
+                        <a:rPr b="1" lang="en" sz="1200">
+                          <a:latin typeface="Times New Roman"/>
+                          <a:ea typeface="Times New Roman"/>
+                          <a:cs typeface="Times New Roman"/>
+                          <a:sym typeface="Times New Roman"/>
+                        </a:rPr>
+                        <a:t>Christopher</a:t>
+                      </a:r>
+                      <a:endParaRPr b="1" sz="1200">
+                        <a:latin typeface="Times New Roman"/>
+                        <a:ea typeface="Times New Roman"/>
+                        <a:cs typeface="Times New Roman"/>
+                        <a:sym typeface="Times New Roman"/>
+                      </a:endParaRPr>
+                    </a:p>
+                  </a:txBody>
+                  <a:tcPr marT="63500" marB="63500" marR="63500" marL="63500">
+                    <a:solidFill>
+                      <a:srgbClr val="D9D9D9"/>
+                    </a:solidFill>
+                  </a:tcPr>
+                </a:tc>
+                <a:tc>
+                  <a:txBody>
+                    <a:bodyPr/>
+                    <a:lstStyle/>
+                    <a:p>
+                      <a:pPr indent="0" lvl="0" marL="0" rtl="0" algn="ctr">
+                        <a:spcBef>
+                          <a:spcPts val="0"/>
+                        </a:spcBef>
+                        <a:spcAft>
+                          <a:spcPts val="0"/>
+                        </a:spcAft>
+                        <a:buNone/>
+                      </a:pPr>
+                      <a:r>
+                        <a:rPr b="1" lang="en" sz="1200">
+                          <a:latin typeface="Times New Roman"/>
+                          <a:ea typeface="Times New Roman"/>
+                          <a:cs typeface="Times New Roman"/>
+                          <a:sym typeface="Times New Roman"/>
+                        </a:rPr>
+                        <a:t>To do</a:t>
+                      </a:r>
+                      <a:endParaRPr b="1" sz="1200">
+                        <a:latin typeface="Times New Roman"/>
+                        <a:ea typeface="Times New Roman"/>
+                        <a:cs typeface="Times New Roman"/>
+                        <a:sym typeface="Times New Roman"/>
+                      </a:endParaRPr>
+                    </a:p>
+                  </a:txBody>
+                  <a:tcPr marT="63500" marB="63500" marR="63500" marL="63500">
+                    <a:solidFill>
+                      <a:srgbClr val="D9D9D9"/>
+                    </a:solidFill>
+                  </a:tcPr>
+                </a:tc>
+              </a:tr>
+              <a:tr h="266700">
+                <a:tc>
+                  <a:txBody>
+                    <a:bodyPr/>
+                    <a:lstStyle/>
+                    <a:p>
+                      <a:pPr indent="0" lvl="0" marL="0" rtl="0" algn="l">
+                        <a:spcBef>
+                          <a:spcPts val="0"/>
+                        </a:spcBef>
+                        <a:spcAft>
+                          <a:spcPts val="0"/>
+                        </a:spcAft>
+                        <a:buNone/>
+                      </a:pPr>
+                      <a:r>
+                        <a:rPr lang="en" sz="1200">
+                          <a:latin typeface="Times New Roman"/>
+                          <a:ea typeface="Times New Roman"/>
+                          <a:cs typeface="Times New Roman"/>
+                          <a:sym typeface="Times New Roman"/>
+                        </a:rPr>
+                        <a:t>1. Choosing microcontroller</a:t>
+                      </a:r>
+                      <a:endParaRPr sz="1200">
+                        <a:latin typeface="Times New Roman"/>
+                        <a:ea typeface="Times New Roman"/>
+                        <a:cs typeface="Times New Roman"/>
+                        <a:sym typeface="Times New Roman"/>
+                      </a:endParaRPr>
+                    </a:p>
+                  </a:txBody>
+                  <a:tcPr marT="63500" marB="63500" marR="63500" marL="63500">
+                    <a:solidFill>
+                      <a:srgbClr val="D9D9D9"/>
+                    </a:solidFill>
+                  </a:tcPr>
+                </a:tc>
+                <a:tc>
+                  <a:txBody>
+                    <a:bodyPr/>
+                    <a:lstStyle/>
+                    <a:p>
+                      <a:pPr indent="0" lvl="0" marL="0" rtl="0" algn="ctr">
+                        <a:spcBef>
+                          <a:spcPts val="0"/>
+                        </a:spcBef>
+                        <a:spcAft>
+                          <a:spcPts val="0"/>
+                        </a:spcAft>
+                        <a:buNone/>
+                      </a:pPr>
+                      <a:r>
+                        <a:rPr lang="en" sz="1200">
+                          <a:latin typeface="Times New Roman"/>
+                          <a:ea typeface="Times New Roman"/>
+                          <a:cs typeface="Times New Roman"/>
+                          <a:sym typeface="Times New Roman"/>
+                        </a:rPr>
+                        <a:t>Responsible - 50%</a:t>
+                      </a:r>
+                      <a:endParaRPr sz="1200">
+                        <a:latin typeface="Times New Roman"/>
+                        <a:ea typeface="Times New Roman"/>
+                        <a:cs typeface="Times New Roman"/>
+                        <a:sym typeface="Times New Roman"/>
+                      </a:endParaRPr>
+                    </a:p>
+                  </a:txBody>
+                  <a:tcPr marT="63500" marB="63500" marR="63500" marL="63500">
+                    <a:solidFill>
+                      <a:srgbClr val="F3F3F3"/>
+                    </a:solidFill>
+                  </a:tcPr>
+                </a:tc>
+                <a:tc>
+                  <a:txBody>
+                    <a:bodyPr/>
+                    <a:lstStyle/>
+                    <a:p>
+                      <a:pPr indent="0" lvl="0" marL="0" rtl="0" algn="ctr">
+                        <a:spcBef>
+                          <a:spcPts val="0"/>
+                        </a:spcBef>
+                        <a:spcAft>
+                          <a:spcPts val="0"/>
+                        </a:spcAft>
+                        <a:buNone/>
+                      </a:pPr>
+                      <a:r>
+                        <a:rPr lang="en" sz="1200">
+                          <a:latin typeface="Times New Roman"/>
+                          <a:ea typeface="Times New Roman"/>
+                          <a:cs typeface="Times New Roman"/>
+                          <a:sym typeface="Times New Roman"/>
+                        </a:rPr>
+                        <a:t>Responsible - 50%</a:t>
+                      </a:r>
+                      <a:endParaRPr sz="1200">
+                        <a:latin typeface="Times New Roman"/>
+                        <a:ea typeface="Times New Roman"/>
+                        <a:cs typeface="Times New Roman"/>
+                        <a:sym typeface="Times New Roman"/>
+                      </a:endParaRPr>
+                    </a:p>
+                  </a:txBody>
+                  <a:tcPr marT="63500" marB="63500" marR="63500" marL="63500">
+                    <a:solidFill>
+                      <a:srgbClr val="F3F3F3"/>
+                    </a:solidFill>
+                  </a:tcPr>
+                </a:tc>
+                <a:tc>
+                  <a:txBody>
+                    <a:bodyPr/>
+                    <a:lstStyle/>
+                    <a:p>
+                      <a:pPr indent="0" lvl="0" marL="0" rtl="0" algn="ctr">
+                        <a:spcBef>
+                          <a:spcPts val="0"/>
+                        </a:spcBef>
+                        <a:spcAft>
+                          <a:spcPts val="0"/>
+                        </a:spcAft>
+                        <a:buNone/>
+                      </a:pPr>
+                      <a:r>
+                        <a:rPr lang="en" sz="1200">
+                          <a:latin typeface="Times New Roman"/>
+                          <a:ea typeface="Times New Roman"/>
+                          <a:cs typeface="Times New Roman"/>
+                          <a:sym typeface="Times New Roman"/>
+                        </a:rPr>
+                        <a:t>none</a:t>
+                      </a:r>
+                      <a:endParaRPr sz="1200">
+                        <a:latin typeface="Times New Roman"/>
+                        <a:ea typeface="Times New Roman"/>
+                        <a:cs typeface="Times New Roman"/>
+                        <a:sym typeface="Times New Roman"/>
+                      </a:endParaRPr>
+                    </a:p>
+                  </a:txBody>
+                  <a:tcPr marT="63500" marB="63500" marR="63500" marL="63500">
+                    <a:solidFill>
+                      <a:srgbClr val="F3F3F3"/>
+                    </a:solidFill>
+                  </a:tcPr>
+                </a:tc>
+              </a:tr>
+              <a:tr h="266700">
+                <a:tc>
+                  <a:txBody>
+                    <a:bodyPr/>
+                    <a:lstStyle/>
+                    <a:p>
+                      <a:pPr indent="0" lvl="0" marL="0" rtl="0" algn="l">
+                        <a:spcBef>
+                          <a:spcPts val="0"/>
+                        </a:spcBef>
+                        <a:spcAft>
+                          <a:spcPts val="0"/>
+                        </a:spcAft>
+                        <a:buNone/>
+                      </a:pPr>
+                      <a:r>
+                        <a:rPr lang="en" sz="1200">
+                          <a:latin typeface="Times New Roman"/>
+                          <a:ea typeface="Times New Roman"/>
+                          <a:cs typeface="Times New Roman"/>
+                          <a:sym typeface="Times New Roman"/>
+                        </a:rPr>
+                        <a:t>2. Decide on development OS</a:t>
+                      </a:r>
+                      <a:endParaRPr sz="1200">
+                        <a:latin typeface="Times New Roman"/>
+                        <a:ea typeface="Times New Roman"/>
+                        <a:cs typeface="Times New Roman"/>
+                        <a:sym typeface="Times New Roman"/>
+                      </a:endParaRPr>
+                    </a:p>
+                  </a:txBody>
+                  <a:tcPr marT="63500" marB="63500" marR="63500" marL="63500">
+                    <a:solidFill>
+                      <a:srgbClr val="FFFF00"/>
+                    </a:solidFill>
+                  </a:tcPr>
+                </a:tc>
+                <a:tc>
+                  <a:txBody>
+                    <a:bodyPr/>
+                    <a:lstStyle/>
+                    <a:p>
+                      <a:pPr indent="0" lvl="0" marL="0" rtl="0" algn="ctr">
+                        <a:spcBef>
+                          <a:spcPts val="0"/>
+                        </a:spcBef>
+                        <a:spcAft>
+                          <a:spcPts val="0"/>
+                        </a:spcAft>
+                        <a:buNone/>
+                      </a:pPr>
+                      <a:r>
+                        <a:rPr lang="en" sz="1200">
+                          <a:latin typeface="Times New Roman"/>
+                          <a:ea typeface="Times New Roman"/>
+                          <a:cs typeface="Times New Roman"/>
+                          <a:sym typeface="Times New Roman"/>
+                        </a:rPr>
+                        <a:t>Informed</a:t>
+                      </a:r>
+                      <a:endParaRPr sz="1200">
+                        <a:latin typeface="Times New Roman"/>
+                        <a:ea typeface="Times New Roman"/>
+                        <a:cs typeface="Times New Roman"/>
+                        <a:sym typeface="Times New Roman"/>
+                      </a:endParaRPr>
+                    </a:p>
+                  </a:txBody>
+                  <a:tcPr marT="63500" marB="63500" marR="63500" marL="63500">
+                    <a:solidFill>
+                      <a:srgbClr val="F3F3F3"/>
+                    </a:solidFill>
+                  </a:tcPr>
+                </a:tc>
+                <a:tc>
+                  <a:txBody>
+                    <a:bodyPr/>
+                    <a:lstStyle/>
+                    <a:p>
+                      <a:pPr indent="0" lvl="0" marL="0" rtl="0" algn="ctr">
+                        <a:spcBef>
+                          <a:spcPts val="0"/>
+                        </a:spcBef>
+                        <a:spcAft>
+                          <a:spcPts val="0"/>
+                        </a:spcAft>
+                        <a:buNone/>
+                      </a:pPr>
+                      <a:r>
+                        <a:rPr lang="en" sz="1200">
+                          <a:latin typeface="Times New Roman"/>
+                          <a:ea typeface="Times New Roman"/>
+                          <a:cs typeface="Times New Roman"/>
+                          <a:sym typeface="Times New Roman"/>
+                        </a:rPr>
+                        <a:t>Responsible</a:t>
+                      </a:r>
+                      <a:endParaRPr sz="1200">
+                        <a:latin typeface="Times New Roman"/>
+                        <a:ea typeface="Times New Roman"/>
+                        <a:cs typeface="Times New Roman"/>
+                        <a:sym typeface="Times New Roman"/>
+                      </a:endParaRPr>
+                    </a:p>
+                  </a:txBody>
+                  <a:tcPr marT="63500" marB="63500" marR="63500" marL="63500">
+                    <a:solidFill>
+                      <a:srgbClr val="F3F3F3"/>
+                    </a:solidFill>
+                  </a:tcPr>
+                </a:tc>
+                <a:tc>
+                  <a:txBody>
+                    <a:bodyPr/>
+                    <a:lstStyle/>
+                    <a:p>
+                      <a:pPr indent="0" lvl="0" marL="0" rtl="0" algn="ctr">
+                        <a:spcBef>
+                          <a:spcPts val="0"/>
+                        </a:spcBef>
+                        <a:spcAft>
+                          <a:spcPts val="0"/>
+                        </a:spcAft>
+                        <a:buNone/>
+                      </a:pPr>
+                      <a:r>
+                        <a:rPr lang="en" sz="1200">
+                          <a:latin typeface="Times New Roman"/>
+                          <a:ea typeface="Times New Roman"/>
+                          <a:cs typeface="Times New Roman"/>
+                          <a:sym typeface="Times New Roman"/>
+                        </a:rPr>
+                        <a:t>Based on sensors and actuators</a:t>
+                      </a:r>
+                      <a:endParaRPr sz="1200">
+                        <a:latin typeface="Times New Roman"/>
+                        <a:ea typeface="Times New Roman"/>
+                        <a:cs typeface="Times New Roman"/>
+                        <a:sym typeface="Times New Roman"/>
+                      </a:endParaRPr>
+                    </a:p>
+                  </a:txBody>
+                  <a:tcPr marT="63500" marB="63500" marR="63500" marL="63500">
+                    <a:solidFill>
+                      <a:srgbClr val="F3F3F3"/>
+                    </a:solidFill>
+                  </a:tcPr>
+                </a:tc>
+              </a:tr>
+              <a:tr h="12700">
+                <a:tc>
+                  <a:txBody>
+                    <a:bodyPr/>
+                    <a:lstStyle/>
+                    <a:p>
+                      <a:pPr indent="0" lvl="0" marL="0" rtl="0" algn="l">
+                        <a:spcBef>
+                          <a:spcPts val="0"/>
+                        </a:spcBef>
+                        <a:spcAft>
+                          <a:spcPts val="0"/>
+                        </a:spcAft>
+                        <a:buNone/>
+                      </a:pPr>
+                      <a:r>
+                        <a:rPr lang="en" sz="1200">
+                          <a:latin typeface="Times New Roman"/>
+                          <a:ea typeface="Times New Roman"/>
+                          <a:cs typeface="Times New Roman"/>
+                          <a:sym typeface="Times New Roman"/>
+                        </a:rPr>
+                        <a:t>3. Install and configure VS</a:t>
+                      </a:r>
+                      <a:endParaRPr sz="1200">
+                        <a:latin typeface="Times New Roman"/>
+                        <a:ea typeface="Times New Roman"/>
+                        <a:cs typeface="Times New Roman"/>
+                        <a:sym typeface="Times New Roman"/>
+                      </a:endParaRPr>
+                    </a:p>
+                  </a:txBody>
+                  <a:tcPr marT="63500" marB="63500" marR="63500" marL="63500">
+                    <a:solidFill>
+                      <a:srgbClr val="FFFF00"/>
+                    </a:solidFill>
+                  </a:tcPr>
+                </a:tc>
+                <a:tc>
+                  <a:txBody>
+                    <a:bodyPr/>
+                    <a:lstStyle/>
+                    <a:p>
+                      <a:pPr indent="0" lvl="0" marL="0" rtl="0" algn="ctr">
+                        <a:spcBef>
+                          <a:spcPts val="0"/>
+                        </a:spcBef>
+                        <a:spcAft>
+                          <a:spcPts val="0"/>
+                        </a:spcAft>
+                        <a:buNone/>
+                      </a:pPr>
+                      <a:r>
+                        <a:rPr lang="en" sz="1200">
+                          <a:latin typeface="Times New Roman"/>
+                          <a:ea typeface="Times New Roman"/>
+                          <a:cs typeface="Times New Roman"/>
+                          <a:sym typeface="Times New Roman"/>
+                        </a:rPr>
+                        <a:t>Responsible</a:t>
+                      </a:r>
+                      <a:endParaRPr sz="1200">
+                        <a:latin typeface="Times New Roman"/>
+                        <a:ea typeface="Times New Roman"/>
+                        <a:cs typeface="Times New Roman"/>
+                        <a:sym typeface="Times New Roman"/>
+                      </a:endParaRPr>
+                    </a:p>
+                  </a:txBody>
+                  <a:tcPr marT="63500" marB="63500" marR="63500" marL="63500">
+                    <a:solidFill>
+                      <a:srgbClr val="F3F3F3"/>
+                    </a:solidFill>
+                  </a:tcPr>
+                </a:tc>
+                <a:tc>
+                  <a:txBody>
+                    <a:bodyPr/>
+                    <a:lstStyle/>
+                    <a:p>
+                      <a:pPr indent="0" lvl="0" marL="0" rtl="0" algn="ctr">
+                        <a:spcBef>
+                          <a:spcPts val="0"/>
+                        </a:spcBef>
+                        <a:spcAft>
+                          <a:spcPts val="0"/>
+                        </a:spcAft>
+                        <a:buNone/>
+                      </a:pPr>
+                      <a:r>
+                        <a:rPr lang="en" sz="1200">
+                          <a:latin typeface="Times New Roman"/>
+                          <a:ea typeface="Times New Roman"/>
+                          <a:cs typeface="Times New Roman"/>
+                          <a:sym typeface="Times New Roman"/>
+                        </a:rPr>
+                        <a:t>Responsible</a:t>
+                      </a:r>
+                      <a:endParaRPr sz="1200">
+                        <a:latin typeface="Times New Roman"/>
+                        <a:ea typeface="Times New Roman"/>
+                        <a:cs typeface="Times New Roman"/>
+                        <a:sym typeface="Times New Roman"/>
+                      </a:endParaRPr>
+                    </a:p>
+                  </a:txBody>
+                  <a:tcPr marT="63500" marB="63500" marR="63500" marL="63500">
+                    <a:solidFill>
+                      <a:srgbClr val="F3F3F3"/>
+                    </a:solidFill>
+                  </a:tcPr>
+                </a:tc>
+                <a:tc>
+                  <a:txBody>
+                    <a:bodyPr/>
+                    <a:lstStyle/>
+                    <a:p>
+                      <a:pPr indent="0" lvl="0" marL="0" rtl="0" algn="ctr">
+                        <a:spcBef>
+                          <a:spcPts val="0"/>
+                        </a:spcBef>
+                        <a:spcAft>
+                          <a:spcPts val="0"/>
+                        </a:spcAft>
+                        <a:buNone/>
+                      </a:pPr>
+                      <a:r>
+                        <a:rPr lang="en" sz="1200">
+                          <a:latin typeface="Times New Roman"/>
+                          <a:ea typeface="Times New Roman"/>
+                          <a:cs typeface="Times New Roman"/>
+                          <a:sym typeface="Times New Roman"/>
+                        </a:rPr>
+                        <a:t>demo</a:t>
+                      </a:r>
+                      <a:endParaRPr sz="1200">
+                        <a:latin typeface="Times New Roman"/>
+                        <a:ea typeface="Times New Roman"/>
+                        <a:cs typeface="Times New Roman"/>
+                        <a:sym typeface="Times New Roman"/>
+                      </a:endParaRPr>
+                    </a:p>
+                  </a:txBody>
+                  <a:tcPr marT="63500" marB="63500" marR="63500" marL="63500">
+                    <a:solidFill>
+                      <a:srgbClr val="F3F3F3"/>
+                    </a:solidFill>
+                  </a:tcPr>
+                </a:tc>
+              </a:tr>
+              <a:tr h="12700">
+                <a:tc>
+                  <a:txBody>
+                    <a:bodyPr/>
+                    <a:lstStyle/>
+                    <a:p>
+                      <a:pPr indent="0" lvl="0" marL="0" rtl="0" algn="l">
+                        <a:spcBef>
+                          <a:spcPts val="0"/>
+                        </a:spcBef>
+                        <a:spcAft>
+                          <a:spcPts val="0"/>
+                        </a:spcAft>
+                        <a:buNone/>
+                      </a:pPr>
+                      <a:r>
+                        <a:rPr lang="en" sz="1200">
+                          <a:latin typeface="Times New Roman"/>
+                          <a:ea typeface="Times New Roman"/>
+                          <a:cs typeface="Times New Roman"/>
+                          <a:sym typeface="Times New Roman"/>
+                        </a:rPr>
+                        <a:t>4. Compare and select collaboration tools</a:t>
+                      </a:r>
+                      <a:endParaRPr sz="1200">
+                        <a:latin typeface="Times New Roman"/>
+                        <a:ea typeface="Times New Roman"/>
+                        <a:cs typeface="Times New Roman"/>
+                        <a:sym typeface="Times New Roman"/>
+                      </a:endParaRPr>
+                    </a:p>
+                  </a:txBody>
+                  <a:tcPr marT="63500" marB="63500" marR="63500" marL="63500">
+                    <a:solidFill>
+                      <a:srgbClr val="FFFF00"/>
+                    </a:solidFill>
+                  </a:tcPr>
+                </a:tc>
+                <a:tc>
+                  <a:txBody>
+                    <a:bodyPr/>
+                    <a:lstStyle/>
+                    <a:p>
+                      <a:pPr indent="0" lvl="0" marL="0" rtl="0" algn="ctr">
+                        <a:spcBef>
+                          <a:spcPts val="0"/>
+                        </a:spcBef>
+                        <a:spcAft>
+                          <a:spcPts val="0"/>
+                        </a:spcAft>
+                        <a:buNone/>
+                      </a:pPr>
+                      <a:r>
+                        <a:rPr lang="en" sz="1200">
+                          <a:latin typeface="Times New Roman"/>
+                          <a:ea typeface="Times New Roman"/>
+                          <a:cs typeface="Times New Roman"/>
+                          <a:sym typeface="Times New Roman"/>
+                        </a:rPr>
+                        <a:t>Responsible</a:t>
+                      </a:r>
+                      <a:endParaRPr sz="1200">
+                        <a:latin typeface="Times New Roman"/>
+                        <a:ea typeface="Times New Roman"/>
+                        <a:cs typeface="Times New Roman"/>
+                        <a:sym typeface="Times New Roman"/>
+                      </a:endParaRPr>
+                    </a:p>
+                  </a:txBody>
+                  <a:tcPr marT="63500" marB="63500" marR="63500" marL="63500">
+                    <a:solidFill>
+                      <a:srgbClr val="F3F3F3"/>
+                    </a:solidFill>
+                  </a:tcPr>
+                </a:tc>
+                <a:tc>
+                  <a:txBody>
+                    <a:bodyPr/>
+                    <a:lstStyle/>
+                    <a:p>
+                      <a:pPr indent="0" lvl="0" marL="0" rtl="0" algn="ctr">
+                        <a:spcBef>
+                          <a:spcPts val="0"/>
+                        </a:spcBef>
+                        <a:spcAft>
+                          <a:spcPts val="0"/>
+                        </a:spcAft>
+                        <a:buNone/>
+                      </a:pPr>
+                      <a:r>
+                        <a:rPr lang="en" sz="1200">
+                          <a:latin typeface="Times New Roman"/>
+                          <a:ea typeface="Times New Roman"/>
+                          <a:cs typeface="Times New Roman"/>
+                          <a:sym typeface="Times New Roman"/>
+                        </a:rPr>
+                        <a:t>Informed</a:t>
+                      </a:r>
+                      <a:endParaRPr sz="1200">
+                        <a:latin typeface="Times New Roman"/>
+                        <a:ea typeface="Times New Roman"/>
+                        <a:cs typeface="Times New Roman"/>
+                        <a:sym typeface="Times New Roman"/>
+                      </a:endParaRPr>
+                    </a:p>
+                  </a:txBody>
+                  <a:tcPr marT="63500" marB="63500" marR="63500" marL="63500">
+                    <a:solidFill>
+                      <a:srgbClr val="F3F3F3"/>
+                    </a:solidFill>
+                  </a:tcPr>
+                </a:tc>
+                <a:tc>
+                  <a:txBody>
+                    <a:bodyPr/>
+                    <a:lstStyle/>
+                    <a:p>
+                      <a:pPr indent="0" lvl="0" marL="0" rtl="0" algn="ctr">
+                        <a:spcBef>
+                          <a:spcPts val="0"/>
+                        </a:spcBef>
+                        <a:spcAft>
+                          <a:spcPts val="0"/>
+                        </a:spcAft>
+                        <a:buNone/>
+                      </a:pPr>
+                      <a:r>
+                        <a:rPr lang="en" sz="1200">
+                          <a:latin typeface="Times New Roman"/>
+                          <a:ea typeface="Times New Roman"/>
+                          <a:cs typeface="Times New Roman"/>
+                          <a:sym typeface="Times New Roman"/>
+                        </a:rPr>
+                        <a:t>none</a:t>
+                      </a:r>
+                      <a:endParaRPr sz="1200">
+                        <a:latin typeface="Times New Roman"/>
+                        <a:ea typeface="Times New Roman"/>
+                        <a:cs typeface="Times New Roman"/>
+                        <a:sym typeface="Times New Roman"/>
+                      </a:endParaRPr>
+                    </a:p>
+                  </a:txBody>
+                  <a:tcPr marT="63500" marB="63500" marR="63500" marL="63500">
+                    <a:solidFill>
+                      <a:srgbClr val="F3F3F3"/>
+                    </a:solidFill>
+                  </a:tcPr>
+                </a:tc>
+              </a:tr>
+              <a:tr h="12700">
+                <a:tc>
+                  <a:txBody>
+                    <a:bodyPr/>
+                    <a:lstStyle/>
+                    <a:p>
+                      <a:pPr indent="0" lvl="0" marL="0" rtl="0" algn="l">
+                        <a:spcBef>
+                          <a:spcPts val="0"/>
+                        </a:spcBef>
+                        <a:spcAft>
+                          <a:spcPts val="0"/>
+                        </a:spcAft>
+                        <a:buNone/>
+                      </a:pPr>
+                      <a:r>
+                        <a:rPr lang="en" sz="1200">
+                          <a:latin typeface="Times New Roman"/>
+                          <a:ea typeface="Times New Roman"/>
+                          <a:cs typeface="Times New Roman"/>
+                          <a:sym typeface="Times New Roman"/>
+                        </a:rPr>
+                        <a:t>5. Provide demos</a:t>
+                      </a:r>
+                      <a:endParaRPr sz="1200">
+                        <a:latin typeface="Times New Roman"/>
+                        <a:ea typeface="Times New Roman"/>
+                        <a:cs typeface="Times New Roman"/>
+                        <a:sym typeface="Times New Roman"/>
+                      </a:endParaRPr>
+                    </a:p>
+                  </a:txBody>
+                  <a:tcPr marT="63500" marB="63500" marR="63500" marL="63500">
+                    <a:solidFill>
+                      <a:srgbClr val="FFFF00"/>
+                    </a:solidFill>
+                  </a:tcPr>
+                </a:tc>
+                <a:tc>
+                  <a:txBody>
+                    <a:bodyPr/>
+                    <a:lstStyle/>
+                    <a:p>
+                      <a:pPr indent="0" lvl="0" marL="0" rtl="0" algn="ctr">
+                        <a:spcBef>
+                          <a:spcPts val="0"/>
+                        </a:spcBef>
+                        <a:spcAft>
+                          <a:spcPts val="0"/>
+                        </a:spcAft>
+                        <a:buNone/>
+                      </a:pPr>
+                      <a:r>
+                        <a:rPr lang="en" sz="1200">
+                          <a:latin typeface="Times New Roman"/>
+                          <a:ea typeface="Times New Roman"/>
+                          <a:cs typeface="Times New Roman"/>
+                          <a:sym typeface="Times New Roman"/>
+                        </a:rPr>
+                        <a:t>Responsible - 50%</a:t>
+                      </a:r>
+                      <a:endParaRPr sz="1200">
+                        <a:latin typeface="Times New Roman"/>
+                        <a:ea typeface="Times New Roman"/>
+                        <a:cs typeface="Times New Roman"/>
+                        <a:sym typeface="Times New Roman"/>
+                      </a:endParaRPr>
+                    </a:p>
+                  </a:txBody>
+                  <a:tcPr marT="63500" marB="63500" marR="63500" marL="63500">
+                    <a:solidFill>
+                      <a:srgbClr val="F3F3F3"/>
+                    </a:solidFill>
+                  </a:tcPr>
+                </a:tc>
+                <a:tc>
+                  <a:txBody>
+                    <a:bodyPr/>
+                    <a:lstStyle/>
+                    <a:p>
+                      <a:pPr indent="0" lvl="0" marL="0" rtl="0" algn="ctr">
+                        <a:spcBef>
+                          <a:spcPts val="0"/>
+                        </a:spcBef>
+                        <a:spcAft>
+                          <a:spcPts val="0"/>
+                        </a:spcAft>
+                        <a:buNone/>
+                      </a:pPr>
+                      <a:r>
+                        <a:rPr lang="en" sz="1200">
+                          <a:latin typeface="Times New Roman"/>
+                          <a:ea typeface="Times New Roman"/>
+                          <a:cs typeface="Times New Roman"/>
+                          <a:sym typeface="Times New Roman"/>
+                        </a:rPr>
+                        <a:t>Responsible - 50%</a:t>
+                      </a:r>
+                      <a:endParaRPr sz="1200">
+                        <a:latin typeface="Times New Roman"/>
+                        <a:ea typeface="Times New Roman"/>
+                        <a:cs typeface="Times New Roman"/>
+                        <a:sym typeface="Times New Roman"/>
+                      </a:endParaRPr>
+                    </a:p>
+                  </a:txBody>
+                  <a:tcPr marT="63500" marB="63500" marR="63500" marL="63500">
+                    <a:solidFill>
+                      <a:srgbClr val="F3F3F3"/>
+                    </a:solidFill>
+                  </a:tcPr>
+                </a:tc>
+                <a:tc>
+                  <a:txBody>
+                    <a:bodyPr/>
+                    <a:lstStyle/>
+                    <a:p>
+                      <a:pPr indent="0" lvl="0" marL="0" rtl="0" algn="ctr">
+                        <a:spcBef>
+                          <a:spcPts val="0"/>
+                        </a:spcBef>
+                        <a:spcAft>
+                          <a:spcPts val="0"/>
+                        </a:spcAft>
+                        <a:buNone/>
+                      </a:pPr>
+                      <a:r>
+                        <a:rPr lang="en" sz="1200">
+                          <a:latin typeface="Times New Roman"/>
+                          <a:ea typeface="Times New Roman"/>
+                          <a:cs typeface="Times New Roman"/>
+                          <a:sym typeface="Times New Roman"/>
+                        </a:rPr>
+                        <a:t>Not done as of 9/29/19</a:t>
+                      </a:r>
+                      <a:endParaRPr sz="1200">
+                        <a:latin typeface="Times New Roman"/>
+                        <a:ea typeface="Times New Roman"/>
+                        <a:cs typeface="Times New Roman"/>
+                        <a:sym typeface="Times New Roman"/>
+                      </a:endParaRPr>
+                    </a:p>
+                  </a:txBody>
+                  <a:tcPr marT="63500" marB="63500" marR="63500" marL="63500">
+                    <a:solidFill>
+                      <a:srgbClr val="F3F3F3"/>
+                    </a:solidFill>
+                  </a:tcPr>
+                </a:tc>
+              </a:tr>
+              <a:tr h="12700">
+                <a:tc>
+                  <a:txBody>
+                    <a:bodyPr/>
+                    <a:lstStyle/>
+                    <a:p>
+                      <a:pPr indent="0" lvl="0" marL="0" rtl="0" algn="l">
+                        <a:spcBef>
+                          <a:spcPts val="0"/>
+                        </a:spcBef>
+                        <a:spcAft>
+                          <a:spcPts val="0"/>
+                        </a:spcAft>
+                        <a:buNone/>
+                      </a:pPr>
+                      <a:r>
+                        <a:rPr lang="en" sz="1200">
+                          <a:latin typeface="Times New Roman"/>
+                          <a:ea typeface="Times New Roman"/>
+                          <a:cs typeface="Times New Roman"/>
+                          <a:sym typeface="Times New Roman"/>
+                        </a:rPr>
+                        <a:t>6. Create requirements document</a:t>
+                      </a:r>
+                      <a:endParaRPr sz="1200">
+                        <a:latin typeface="Times New Roman"/>
+                        <a:ea typeface="Times New Roman"/>
+                        <a:cs typeface="Times New Roman"/>
+                        <a:sym typeface="Times New Roman"/>
+                      </a:endParaRPr>
+                    </a:p>
+                  </a:txBody>
+                  <a:tcPr marT="63500" marB="63500" marR="63500" marL="63500">
+                    <a:solidFill>
+                      <a:srgbClr val="D9D9D9"/>
+                    </a:solidFill>
+                  </a:tcPr>
+                </a:tc>
+                <a:tc>
+                  <a:txBody>
+                    <a:bodyPr/>
+                    <a:lstStyle/>
+                    <a:p>
+                      <a:pPr indent="0" lvl="0" marL="0" rtl="0" algn="ctr">
+                        <a:spcBef>
+                          <a:spcPts val="0"/>
+                        </a:spcBef>
+                        <a:spcAft>
+                          <a:spcPts val="0"/>
+                        </a:spcAft>
+                        <a:buNone/>
+                      </a:pPr>
+                      <a:r>
+                        <a:rPr lang="en" sz="1200">
+                          <a:latin typeface="Times New Roman"/>
+                          <a:ea typeface="Times New Roman"/>
+                          <a:cs typeface="Times New Roman"/>
+                          <a:sym typeface="Times New Roman"/>
+                        </a:rPr>
+                        <a:t>Responsible - 50%</a:t>
+                      </a:r>
+                      <a:endParaRPr sz="1200">
+                        <a:latin typeface="Times New Roman"/>
+                        <a:ea typeface="Times New Roman"/>
+                        <a:cs typeface="Times New Roman"/>
+                        <a:sym typeface="Times New Roman"/>
+                      </a:endParaRPr>
+                    </a:p>
+                  </a:txBody>
+                  <a:tcPr marT="63500" marB="63500" marR="63500" marL="63500">
+                    <a:solidFill>
+                      <a:srgbClr val="F3F3F3"/>
+                    </a:solidFill>
+                  </a:tcPr>
+                </a:tc>
+                <a:tc>
+                  <a:txBody>
+                    <a:bodyPr/>
+                    <a:lstStyle/>
+                    <a:p>
+                      <a:pPr indent="0" lvl="0" marL="0" rtl="0" algn="ctr">
+                        <a:spcBef>
+                          <a:spcPts val="0"/>
+                        </a:spcBef>
+                        <a:spcAft>
+                          <a:spcPts val="0"/>
+                        </a:spcAft>
+                        <a:buNone/>
+                      </a:pPr>
+                      <a:r>
+                        <a:rPr lang="en" sz="1200">
+                          <a:latin typeface="Times New Roman"/>
+                          <a:ea typeface="Times New Roman"/>
+                          <a:cs typeface="Times New Roman"/>
+                          <a:sym typeface="Times New Roman"/>
+                        </a:rPr>
+                        <a:t>Responsible - 50%</a:t>
+                      </a:r>
+                      <a:endParaRPr sz="1200">
+                        <a:latin typeface="Times New Roman"/>
+                        <a:ea typeface="Times New Roman"/>
+                        <a:cs typeface="Times New Roman"/>
+                        <a:sym typeface="Times New Roman"/>
+                      </a:endParaRPr>
+                    </a:p>
+                  </a:txBody>
+                  <a:tcPr marT="63500" marB="63500" marR="63500" marL="63500">
+                    <a:solidFill>
+                      <a:srgbClr val="F3F3F3"/>
+                    </a:solidFill>
+                  </a:tcPr>
+                </a:tc>
+                <a:tc>
+                  <a:txBody>
+                    <a:bodyPr/>
+                    <a:lstStyle/>
+                    <a:p>
+                      <a:pPr indent="0" lvl="0" marL="0" rtl="0" algn="ctr">
+                        <a:spcBef>
+                          <a:spcPts val="0"/>
+                        </a:spcBef>
+                        <a:spcAft>
+                          <a:spcPts val="0"/>
+                        </a:spcAft>
+                        <a:buNone/>
+                      </a:pPr>
+                      <a:r>
+                        <a:rPr lang="en" sz="1200">
+                          <a:latin typeface="Times New Roman"/>
+                          <a:ea typeface="Times New Roman"/>
+                          <a:cs typeface="Times New Roman"/>
+                          <a:sym typeface="Times New Roman"/>
+                        </a:rPr>
+                        <a:t>none</a:t>
+                      </a:r>
+                      <a:endParaRPr sz="1200">
+                        <a:latin typeface="Times New Roman"/>
+                        <a:ea typeface="Times New Roman"/>
+                        <a:cs typeface="Times New Roman"/>
+                        <a:sym typeface="Times New Roman"/>
+                      </a:endParaRPr>
+                    </a:p>
+                  </a:txBody>
+                  <a:tcPr marT="63500" marB="63500" marR="63500" marL="63500">
+                    <a:solidFill>
+                      <a:srgbClr val="F3F3F3"/>
+                    </a:solidFill>
+                  </a:tcPr>
+                </a:tc>
+              </a:tr>
+              <a:tr h="12700">
+                <a:tc>
+                  <a:txBody>
+                    <a:bodyPr/>
+                    <a:lstStyle/>
+                    <a:p>
+                      <a:pPr indent="0" lvl="0" marL="0" rtl="0" algn="l">
+                        <a:spcBef>
+                          <a:spcPts val="0"/>
+                        </a:spcBef>
+                        <a:spcAft>
+                          <a:spcPts val="0"/>
+                        </a:spcAft>
+                        <a:buNone/>
+                      </a:pPr>
+                      <a:r>
+                        <a:rPr lang="en" sz="1200">
+                          <a:latin typeface="Times New Roman"/>
+                          <a:ea typeface="Times New Roman"/>
+                          <a:cs typeface="Times New Roman"/>
+                          <a:sym typeface="Times New Roman"/>
+                        </a:rPr>
+                        <a:t>7. Create design document</a:t>
+                      </a:r>
+                      <a:endParaRPr sz="1200">
+                        <a:latin typeface="Times New Roman"/>
+                        <a:ea typeface="Times New Roman"/>
+                        <a:cs typeface="Times New Roman"/>
+                        <a:sym typeface="Times New Roman"/>
+                      </a:endParaRPr>
+                    </a:p>
+                  </a:txBody>
+                  <a:tcPr marT="63500" marB="63500" marR="63500" marL="63500">
+                    <a:solidFill>
+                      <a:srgbClr val="D9D9D9"/>
+                    </a:solidFill>
+                  </a:tcPr>
+                </a:tc>
+                <a:tc>
+                  <a:txBody>
+                    <a:bodyPr/>
+                    <a:lstStyle/>
+                    <a:p>
+                      <a:pPr indent="0" lvl="0" marL="0" rtl="0" algn="ctr">
+                        <a:spcBef>
+                          <a:spcPts val="0"/>
+                        </a:spcBef>
+                        <a:spcAft>
+                          <a:spcPts val="0"/>
+                        </a:spcAft>
+                        <a:buNone/>
+                      </a:pPr>
+                      <a:r>
+                        <a:rPr lang="en" sz="1200">
+                          <a:latin typeface="Times New Roman"/>
+                          <a:ea typeface="Times New Roman"/>
+                          <a:cs typeface="Times New Roman"/>
+                          <a:sym typeface="Times New Roman"/>
+                        </a:rPr>
+                        <a:t>Responsible - 50%</a:t>
+                      </a:r>
+                      <a:endParaRPr sz="1200">
+                        <a:latin typeface="Times New Roman"/>
+                        <a:ea typeface="Times New Roman"/>
+                        <a:cs typeface="Times New Roman"/>
+                        <a:sym typeface="Times New Roman"/>
+                      </a:endParaRPr>
+                    </a:p>
+                  </a:txBody>
+                  <a:tcPr marT="63500" marB="63500" marR="63500" marL="63500">
+                    <a:solidFill>
+                      <a:srgbClr val="F3F3F3"/>
+                    </a:solidFill>
+                  </a:tcPr>
+                </a:tc>
+                <a:tc>
+                  <a:txBody>
+                    <a:bodyPr/>
+                    <a:lstStyle/>
+                    <a:p>
+                      <a:pPr indent="0" lvl="0" marL="0" rtl="0" algn="ctr">
+                        <a:spcBef>
+                          <a:spcPts val="0"/>
+                        </a:spcBef>
+                        <a:spcAft>
+                          <a:spcPts val="0"/>
+                        </a:spcAft>
+                        <a:buNone/>
+                      </a:pPr>
+                      <a:r>
+                        <a:rPr lang="en" sz="1200">
+                          <a:latin typeface="Times New Roman"/>
+                          <a:ea typeface="Times New Roman"/>
+                          <a:cs typeface="Times New Roman"/>
+                          <a:sym typeface="Times New Roman"/>
+                        </a:rPr>
+                        <a:t>Responsible - 50%</a:t>
+                      </a:r>
+                      <a:endParaRPr sz="1200">
+                        <a:latin typeface="Times New Roman"/>
+                        <a:ea typeface="Times New Roman"/>
+                        <a:cs typeface="Times New Roman"/>
+                        <a:sym typeface="Times New Roman"/>
+                      </a:endParaRPr>
+                    </a:p>
+                  </a:txBody>
+                  <a:tcPr marT="63500" marB="63500" marR="63500" marL="63500">
+                    <a:solidFill>
+                      <a:srgbClr val="F3F3F3"/>
+                    </a:solidFill>
+                  </a:tcPr>
+                </a:tc>
+                <a:tc>
+                  <a:txBody>
+                    <a:bodyPr/>
+                    <a:lstStyle/>
+                    <a:p>
+                      <a:pPr indent="0" lvl="0" marL="0" rtl="0" algn="ctr">
+                        <a:spcBef>
+                          <a:spcPts val="0"/>
+                        </a:spcBef>
+                        <a:spcAft>
+                          <a:spcPts val="0"/>
+                        </a:spcAft>
+                        <a:buNone/>
+                      </a:pPr>
+                      <a:r>
+                        <a:rPr lang="en" sz="1200">
+                          <a:latin typeface="Times New Roman"/>
+                          <a:ea typeface="Times New Roman"/>
+                          <a:cs typeface="Times New Roman"/>
+                          <a:sym typeface="Times New Roman"/>
+                        </a:rPr>
+                        <a:t>none</a:t>
+                      </a:r>
+                      <a:endParaRPr sz="1200">
+                        <a:latin typeface="Times New Roman"/>
+                        <a:ea typeface="Times New Roman"/>
+                        <a:cs typeface="Times New Roman"/>
+                        <a:sym typeface="Times New Roman"/>
+                      </a:endParaRPr>
+                    </a:p>
+                  </a:txBody>
+                  <a:tcPr marT="63500" marB="63500" marR="63500" marL="63500">
+                    <a:solidFill>
+                      <a:srgbClr val="F3F3F3"/>
+                    </a:solidFill>
+                  </a:tcPr>
+                </a:tc>
+              </a:tr>
+              <a:tr h="12700">
+                <a:tc>
+                  <a:txBody>
+                    <a:bodyPr/>
+                    <a:lstStyle/>
+                    <a:p>
+                      <a:pPr indent="0" lvl="0" marL="0" rtl="0" algn="l">
+                        <a:spcBef>
+                          <a:spcPts val="0"/>
+                        </a:spcBef>
+                        <a:spcAft>
+                          <a:spcPts val="0"/>
+                        </a:spcAft>
+                        <a:buNone/>
+                      </a:pPr>
+                      <a:r>
+                        <a:rPr lang="en" sz="1200">
+                          <a:latin typeface="Times New Roman"/>
+                          <a:ea typeface="Times New Roman"/>
+                          <a:cs typeface="Times New Roman"/>
+                          <a:sym typeface="Times New Roman"/>
+                        </a:rPr>
+                        <a:t>8. Create test plan</a:t>
+                      </a:r>
+                      <a:endParaRPr sz="1200">
+                        <a:latin typeface="Times New Roman"/>
+                        <a:ea typeface="Times New Roman"/>
+                        <a:cs typeface="Times New Roman"/>
+                        <a:sym typeface="Times New Roman"/>
+                      </a:endParaRPr>
+                    </a:p>
+                  </a:txBody>
+                  <a:tcPr marT="63500" marB="63500" marR="63500" marL="63500">
+                    <a:solidFill>
+                      <a:srgbClr val="D9D9D9"/>
+                    </a:solidFill>
+                  </a:tcPr>
+                </a:tc>
+                <a:tc>
+                  <a:txBody>
+                    <a:bodyPr/>
+                    <a:lstStyle/>
+                    <a:p>
+                      <a:pPr indent="0" lvl="0" marL="0" rtl="0" algn="ctr">
+                        <a:spcBef>
+                          <a:spcPts val="0"/>
+                        </a:spcBef>
+                        <a:spcAft>
+                          <a:spcPts val="0"/>
+                        </a:spcAft>
+                        <a:buNone/>
+                      </a:pPr>
+                      <a:r>
+                        <a:rPr lang="en" sz="1200">
+                          <a:latin typeface="Times New Roman"/>
+                          <a:ea typeface="Times New Roman"/>
+                          <a:cs typeface="Times New Roman"/>
+                          <a:sym typeface="Times New Roman"/>
+                        </a:rPr>
+                        <a:t>Responsible - 50%</a:t>
+                      </a:r>
+                      <a:endParaRPr sz="1200">
+                        <a:latin typeface="Times New Roman"/>
+                        <a:ea typeface="Times New Roman"/>
+                        <a:cs typeface="Times New Roman"/>
+                        <a:sym typeface="Times New Roman"/>
+                      </a:endParaRPr>
+                    </a:p>
+                  </a:txBody>
+                  <a:tcPr marT="63500" marB="63500" marR="63500" marL="63500">
+                    <a:solidFill>
+                      <a:srgbClr val="F3F3F3"/>
+                    </a:solidFill>
+                  </a:tcPr>
+                </a:tc>
+                <a:tc>
+                  <a:txBody>
+                    <a:bodyPr/>
+                    <a:lstStyle/>
+                    <a:p>
+                      <a:pPr indent="0" lvl="0" marL="0" rtl="0" algn="ctr">
+                        <a:spcBef>
+                          <a:spcPts val="0"/>
+                        </a:spcBef>
+                        <a:spcAft>
+                          <a:spcPts val="0"/>
+                        </a:spcAft>
+                        <a:buNone/>
+                      </a:pPr>
+                      <a:r>
+                        <a:rPr lang="en" sz="1200">
+                          <a:latin typeface="Times New Roman"/>
+                          <a:ea typeface="Times New Roman"/>
+                          <a:cs typeface="Times New Roman"/>
+                          <a:sym typeface="Times New Roman"/>
+                        </a:rPr>
+                        <a:t>Responsible - 50%</a:t>
+                      </a:r>
+                      <a:endParaRPr sz="1200">
+                        <a:latin typeface="Times New Roman"/>
+                        <a:ea typeface="Times New Roman"/>
+                        <a:cs typeface="Times New Roman"/>
+                        <a:sym typeface="Times New Roman"/>
+                      </a:endParaRPr>
+                    </a:p>
+                  </a:txBody>
+                  <a:tcPr marT="63500" marB="63500" marR="63500" marL="63500">
+                    <a:solidFill>
+                      <a:srgbClr val="F3F3F3"/>
+                    </a:solidFill>
+                  </a:tcPr>
+                </a:tc>
+                <a:tc>
+                  <a:txBody>
+                    <a:bodyPr/>
+                    <a:lstStyle/>
+                    <a:p>
+                      <a:pPr indent="0" lvl="0" marL="0" rtl="0" algn="ctr">
+                        <a:spcBef>
+                          <a:spcPts val="0"/>
+                        </a:spcBef>
+                        <a:spcAft>
+                          <a:spcPts val="0"/>
+                        </a:spcAft>
+                        <a:buNone/>
+                      </a:pPr>
+                      <a:r>
+                        <a:rPr lang="en" sz="1200">
+                          <a:latin typeface="Times New Roman"/>
+                          <a:ea typeface="Times New Roman"/>
+                          <a:cs typeface="Times New Roman"/>
+                          <a:sym typeface="Times New Roman"/>
+                        </a:rPr>
+                        <a:t>More defined</a:t>
+                      </a:r>
+                      <a:endParaRPr sz="1200">
+                        <a:latin typeface="Times New Roman"/>
+                        <a:ea typeface="Times New Roman"/>
+                        <a:cs typeface="Times New Roman"/>
+                        <a:sym typeface="Times New Roman"/>
+                      </a:endParaRPr>
+                    </a:p>
+                  </a:txBody>
+                  <a:tcPr marT="63500" marB="63500" marR="63500" marL="63500">
+                    <a:solidFill>
+                      <a:srgbClr val="F3F3F3"/>
+                    </a:solidFill>
+                  </a:tcPr>
+                </a:tc>
+              </a:tr>
+              <a:tr h="12700">
+                <a:tc>
+                  <a:txBody>
+                    <a:bodyPr/>
+                    <a:lstStyle/>
+                    <a:p>
+                      <a:pPr indent="0" lvl="0" marL="0" rtl="0" algn="l">
+                        <a:spcBef>
+                          <a:spcPts val="0"/>
+                        </a:spcBef>
+                        <a:spcAft>
+                          <a:spcPts val="0"/>
+                        </a:spcAft>
+                        <a:buNone/>
+                      </a:pPr>
+                      <a:r>
+                        <a:rPr lang="en" sz="1200">
+                          <a:latin typeface="Times New Roman"/>
+                          <a:ea typeface="Times New Roman"/>
+                          <a:cs typeface="Times New Roman"/>
+                          <a:sym typeface="Times New Roman"/>
+                        </a:rPr>
+                        <a:t>9. Define change management process</a:t>
+                      </a:r>
+                      <a:endParaRPr sz="1200">
+                        <a:latin typeface="Times New Roman"/>
+                        <a:ea typeface="Times New Roman"/>
+                        <a:cs typeface="Times New Roman"/>
+                        <a:sym typeface="Times New Roman"/>
+                      </a:endParaRPr>
+                    </a:p>
+                  </a:txBody>
+                  <a:tcPr marT="63500" marB="63500" marR="63500" marL="63500">
+                    <a:solidFill>
+                      <a:srgbClr val="D9D9D9"/>
+                    </a:solidFill>
+                  </a:tcPr>
+                </a:tc>
+                <a:tc>
+                  <a:txBody>
+                    <a:bodyPr/>
+                    <a:lstStyle/>
+                    <a:p>
+                      <a:pPr indent="0" lvl="0" marL="0" rtl="0" algn="ctr">
+                        <a:spcBef>
+                          <a:spcPts val="0"/>
+                        </a:spcBef>
+                        <a:spcAft>
+                          <a:spcPts val="0"/>
+                        </a:spcAft>
+                        <a:buNone/>
+                      </a:pPr>
+                      <a:r>
+                        <a:rPr lang="en" sz="1200">
+                          <a:latin typeface="Times New Roman"/>
+                          <a:ea typeface="Times New Roman"/>
+                          <a:cs typeface="Times New Roman"/>
+                          <a:sym typeface="Times New Roman"/>
+                        </a:rPr>
+                        <a:t>Responsible - 25%</a:t>
+                      </a:r>
+                      <a:endParaRPr sz="1200">
+                        <a:latin typeface="Times New Roman"/>
+                        <a:ea typeface="Times New Roman"/>
+                        <a:cs typeface="Times New Roman"/>
+                        <a:sym typeface="Times New Roman"/>
+                      </a:endParaRPr>
+                    </a:p>
+                  </a:txBody>
+                  <a:tcPr marT="63500" marB="63500" marR="63500" marL="63500">
+                    <a:solidFill>
+                      <a:srgbClr val="F3F3F3"/>
+                    </a:solidFill>
+                  </a:tcPr>
+                </a:tc>
+                <a:tc>
+                  <a:txBody>
+                    <a:bodyPr/>
+                    <a:lstStyle/>
+                    <a:p>
+                      <a:pPr indent="0" lvl="0" marL="0" rtl="0" algn="ctr">
+                        <a:spcBef>
+                          <a:spcPts val="0"/>
+                        </a:spcBef>
+                        <a:spcAft>
+                          <a:spcPts val="0"/>
+                        </a:spcAft>
+                        <a:buNone/>
+                      </a:pPr>
+                      <a:r>
+                        <a:rPr lang="en" sz="1200">
+                          <a:latin typeface="Times New Roman"/>
+                          <a:ea typeface="Times New Roman"/>
+                          <a:cs typeface="Times New Roman"/>
+                          <a:sym typeface="Times New Roman"/>
+                        </a:rPr>
+                        <a:t>Responsible - 75%</a:t>
+                      </a:r>
+                      <a:endParaRPr sz="1200">
+                        <a:latin typeface="Times New Roman"/>
+                        <a:ea typeface="Times New Roman"/>
+                        <a:cs typeface="Times New Roman"/>
+                        <a:sym typeface="Times New Roman"/>
+                      </a:endParaRPr>
+                    </a:p>
+                  </a:txBody>
+                  <a:tcPr marT="63500" marB="63500" marR="63500" marL="63500">
+                    <a:solidFill>
+                      <a:srgbClr val="F3F3F3"/>
+                    </a:solidFill>
+                  </a:tcPr>
+                </a:tc>
+                <a:tc>
+                  <a:txBody>
+                    <a:bodyPr/>
+                    <a:lstStyle/>
+                    <a:p>
+                      <a:pPr indent="0" lvl="0" marL="0" rtl="0" algn="ctr">
+                        <a:spcBef>
+                          <a:spcPts val="0"/>
+                        </a:spcBef>
+                        <a:spcAft>
+                          <a:spcPts val="0"/>
+                        </a:spcAft>
+                        <a:buNone/>
+                      </a:pPr>
+                      <a:r>
+                        <a:rPr lang="en" sz="1200">
+                          <a:latin typeface="Times New Roman"/>
+                          <a:ea typeface="Times New Roman"/>
+                          <a:cs typeface="Times New Roman"/>
+                          <a:sym typeface="Times New Roman"/>
+                        </a:rPr>
+                        <a:t>Verify with MEE</a:t>
+                      </a:r>
+                      <a:endParaRPr sz="1200">
+                        <a:latin typeface="Times New Roman"/>
+                        <a:ea typeface="Times New Roman"/>
+                        <a:cs typeface="Times New Roman"/>
+                        <a:sym typeface="Times New Roman"/>
+                      </a:endParaRPr>
+                    </a:p>
+                  </a:txBody>
+                  <a:tcPr marT="63500" marB="63500" marR="63500" marL="63500">
+                    <a:solidFill>
+                      <a:srgbClr val="F3F3F3"/>
+                    </a:solidFill>
+                  </a:tcPr>
+                </a:tc>
+              </a:tr>
+            </a:tbl>
+          </a:graphicData>
+        </a:graphic>
+      </p:graphicFrame>
+    </p:spTree>
+  </p:cSld>
+  <p:clrMapOvr>
+    <a:masterClrMapping/>
+  </p:clrMapOvr>
+</p:sld>
+</file>
+
+<file path=ppt/slides/slide6.xml><?xml version="1.0" encoding="utf-8"?>
+<p:sld xmlns:a="http://schemas.openxmlformats.org/drawingml/2006/main" xmlns:r="http://schemas.openxmlformats.org/officeDocument/2006/relationships" xmlns:mc="http://schemas.openxmlformats.org/markup-compatibility/2006" xmlns:mv="urn:schemas-microsoft-com:mac:vml" xmlns:p="http://schemas.openxmlformats.org/presentationml/2006/main" xmlns:c="http://schemas.openxmlformats.org/drawingml/2006/chart" xmlns:dgm="http://schemas.openxmlformats.org/drawingml/2006/diagram" xmlns:o="urn:schemas-microsoft-com:office:office" xmlns:v="urn:schemas-microsoft-com:vml" xmlns:pvml="urn:schemas-microsoft-com:office:powerpoint" xmlns:com="http://schemas.openxmlformats.org/drawingml/2006/compatibility" xmlns:p14="http://schemas.microsoft.com/office/powerpoint/2010/main" xmlns:p15="http://schemas.microsoft.com/office/powerpoint/2012/main">
+  <p:cSld>
+    <p:spTree>
+      <p:nvGrpSpPr>
+        <p:cNvPr id="165" name="Shape 165"/>
+        <p:cNvGrpSpPr/>
+        <p:nvPr/>
+      </p:nvGrpSpPr>
+      <p:grpSpPr>
+        <a:xfrm>
+          <a:off x="0" y="0"/>
+          <a:ext cx="0" cy="0"/>
+          <a:chOff x="0" y="0"/>
+          <a:chExt cx="0" cy="0"/>
+        </a:xfrm>
+      </p:grpSpPr>
+      <p:sp>
+        <p:nvSpPr>
+          <p:cNvPr id="166" name="Google Shape;166;p18"/>
+          <p:cNvSpPr txBox="1"/>
+          <p:nvPr>
+            <p:ph type="title"/>
+          </p:nvPr>
+        </p:nvSpPr>
+        <p:spPr>
+          <a:xfrm>
+            <a:off x="1297500" y="393750"/>
+            <a:ext cx="7038900" cy="914100"/>
+          </a:xfrm>
+          <a:prstGeom prst="rect">
+            <a:avLst/>
+          </a:prstGeom>
+        </p:spPr>
+        <p:txBody>
+          <a:bodyPr anchorCtr="0" anchor="t" bIns="91425" lIns="91425" spcFirstLastPara="1" rIns="91425" wrap="square" tIns="91425">
+            <a:noAutofit/>
+          </a:bodyPr>
+          <a:lstStyle/>
+          <a:p>
+            <a:pPr indent="0" lvl="0" marL="0" rtl="0" algn="l">
+              <a:spcBef>
+                <a:spcPts val="0"/>
+              </a:spcBef>
+              <a:spcAft>
+                <a:spcPts val="0"/>
+              </a:spcAft>
+              <a:buNone/>
+            </a:pPr>
+            <a:r>
+              <a:rPr lang="en"/>
+              <a:t>Task 6: Requirements Document</a:t>
+            </a:r>
+            <a:endParaRPr/>
+          </a:p>
+        </p:txBody>
+      </p:sp>
+      <p:sp>
+        <p:nvSpPr>
+          <p:cNvPr id="167" name="Google Shape;167;p18"/>
+          <p:cNvSpPr txBox="1"/>
+          <p:nvPr>
+            <p:ph idx="1" type="body"/>
+          </p:nvPr>
+        </p:nvSpPr>
+        <p:spPr>
+          <a:xfrm>
+            <a:off x="1297500" y="1567550"/>
+            <a:ext cx="7038900" cy="2911200"/>
+          </a:xfrm>
+          <a:prstGeom prst="rect">
+            <a:avLst/>
+          </a:prstGeom>
+        </p:spPr>
+        <p:txBody>
+          <a:bodyPr anchorCtr="0" anchor="t" bIns="91425" lIns="91425" spcFirstLastPara="1" rIns="91425" wrap="square" tIns="91425">
+            <a:noAutofit/>
+          </a:bodyPr>
+          <a:lstStyle/>
+          <a:p>
+            <a:pPr indent="0" lvl="0" marL="0" rtl="0" algn="l">
+              <a:spcBef>
+                <a:spcPts val="0"/>
+              </a:spcBef>
+              <a:spcAft>
+                <a:spcPts val="0"/>
+              </a:spcAft>
+              <a:buNone/>
+            </a:pPr>
+            <a:r>
+              <a:rPr lang="en" sz="1100">
+                <a:solidFill>
+                  <a:srgbClr val="FFFFFF"/>
+                </a:solidFill>
+              </a:rPr>
+              <a:t>Deciding on the structure of the software was the most difficult problem so far, but designing the syntax of the configuration file may be more of a challenge in the future.</a:t>
+            </a:r>
+            <a:endParaRPr sz="1100">
+              <a:solidFill>
+                <a:srgbClr val="FFFFFF"/>
+              </a:solidFill>
+            </a:endParaRPr>
+          </a:p>
+          <a:p>
+            <a:pPr indent="0" lvl="0" marL="0" rtl="0" algn="l">
+              <a:spcBef>
+                <a:spcPts val="0"/>
+              </a:spcBef>
+              <a:spcAft>
+                <a:spcPts val="0"/>
+              </a:spcAft>
+              <a:buNone/>
+            </a:pPr>
+            <a:r>
+              <a:t/>
+            </a:r>
+            <a:endParaRPr sz="1100">
+              <a:solidFill>
+                <a:srgbClr val="FFFFFF"/>
+              </a:solidFill>
+            </a:endParaRPr>
+          </a:p>
+          <a:p>
+            <a:pPr indent="0" lvl="0" marL="0" rtl="0" algn="l">
+              <a:spcBef>
+                <a:spcPts val="0"/>
+              </a:spcBef>
+              <a:spcAft>
+                <a:spcPts val="0"/>
+              </a:spcAft>
+              <a:buNone/>
+            </a:pPr>
+            <a:r>
+              <a:rPr lang="en" sz="1100">
+                <a:solidFill>
+                  <a:srgbClr val="FFFFFF"/>
+                </a:solidFill>
+              </a:rPr>
+              <a:t>Requirements:</a:t>
+            </a:r>
+            <a:endParaRPr sz="1100">
+              <a:solidFill>
+                <a:srgbClr val="FFFFFF"/>
+              </a:solidFill>
+            </a:endParaRPr>
+          </a:p>
+          <a:p>
+            <a:pPr indent="-298450" lvl="0" marL="457200" rtl="0" algn="l">
+              <a:spcBef>
+                <a:spcPts val="0"/>
+              </a:spcBef>
+              <a:spcAft>
+                <a:spcPts val="0"/>
+              </a:spcAft>
+              <a:buClr>
+                <a:srgbClr val="FFFFFF"/>
+              </a:buClr>
+              <a:buSzPts val="1100"/>
+              <a:buChar char="●"/>
+            </a:pPr>
+            <a:r>
+              <a:rPr lang="en" sz="1100">
+                <a:solidFill>
+                  <a:srgbClr val="FFFFFF"/>
+                </a:solidFill>
+              </a:rPr>
+              <a:t>NFR:</a:t>
+            </a:r>
+            <a:endParaRPr sz="1100">
+              <a:solidFill>
+                <a:srgbClr val="FFFFFF"/>
+              </a:solidFill>
+            </a:endParaRPr>
+          </a:p>
+          <a:p>
+            <a:pPr indent="-298450" lvl="1" marL="914400" rtl="0" algn="l">
+              <a:spcBef>
+                <a:spcPts val="0"/>
+              </a:spcBef>
+              <a:spcAft>
+                <a:spcPts val="0"/>
+              </a:spcAft>
+              <a:buClr>
+                <a:srgbClr val="FFFFFF"/>
+              </a:buClr>
+              <a:buSzPts val="1100"/>
+              <a:buChar char="○"/>
+            </a:pPr>
+            <a:r>
+              <a:rPr lang="en">
+                <a:solidFill>
+                  <a:srgbClr val="FFFFFF"/>
+                </a:solidFill>
+              </a:rPr>
+              <a:t>Lockers and interfaces:</a:t>
+            </a:r>
+            <a:endParaRPr>
+              <a:solidFill>
+                <a:srgbClr val="FFFFFF"/>
+              </a:solidFill>
+            </a:endParaRPr>
+          </a:p>
+          <a:p>
+            <a:pPr indent="-298450" lvl="1" marL="914400" rtl="0" algn="l">
+              <a:spcBef>
+                <a:spcPts val="0"/>
+              </a:spcBef>
+              <a:spcAft>
+                <a:spcPts val="0"/>
+              </a:spcAft>
+              <a:buClr>
+                <a:srgbClr val="FFFFFF"/>
+              </a:buClr>
+              <a:buSzPts val="1100"/>
+              <a:buChar char="○"/>
+            </a:pPr>
+            <a:r>
+              <a:rPr lang="en">
+                <a:solidFill>
+                  <a:srgbClr val="FFFFFF"/>
+                </a:solidFill>
+              </a:rPr>
+              <a:t>Express locker with ethernet</a:t>
+            </a:r>
+            <a:endParaRPr>
+              <a:solidFill>
+                <a:srgbClr val="FFFFFF"/>
+              </a:solidFill>
+            </a:endParaRPr>
+          </a:p>
+          <a:p>
+            <a:pPr indent="-298450" lvl="1" marL="914400" rtl="0" algn="l">
+              <a:spcBef>
+                <a:spcPts val="0"/>
+              </a:spcBef>
+              <a:spcAft>
+                <a:spcPts val="0"/>
+              </a:spcAft>
+              <a:buClr>
+                <a:srgbClr val="FFFFFF"/>
+              </a:buClr>
+              <a:buSzPts val="1100"/>
+              <a:buChar char="○"/>
+            </a:pPr>
+            <a:r>
+              <a:rPr lang="en">
+                <a:solidFill>
+                  <a:srgbClr val="FFFFFF"/>
+                </a:solidFill>
+              </a:rPr>
+              <a:t>700w &lt; power</a:t>
+            </a:r>
+            <a:endParaRPr>
+              <a:solidFill>
+                <a:srgbClr val="FFFFFF"/>
+              </a:solidFill>
+            </a:endParaRPr>
+          </a:p>
+          <a:p>
+            <a:pPr indent="-298450" lvl="0" marL="457200" rtl="0" algn="l">
+              <a:spcBef>
+                <a:spcPts val="0"/>
+              </a:spcBef>
+              <a:spcAft>
+                <a:spcPts val="0"/>
+              </a:spcAft>
+              <a:buClr>
+                <a:srgbClr val="FFFFFF"/>
+              </a:buClr>
+              <a:buSzPts val="1100"/>
+              <a:buChar char="●"/>
+            </a:pPr>
+            <a:r>
+              <a:rPr lang="en" sz="1100">
+                <a:solidFill>
+                  <a:srgbClr val="FFFFFF"/>
+                </a:solidFill>
+              </a:rPr>
+              <a:t>FR:</a:t>
+            </a:r>
+            <a:endParaRPr sz="1100">
+              <a:solidFill>
+                <a:srgbClr val="FFFFFF"/>
+              </a:solidFill>
+            </a:endParaRPr>
+          </a:p>
+          <a:p>
+            <a:pPr indent="-298450" lvl="1" marL="914400" rtl="0" algn="l">
+              <a:spcBef>
+                <a:spcPts val="0"/>
+              </a:spcBef>
+              <a:spcAft>
+                <a:spcPts val="0"/>
+              </a:spcAft>
+              <a:buClr>
+                <a:srgbClr val="FFFFFF"/>
+              </a:buClr>
+              <a:buSzPts val="1100"/>
+              <a:buChar char="○"/>
+            </a:pPr>
+            <a:r>
+              <a:rPr lang="en">
+                <a:solidFill>
+                  <a:srgbClr val="FFFFFF"/>
+                </a:solidFill>
+              </a:rPr>
+              <a:t>Define control flow:</a:t>
+            </a:r>
+            <a:endParaRPr>
+              <a:solidFill>
+                <a:srgbClr val="FFFFFF"/>
+              </a:solidFill>
+            </a:endParaRPr>
+          </a:p>
+          <a:p>
+            <a:pPr indent="-298450" lvl="1" marL="914400" rtl="0" algn="l">
+              <a:spcBef>
+                <a:spcPts val="0"/>
+              </a:spcBef>
+              <a:spcAft>
+                <a:spcPts val="0"/>
+              </a:spcAft>
+              <a:buClr>
+                <a:srgbClr val="FFFFFF"/>
+              </a:buClr>
+              <a:buSzPts val="1100"/>
+              <a:buChar char="○"/>
+            </a:pPr>
+            <a:r>
+              <a:rPr lang="en">
+                <a:solidFill>
+                  <a:srgbClr val="FFFFFF"/>
+                </a:solidFill>
+              </a:rPr>
+              <a:t>Input from config file</a:t>
+            </a:r>
+            <a:endParaRPr>
+              <a:solidFill>
+                <a:srgbClr val="FFFFFF"/>
+              </a:solidFill>
+            </a:endParaRPr>
+          </a:p>
+          <a:p>
+            <a:pPr indent="-298450" lvl="1" marL="914400" rtl="0" algn="l">
+              <a:spcBef>
+                <a:spcPts val="0"/>
+              </a:spcBef>
+              <a:spcAft>
+                <a:spcPts val="0"/>
+              </a:spcAft>
+              <a:buClr>
+                <a:srgbClr val="FFFFFF"/>
+              </a:buClr>
+              <a:buSzPts val="1100"/>
+              <a:buChar char="○"/>
+            </a:pPr>
+            <a:r>
+              <a:rPr lang="en">
+                <a:solidFill>
+                  <a:srgbClr val="FFFFFF"/>
+                </a:solidFill>
+              </a:rPr>
+              <a:t>Run phases start 1-4 with config</a:t>
+            </a:r>
+            <a:endParaRPr>
+              <a:solidFill>
+                <a:srgbClr val="FFFFFF"/>
+              </a:solidFill>
+            </a:endParaRPr>
+          </a:p>
+          <a:p>
+            <a:pPr indent="-298450" lvl="1" marL="914400" rtl="0" algn="l">
+              <a:spcBef>
+                <a:spcPts val="0"/>
+              </a:spcBef>
+              <a:spcAft>
+                <a:spcPts val="0"/>
+              </a:spcAft>
+              <a:buClr>
+                <a:srgbClr val="FFFFFF"/>
+              </a:buClr>
+              <a:buSzPts val="1100"/>
+              <a:buChar char="○"/>
+            </a:pPr>
+            <a:r>
+              <a:rPr lang="en">
+                <a:solidFill>
+                  <a:srgbClr val="FFFFFF"/>
+                </a:solidFill>
+              </a:rPr>
+              <a:t>On/Off how much for </a:t>
+            </a:r>
+            <a:r>
+              <a:rPr lang="en">
+                <a:solidFill>
+                  <a:srgbClr val="FFFFFF"/>
+                </a:solidFill>
+              </a:rPr>
+              <a:t>actuators</a:t>
+            </a:r>
+            <a:endParaRPr>
+              <a:solidFill>
+                <a:srgbClr val="FFFFFF"/>
+              </a:solidFill>
+            </a:endParaRPr>
+          </a:p>
+          <a:p>
+            <a:pPr indent="-298450" lvl="1" marL="914400" rtl="0" algn="l">
+              <a:spcBef>
+                <a:spcPts val="0"/>
+              </a:spcBef>
+              <a:spcAft>
+                <a:spcPts val="0"/>
+              </a:spcAft>
+              <a:buClr>
+                <a:srgbClr val="FFFFFF"/>
+              </a:buClr>
+              <a:buSzPts val="1100"/>
+              <a:buChar char="○"/>
+            </a:pPr>
+            <a:r>
+              <a:rPr lang="en">
+                <a:solidFill>
+                  <a:srgbClr val="FFFFFF"/>
+                </a:solidFill>
+              </a:rPr>
+              <a:t>Power sensors then read sensors</a:t>
+            </a:r>
+            <a:endParaRPr>
+              <a:solidFill>
+                <a:srgbClr val="FFFFFF"/>
+              </a:solidFill>
+            </a:endParaRPr>
+          </a:p>
+          <a:p>
+            <a:pPr indent="-298450" lvl="0" marL="457200" rtl="0" algn="l">
+              <a:spcBef>
+                <a:spcPts val="0"/>
+              </a:spcBef>
+              <a:spcAft>
+                <a:spcPts val="0"/>
+              </a:spcAft>
+              <a:buClr>
+                <a:srgbClr val="FFFFFF"/>
+              </a:buClr>
+              <a:buSzPts val="1100"/>
+              <a:buChar char="●"/>
+            </a:pPr>
+            <a:r>
+              <a:rPr lang="en" sz="1100">
+                <a:solidFill>
+                  <a:srgbClr val="FFFFFF"/>
+                </a:solidFill>
+              </a:rPr>
+              <a:t>Traceability</a:t>
+            </a:r>
+            <a:endParaRPr sz="1100">
+              <a:solidFill>
+                <a:srgbClr val="FFFFFF"/>
+              </a:solidFill>
+            </a:endParaRPr>
+          </a:p>
+          <a:p>
+            <a:pPr indent="-298450" lvl="0" marL="457200" rtl="0" algn="l">
+              <a:spcBef>
+                <a:spcPts val="0"/>
+              </a:spcBef>
+              <a:spcAft>
+                <a:spcPts val="0"/>
+              </a:spcAft>
+              <a:buClr>
+                <a:srgbClr val="FFFFFF"/>
+              </a:buClr>
+              <a:buSzPts val="1100"/>
+              <a:buChar char="●"/>
+            </a:pPr>
+            <a:r>
+              <a:rPr lang="en" sz="1100">
+                <a:solidFill>
+                  <a:srgbClr val="FFFFFF"/>
+                </a:solidFill>
+              </a:rPr>
+              <a:t>WBS</a:t>
+            </a:r>
+            <a:endParaRPr sz="1100">
+              <a:solidFill>
+                <a:srgbClr val="FFFFFF"/>
+              </a:solidFill>
+            </a:endParaRPr>
+          </a:p>
+          <a:p>
+            <a:pPr indent="-298450" lvl="0" marL="457200" rtl="0" algn="l">
+              <a:spcBef>
+                <a:spcPts val="0"/>
+              </a:spcBef>
+              <a:spcAft>
+                <a:spcPts val="0"/>
+              </a:spcAft>
+              <a:buClr>
+                <a:srgbClr val="FFFF00"/>
+              </a:buClr>
+              <a:buSzPts val="1100"/>
+              <a:buChar char="●"/>
+            </a:pPr>
+            <a:r>
+              <a:rPr lang="en" sz="1100">
+                <a:solidFill>
+                  <a:srgbClr val="FFFF00"/>
+                </a:solidFill>
+              </a:rPr>
+              <a:t>Astronauts can be considered in autonomy</a:t>
+            </a:r>
+            <a:endParaRPr sz="1100">
+              <a:solidFill>
+                <a:srgbClr val="FFFF00"/>
+              </a:solidFill>
+            </a:endParaRPr>
+          </a:p>
+        </p:txBody>
+      </p:sp>
+      <p:pic>
+        <p:nvPicPr>
+          <p:cNvPr id="168" name="Google Shape;168;p18"/>
+          <p:cNvPicPr preferRelativeResize="0"/>
+          <p:nvPr/>
+        </p:nvPicPr>
+        <p:blipFill>
+          <a:blip r:embed="rId3">
+            <a:alphaModFix/>
+          </a:blip>
+          <a:stretch>
+            <a:fillRect/>
+          </a:stretch>
+        </p:blipFill>
+        <p:spPr>
+          <a:xfrm>
+            <a:off x="5182758" y="1948625"/>
+            <a:ext cx="2938068" cy="2911201"/>
+          </a:xfrm>
+          <a:prstGeom prst="rect">
+            <a:avLst/>
+          </a:prstGeom>
+          <a:noFill/>
+          <a:ln>
+            <a:noFill/>
+          </a:ln>
+        </p:spPr>
+      </p:pic>
+    </p:spTree>
+  </p:cSld>
+  <p:clrMapOvr>
+    <a:masterClrMapping/>
+  </p:clrMapOvr>
+</p:sld>
+</file>
+
 <file path=ppt/slides/slide7.xml><?xml version="1.0" encoding="utf-8"?>
 <p:sld xmlns:a="http://schemas.openxmlformats.org/drawingml/2006/main" xmlns:r="http://schemas.openxmlformats.org/officeDocument/2006/relationships" xmlns:mc="http://schemas.openxmlformats.org/markup-compatibility/2006" xmlns:mv="urn:schemas-microsoft-com:mac:vml" xmlns:p="http://schemas.openxmlformats.org/presentationml/2006/main" xmlns:c="http://schemas.openxmlformats.org/drawingml/2006/chart" xmlns:dgm="http://schemas.openxmlformats.org/drawingml/2006/diagram" xmlns:o="urn:schemas-microsoft-com:office:office" xmlns:v="urn:schemas-microsoft-com:vml" xmlns:pvml="urn:schemas-microsoft-com:office:powerpoint" xmlns:com="http://schemas.openxmlformats.org/drawingml/2006/compatibility" xmlns:p14="http://schemas.microsoft.com/office/powerpoint/2010/main" xmlns:p15="http://schemas.microsoft.com/office/powerpoint/2012/main">
   <p:cSld>
     <p:spTree>
       <p:nvGrpSpPr>
-        <p:cNvPr id="169" name="Shape 169"/>
+        <p:cNvPr id="172" name="Shape 172"/>
+        <p:cNvGrpSpPr/>
+        <p:nvPr/>
+      </p:nvGrpSpPr>
+      <p:grpSpPr>
+        <a:xfrm>
+          <a:off x="0" y="0"/>
+          <a:ext cx="0" cy="0"/>
+          <a:chOff x="0" y="0"/>
+          <a:chExt cx="0" cy="0"/>
+        </a:xfrm>
+      </p:grpSpPr>
+      <p:sp>
+        <p:nvSpPr>
+          <p:cNvPr id="173" name="Google Shape;173;p19"/>
+          <p:cNvSpPr txBox="1"/>
+          <p:nvPr>
+            <p:ph type="title"/>
+          </p:nvPr>
+        </p:nvSpPr>
+        <p:spPr>
+          <a:xfrm>
+            <a:off x="1297500" y="393750"/>
+            <a:ext cx="7038900" cy="914100"/>
+          </a:xfrm>
+          <a:prstGeom prst="rect">
+            <a:avLst/>
+          </a:prstGeom>
+        </p:spPr>
+        <p:txBody>
+          <a:bodyPr anchorCtr="0" anchor="t" bIns="91425" lIns="91425" spcFirstLastPara="1" rIns="91425" wrap="square" tIns="91425">
+            <a:noAutofit/>
+          </a:bodyPr>
+          <a:lstStyle/>
+          <a:p>
+            <a:pPr indent="0" lvl="0" marL="0" rtl="0" algn="l">
+              <a:spcBef>
+                <a:spcPts val="0"/>
+              </a:spcBef>
+              <a:spcAft>
+                <a:spcPts val="0"/>
+              </a:spcAft>
+              <a:buNone/>
+            </a:pPr>
+            <a:r>
+              <a:rPr lang="en"/>
+              <a:t>Task 6: Requirements Document</a:t>
+            </a:r>
+            <a:endParaRPr/>
+          </a:p>
+          <a:p>
+            <a:pPr indent="0" lvl="0" marL="0" rtl="0" algn="l">
+              <a:spcBef>
+                <a:spcPts val="0"/>
+              </a:spcBef>
+              <a:spcAft>
+                <a:spcPts val="0"/>
+              </a:spcAft>
+              <a:buNone/>
+            </a:pPr>
+            <a:r>
+              <a:t/>
+            </a:r>
+            <a:endParaRPr/>
+          </a:p>
+        </p:txBody>
+      </p:sp>
+      <p:sp>
+        <p:nvSpPr>
+          <p:cNvPr id="174" name="Google Shape;174;p19"/>
+          <p:cNvSpPr txBox="1"/>
+          <p:nvPr>
+            <p:ph idx="1" type="body"/>
+          </p:nvPr>
+        </p:nvSpPr>
+        <p:spPr>
+          <a:xfrm>
+            <a:off x="840300" y="1567550"/>
+            <a:ext cx="1488000" cy="2911200"/>
+          </a:xfrm>
+          <a:prstGeom prst="rect">
+            <a:avLst/>
+          </a:prstGeom>
+          <a:ln cap="flat" cmpd="sng" w="9525">
+            <a:solidFill>
+              <a:srgbClr val="FFFFFF"/>
+            </a:solidFill>
+            <a:prstDash val="solid"/>
+            <a:round/>
+            <a:headEnd len="sm" w="sm" type="none"/>
+            <a:tailEnd len="sm" w="sm" type="none"/>
+          </a:ln>
+        </p:spPr>
+        <p:txBody>
+          <a:bodyPr anchorCtr="0" anchor="t" bIns="91425" lIns="91425" spcFirstLastPara="1" rIns="91425" wrap="square" tIns="91425">
+            <a:noAutofit/>
+          </a:bodyPr>
+          <a:lstStyle/>
+          <a:p>
+            <a:pPr indent="0" lvl="0" marL="0" rtl="0" algn="l">
+              <a:lnSpc>
+                <a:spcPct val="100000"/>
+              </a:lnSpc>
+              <a:spcBef>
+                <a:spcPts val="0"/>
+              </a:spcBef>
+              <a:spcAft>
+                <a:spcPts val="0"/>
+              </a:spcAft>
+              <a:buNone/>
+            </a:pPr>
+            <a:r>
+              <a:rPr i="1" lang="en" sz="1000"/>
+              <a:t>0 - Preseeding Environment:</a:t>
+            </a:r>
+            <a:endParaRPr i="1" sz="1000"/>
+          </a:p>
+          <a:p>
+            <a:pPr indent="0" lvl="0" marL="0" rtl="0" algn="l">
+              <a:lnSpc>
+                <a:spcPct val="100000"/>
+              </a:lnSpc>
+              <a:spcBef>
+                <a:spcPts val="1600"/>
+              </a:spcBef>
+              <a:spcAft>
+                <a:spcPts val="1600"/>
+              </a:spcAft>
+              <a:buNone/>
+            </a:pPr>
+            <a:r>
+              <a:rPr i="1" lang="en" sz="1000"/>
+              <a:t>Transition: Start</a:t>
+            </a:r>
+            <a:endParaRPr i="1" sz="1000"/>
+          </a:p>
+        </p:txBody>
+      </p:sp>
+      <p:sp>
+        <p:nvSpPr>
+          <p:cNvPr id="175" name="Google Shape;175;p19"/>
+          <p:cNvSpPr txBox="1"/>
+          <p:nvPr>
+            <p:ph idx="1" type="body"/>
+          </p:nvPr>
+        </p:nvSpPr>
+        <p:spPr>
+          <a:xfrm>
+            <a:off x="2351350" y="1567550"/>
+            <a:ext cx="1488000" cy="2911200"/>
+          </a:xfrm>
+          <a:prstGeom prst="rect">
+            <a:avLst/>
+          </a:prstGeom>
+          <a:ln cap="flat" cmpd="sng" w="9525">
+            <a:solidFill>
+              <a:srgbClr val="FFFFFF"/>
+            </a:solidFill>
+            <a:prstDash val="solid"/>
+            <a:round/>
+            <a:headEnd len="sm" w="sm" type="none"/>
+            <a:tailEnd len="sm" w="sm" type="none"/>
+          </a:ln>
+        </p:spPr>
+        <p:txBody>
+          <a:bodyPr anchorCtr="0" anchor="t" bIns="91425" lIns="91425" spcFirstLastPara="1" rIns="91425" wrap="square" tIns="91425">
+            <a:noAutofit/>
+          </a:bodyPr>
+          <a:lstStyle/>
+          <a:p>
+            <a:pPr indent="0" lvl="0" marL="0" rtl="0" algn="l">
+              <a:lnSpc>
+                <a:spcPct val="100000"/>
+              </a:lnSpc>
+              <a:spcBef>
+                <a:spcPts val="0"/>
+              </a:spcBef>
+              <a:spcAft>
+                <a:spcPts val="0"/>
+              </a:spcAft>
+              <a:buNone/>
+            </a:pPr>
+            <a:r>
+              <a:rPr lang="en" sz="1000"/>
+              <a:t>1 - Seeding:</a:t>
+            </a:r>
+            <a:endParaRPr sz="1000"/>
+          </a:p>
+          <a:p>
+            <a:pPr indent="-292100" lvl="0" marL="457200" rtl="0" algn="l">
+              <a:lnSpc>
+                <a:spcPct val="100000"/>
+              </a:lnSpc>
+              <a:spcBef>
+                <a:spcPts val="1600"/>
+              </a:spcBef>
+              <a:spcAft>
+                <a:spcPts val="0"/>
+              </a:spcAft>
+              <a:buSzPts val="1000"/>
+              <a:buChar char="●"/>
+            </a:pPr>
+            <a:r>
+              <a:rPr lang="en" sz="1000"/>
+              <a:t>Get</a:t>
+            </a:r>
+            <a:endParaRPr sz="1000"/>
+          </a:p>
+          <a:p>
+            <a:pPr indent="-292100" lvl="0" marL="457200" rtl="0" algn="l">
+              <a:lnSpc>
+                <a:spcPct val="100000"/>
+              </a:lnSpc>
+              <a:spcBef>
+                <a:spcPts val="0"/>
+              </a:spcBef>
+              <a:spcAft>
+                <a:spcPts val="0"/>
+              </a:spcAft>
+              <a:buSzPts val="1000"/>
+              <a:buChar char="●"/>
+            </a:pPr>
+            <a:r>
+              <a:rPr lang="en" sz="1000"/>
+              <a:t>Move</a:t>
+            </a:r>
+            <a:endParaRPr sz="1000"/>
+          </a:p>
+          <a:p>
+            <a:pPr indent="-292100" lvl="0" marL="457200" rtl="0" algn="l">
+              <a:lnSpc>
+                <a:spcPct val="100000"/>
+              </a:lnSpc>
+              <a:spcBef>
+                <a:spcPts val="0"/>
+              </a:spcBef>
+              <a:spcAft>
+                <a:spcPts val="0"/>
+              </a:spcAft>
+              <a:buSzPts val="1000"/>
+              <a:buChar char="●"/>
+            </a:pPr>
+            <a:r>
+              <a:rPr lang="en" sz="1000"/>
+              <a:t>Plant</a:t>
+            </a:r>
+            <a:endParaRPr sz="1000"/>
+          </a:p>
+          <a:p>
+            <a:pPr indent="-292100" lvl="0" marL="457200" rtl="0" algn="l">
+              <a:lnSpc>
+                <a:spcPct val="100000"/>
+              </a:lnSpc>
+              <a:spcBef>
+                <a:spcPts val="0"/>
+              </a:spcBef>
+              <a:spcAft>
+                <a:spcPts val="0"/>
+              </a:spcAft>
+              <a:buSzPts val="1000"/>
+              <a:buChar char="●"/>
+            </a:pPr>
+            <a:r>
+              <a:rPr lang="en" sz="1000"/>
+              <a:t>Observe/React</a:t>
+            </a:r>
+            <a:endParaRPr sz="1000"/>
+          </a:p>
+          <a:p>
+            <a:pPr indent="0" lvl="0" marL="0" rtl="0" algn="l">
+              <a:lnSpc>
+                <a:spcPct val="100000"/>
+              </a:lnSpc>
+              <a:spcBef>
+                <a:spcPts val="1600"/>
+              </a:spcBef>
+              <a:spcAft>
+                <a:spcPts val="0"/>
+              </a:spcAft>
+              <a:buNone/>
+            </a:pPr>
+            <a:r>
+              <a:rPr lang="en" sz="1000"/>
+              <a:t>Transition:</a:t>
+            </a:r>
+            <a:endParaRPr sz="1000"/>
+          </a:p>
+          <a:p>
+            <a:pPr indent="0" lvl="0" marL="0" rtl="0" algn="l">
+              <a:lnSpc>
+                <a:spcPct val="100000"/>
+              </a:lnSpc>
+              <a:spcBef>
+                <a:spcPts val="1600"/>
+              </a:spcBef>
+              <a:spcAft>
+                <a:spcPts val="1600"/>
+              </a:spcAft>
+              <a:buNone/>
+            </a:pPr>
+            <a:r>
+              <a:rPr lang="en" sz="1000"/>
+              <a:t>Germination</a:t>
+            </a:r>
+            <a:endParaRPr sz="1000"/>
+          </a:p>
+        </p:txBody>
+      </p:sp>
+      <p:sp>
+        <p:nvSpPr>
+          <p:cNvPr id="176" name="Google Shape;176;p19"/>
+          <p:cNvSpPr txBox="1"/>
+          <p:nvPr>
+            <p:ph idx="1" type="body"/>
+          </p:nvPr>
+        </p:nvSpPr>
+        <p:spPr>
+          <a:xfrm>
+            <a:off x="5373438" y="1567550"/>
+            <a:ext cx="1488000" cy="2911200"/>
+          </a:xfrm>
+          <a:prstGeom prst="rect">
+            <a:avLst/>
+          </a:prstGeom>
+          <a:ln cap="flat" cmpd="sng" w="9525">
+            <a:solidFill>
+              <a:srgbClr val="FFFFFF"/>
+            </a:solidFill>
+            <a:prstDash val="solid"/>
+            <a:round/>
+            <a:headEnd len="sm" w="sm" type="none"/>
+            <a:tailEnd len="sm" w="sm" type="none"/>
+          </a:ln>
+        </p:spPr>
+        <p:txBody>
+          <a:bodyPr anchorCtr="0" anchor="t" bIns="91425" lIns="91425" spcFirstLastPara="1" rIns="91425" wrap="square" tIns="91425">
+            <a:noAutofit/>
+          </a:bodyPr>
+          <a:lstStyle/>
+          <a:p>
+            <a:pPr indent="0" lvl="0" marL="0" rtl="0" algn="l">
+              <a:lnSpc>
+                <a:spcPct val="100000"/>
+              </a:lnSpc>
+              <a:spcBef>
+                <a:spcPts val="0"/>
+              </a:spcBef>
+              <a:spcAft>
+                <a:spcPts val="0"/>
+              </a:spcAft>
+              <a:buNone/>
+            </a:pPr>
+            <a:r>
+              <a:rPr lang="en" sz="1000"/>
+              <a:t>3 - Harvest</a:t>
+            </a:r>
+            <a:r>
+              <a:rPr lang="en" sz="1000"/>
+              <a:t>:</a:t>
+            </a:r>
+            <a:endParaRPr sz="1000"/>
+          </a:p>
+          <a:p>
+            <a:pPr indent="-292100" lvl="0" marL="457200" rtl="0" algn="l">
+              <a:lnSpc>
+                <a:spcPct val="100000"/>
+              </a:lnSpc>
+              <a:spcBef>
+                <a:spcPts val="1600"/>
+              </a:spcBef>
+              <a:spcAft>
+                <a:spcPts val="0"/>
+              </a:spcAft>
+              <a:buSzPts val="1000"/>
+              <a:buChar char="●"/>
+            </a:pPr>
+            <a:r>
+              <a:rPr lang="en" sz="1000"/>
+              <a:t>Cut</a:t>
+            </a:r>
+            <a:endParaRPr sz="1000"/>
+          </a:p>
+          <a:p>
+            <a:pPr indent="-292100" lvl="0" marL="457200" rtl="0" algn="l">
+              <a:lnSpc>
+                <a:spcPct val="100000"/>
+              </a:lnSpc>
+              <a:spcBef>
+                <a:spcPts val="0"/>
+              </a:spcBef>
+              <a:spcAft>
+                <a:spcPts val="0"/>
+              </a:spcAft>
+              <a:buSzPts val="1000"/>
+              <a:buChar char="●"/>
+            </a:pPr>
+            <a:r>
+              <a:rPr lang="en" sz="1000"/>
+              <a:t>Gather</a:t>
+            </a:r>
+            <a:endParaRPr sz="1000"/>
+          </a:p>
+          <a:p>
+            <a:pPr indent="-292100" lvl="0" marL="457200" rtl="0" algn="l">
+              <a:lnSpc>
+                <a:spcPct val="100000"/>
+              </a:lnSpc>
+              <a:spcBef>
+                <a:spcPts val="0"/>
+              </a:spcBef>
+              <a:spcAft>
+                <a:spcPts val="0"/>
+              </a:spcAft>
+              <a:buSzPts val="1000"/>
+              <a:buChar char="●"/>
+            </a:pPr>
+            <a:r>
+              <a:rPr lang="en" sz="1000"/>
+              <a:t>Separate</a:t>
+            </a:r>
+            <a:endParaRPr sz="1000"/>
+          </a:p>
+          <a:p>
+            <a:pPr indent="-292100" lvl="0" marL="457200" rtl="0" algn="l">
+              <a:lnSpc>
+                <a:spcPct val="100000"/>
+              </a:lnSpc>
+              <a:spcBef>
+                <a:spcPts val="0"/>
+              </a:spcBef>
+              <a:spcAft>
+                <a:spcPts val="0"/>
+              </a:spcAft>
+              <a:buSzPts val="1000"/>
+              <a:buChar char="●"/>
+            </a:pPr>
+            <a:r>
+              <a:rPr lang="en" sz="1000"/>
+              <a:t>Store</a:t>
+            </a:r>
+            <a:endParaRPr sz="1000"/>
+          </a:p>
+          <a:p>
+            <a:pPr indent="0" lvl="0" marL="0" rtl="0" algn="l">
+              <a:lnSpc>
+                <a:spcPct val="100000"/>
+              </a:lnSpc>
+              <a:spcBef>
+                <a:spcPts val="1600"/>
+              </a:spcBef>
+              <a:spcAft>
+                <a:spcPts val="0"/>
+              </a:spcAft>
+              <a:buNone/>
+            </a:pPr>
+            <a:r>
+              <a:rPr lang="en" sz="1000"/>
+              <a:t>Observe/React</a:t>
+            </a:r>
+            <a:endParaRPr sz="1000"/>
+          </a:p>
+          <a:p>
+            <a:pPr indent="0" lvl="0" marL="0" rtl="0" algn="l">
+              <a:lnSpc>
+                <a:spcPct val="100000"/>
+              </a:lnSpc>
+              <a:spcBef>
+                <a:spcPts val="1600"/>
+              </a:spcBef>
+              <a:spcAft>
+                <a:spcPts val="1600"/>
+              </a:spcAft>
+              <a:buNone/>
+            </a:pPr>
+            <a:r>
+              <a:rPr lang="en" sz="1000"/>
+              <a:t>Transition: Crop gathered</a:t>
+            </a:r>
+            <a:endParaRPr sz="1000"/>
+          </a:p>
+        </p:txBody>
+      </p:sp>
+      <p:sp>
+        <p:nvSpPr>
+          <p:cNvPr id="177" name="Google Shape;177;p19"/>
+          <p:cNvSpPr txBox="1"/>
+          <p:nvPr>
+            <p:ph idx="1" type="body"/>
+          </p:nvPr>
+        </p:nvSpPr>
+        <p:spPr>
+          <a:xfrm>
+            <a:off x="3862400" y="1567550"/>
+            <a:ext cx="1488000" cy="2911200"/>
+          </a:xfrm>
+          <a:prstGeom prst="rect">
+            <a:avLst/>
+          </a:prstGeom>
+          <a:ln cap="flat" cmpd="sng" w="9525">
+            <a:solidFill>
+              <a:srgbClr val="FFFFFF"/>
+            </a:solidFill>
+            <a:prstDash val="solid"/>
+            <a:round/>
+            <a:headEnd len="sm" w="sm" type="none"/>
+            <a:tailEnd len="sm" w="sm" type="none"/>
+          </a:ln>
+        </p:spPr>
+        <p:txBody>
+          <a:bodyPr anchorCtr="0" anchor="t" bIns="91425" lIns="91425" spcFirstLastPara="1" rIns="91425" wrap="square" tIns="91425">
+            <a:noAutofit/>
+          </a:bodyPr>
+          <a:lstStyle/>
+          <a:p>
+            <a:pPr indent="0" lvl="0" marL="0" rtl="0" algn="l">
+              <a:lnSpc>
+                <a:spcPct val="100000"/>
+              </a:lnSpc>
+              <a:spcBef>
+                <a:spcPts val="0"/>
+              </a:spcBef>
+              <a:spcAft>
+                <a:spcPts val="0"/>
+              </a:spcAft>
+              <a:buNone/>
+            </a:pPr>
+            <a:r>
+              <a:rPr lang="en" sz="1000"/>
+              <a:t>2</a:t>
+            </a:r>
+            <a:r>
+              <a:rPr lang="en" sz="1000"/>
+              <a:t> - Grow:</a:t>
+            </a:r>
+            <a:endParaRPr sz="1000"/>
+          </a:p>
+          <a:p>
+            <a:pPr indent="0" lvl="0" marL="0" rtl="0" algn="l">
+              <a:lnSpc>
+                <a:spcPct val="100000"/>
+              </a:lnSpc>
+              <a:spcBef>
+                <a:spcPts val="1600"/>
+              </a:spcBef>
+              <a:spcAft>
+                <a:spcPts val="0"/>
+              </a:spcAft>
+              <a:buNone/>
+            </a:pPr>
+            <a:r>
+              <a:rPr lang="en" sz="1000"/>
+              <a:t>Observe/React</a:t>
+            </a:r>
+            <a:endParaRPr sz="1000"/>
+          </a:p>
+          <a:p>
+            <a:pPr indent="0" lvl="0" marL="0" rtl="0" algn="l">
+              <a:lnSpc>
+                <a:spcPct val="100000"/>
+              </a:lnSpc>
+              <a:spcBef>
+                <a:spcPts val="1600"/>
+              </a:spcBef>
+              <a:spcAft>
+                <a:spcPts val="0"/>
+              </a:spcAft>
+              <a:buNone/>
+            </a:pPr>
+            <a:r>
+              <a:rPr lang="en" sz="1000"/>
+              <a:t>Transition:</a:t>
+            </a:r>
+            <a:endParaRPr sz="1000"/>
+          </a:p>
+          <a:p>
+            <a:pPr indent="0" lvl="0" marL="0" rtl="0" algn="l">
+              <a:lnSpc>
+                <a:spcPct val="100000"/>
+              </a:lnSpc>
+              <a:spcBef>
+                <a:spcPts val="1600"/>
+              </a:spcBef>
+              <a:spcAft>
+                <a:spcPts val="1600"/>
+              </a:spcAft>
+              <a:buNone/>
+            </a:pPr>
+            <a:r>
+              <a:rPr lang="en" sz="1000"/>
+              <a:t>Height=grown</a:t>
+            </a:r>
+            <a:endParaRPr sz="1000"/>
+          </a:p>
+        </p:txBody>
+      </p:sp>
+      <p:sp>
+        <p:nvSpPr>
+          <p:cNvPr id="178" name="Google Shape;178;p19"/>
+          <p:cNvSpPr txBox="1"/>
+          <p:nvPr>
+            <p:ph idx="1" type="body"/>
+          </p:nvPr>
+        </p:nvSpPr>
+        <p:spPr>
+          <a:xfrm>
+            <a:off x="6884500" y="1567550"/>
+            <a:ext cx="1488000" cy="2911200"/>
+          </a:xfrm>
+          <a:prstGeom prst="rect">
+            <a:avLst/>
+          </a:prstGeom>
+          <a:ln cap="flat" cmpd="sng" w="9525">
+            <a:solidFill>
+              <a:srgbClr val="FFFFFF"/>
+            </a:solidFill>
+            <a:prstDash val="solid"/>
+            <a:round/>
+            <a:headEnd len="sm" w="sm" type="none"/>
+            <a:tailEnd len="sm" w="sm" type="none"/>
+          </a:ln>
+        </p:spPr>
+        <p:txBody>
+          <a:bodyPr anchorCtr="0" anchor="t" bIns="91425" lIns="91425" spcFirstLastPara="1" rIns="91425" wrap="square" tIns="91425">
+            <a:noAutofit/>
+          </a:bodyPr>
+          <a:lstStyle/>
+          <a:p>
+            <a:pPr indent="0" lvl="0" marL="0" rtl="0" algn="l">
+              <a:lnSpc>
+                <a:spcPct val="100000"/>
+              </a:lnSpc>
+              <a:spcBef>
+                <a:spcPts val="0"/>
+              </a:spcBef>
+              <a:spcAft>
+                <a:spcPts val="0"/>
+              </a:spcAft>
+              <a:buNone/>
+            </a:pPr>
+            <a:r>
+              <a:rPr lang="en" sz="1000"/>
+              <a:t>4 - Clean</a:t>
+            </a:r>
+            <a:r>
+              <a:rPr lang="en" sz="1000"/>
+              <a:t>:</a:t>
+            </a:r>
+            <a:endParaRPr sz="1000"/>
+          </a:p>
+          <a:p>
+            <a:pPr indent="0" lvl="0" marL="0" rtl="0" algn="l">
+              <a:lnSpc>
+                <a:spcPct val="100000"/>
+              </a:lnSpc>
+              <a:spcBef>
+                <a:spcPts val="1600"/>
+              </a:spcBef>
+              <a:spcAft>
+                <a:spcPts val="0"/>
+              </a:spcAft>
+              <a:buNone/>
+            </a:pPr>
+            <a:r>
+              <a:rPr lang="en" sz="1000"/>
+              <a:t>Must match states before seeding as set by config file</a:t>
+            </a:r>
+            <a:endParaRPr sz="1000"/>
+          </a:p>
+          <a:p>
+            <a:pPr indent="0" lvl="0" marL="0" rtl="0" algn="l">
+              <a:lnSpc>
+                <a:spcPct val="100000"/>
+              </a:lnSpc>
+              <a:spcBef>
+                <a:spcPts val="1600"/>
+              </a:spcBef>
+              <a:spcAft>
+                <a:spcPts val="0"/>
+              </a:spcAft>
+              <a:buNone/>
+            </a:pPr>
+            <a:r>
+              <a:rPr lang="en" sz="1000"/>
+              <a:t>Observe/React</a:t>
+            </a:r>
+            <a:endParaRPr sz="1000"/>
+          </a:p>
+          <a:p>
+            <a:pPr indent="0" lvl="0" marL="0" rtl="0" algn="l">
+              <a:lnSpc>
+                <a:spcPct val="100000"/>
+              </a:lnSpc>
+              <a:spcBef>
+                <a:spcPts val="1600"/>
+              </a:spcBef>
+              <a:spcAft>
+                <a:spcPts val="0"/>
+              </a:spcAft>
+              <a:buNone/>
+            </a:pPr>
+            <a:r>
+              <a:rPr lang="en" sz="1000"/>
+              <a:t>Transition:</a:t>
+            </a:r>
+            <a:endParaRPr sz="1000"/>
+          </a:p>
+          <a:p>
+            <a:pPr indent="0" lvl="0" marL="0" rtl="0" algn="l">
+              <a:lnSpc>
+                <a:spcPct val="100000"/>
+              </a:lnSpc>
+              <a:spcBef>
+                <a:spcPts val="1600"/>
+              </a:spcBef>
+              <a:spcAft>
+                <a:spcPts val="1600"/>
+              </a:spcAft>
+              <a:buNone/>
+            </a:pPr>
+            <a:r>
+              <a:rPr lang="en" sz="1000"/>
+              <a:t>State = 0/config</a:t>
+            </a:r>
+            <a:endParaRPr sz="1000"/>
+          </a:p>
+        </p:txBody>
+      </p:sp>
+    </p:spTree>
+  </p:cSld>
+  <p:clrMapOvr>
+    <a:masterClrMapping/>
+  </p:clrMapOvr>
+</p:sld>
+</file>
+
+<file path=ppt/slides/slide8.xml><?xml version="1.0" encoding="utf-8"?>
+<p:sld xmlns:a="http://schemas.openxmlformats.org/drawingml/2006/main" xmlns:r="http://schemas.openxmlformats.org/officeDocument/2006/relationships" xmlns:mc="http://schemas.openxmlformats.org/markup-compatibility/2006" xmlns:mv="urn:schemas-microsoft-com:mac:vml" xmlns:p="http://schemas.openxmlformats.org/presentationml/2006/main" xmlns:c="http://schemas.openxmlformats.org/drawingml/2006/chart" xmlns:dgm="http://schemas.openxmlformats.org/drawingml/2006/diagram" xmlns:o="urn:schemas-microsoft-com:office:office" xmlns:v="urn:schemas-microsoft-com:vml" xmlns:pvml="urn:schemas-microsoft-com:office:powerpoint" xmlns:com="http://schemas.openxmlformats.org/drawingml/2006/compatibility" xmlns:p14="http://schemas.microsoft.com/office/powerpoint/2010/main" xmlns:p15="http://schemas.microsoft.com/office/powerpoint/2012/main">
+  <p:cSld>
+    <p:spTree>
+      <p:nvGrpSpPr>
+        <p:cNvPr id="182" name="Shape 182"/>
         <p:cNvGrpSpPr/>
         <p:nvPr/>
       </p:nvGrpSpPr>
@@ -13937,7 +19056,7 @@
       </p:grpSpPr>
       <p:pic>
         <p:nvPicPr>
-          <p:cNvPr id="170" name="Google Shape;170;p19"/>
+          <p:cNvPr id="183" name="Google Shape;183;p20"/>
           <p:cNvPicPr preferRelativeResize="0"/>
           <p:nvPr/>
         </p:nvPicPr>
@@ -13976,12 +19095,12 @@
 </p:sld>
 </file>
 
-<file path=ppt/slides/slide8.xml><?xml version="1.0" encoding="utf-8"?>
+<file path=ppt/slides/slide9.xml><?xml version="1.0" encoding="utf-8"?>
 <p:sld xmlns:a="http://schemas.openxmlformats.org/drawingml/2006/main" xmlns:r="http://schemas.openxmlformats.org/officeDocument/2006/relationships" xmlns:mc="http://schemas.openxmlformats.org/markup-compatibility/2006" xmlns:mv="urn:schemas-microsoft-com:mac:vml" xmlns:p="http://schemas.openxmlformats.org/presentationml/2006/main" xmlns:c="http://schemas.openxmlformats.org/drawingml/2006/chart" xmlns:dgm="http://schemas.openxmlformats.org/drawingml/2006/diagram" xmlns:o="urn:schemas-microsoft-com:office:office" xmlns:v="urn:schemas-microsoft-com:vml" xmlns:pvml="urn:schemas-microsoft-com:office:powerpoint" xmlns:com="http://schemas.openxmlformats.org/drawingml/2006/compatibility" xmlns:p14="http://schemas.microsoft.com/office/powerpoint/2010/main" xmlns:p15="http://schemas.microsoft.com/office/powerpoint/2012/main">
   <p:cSld>
     <p:spTree>
       <p:nvGrpSpPr>
-        <p:cNvPr id="174" name="Shape 174"/>
+        <p:cNvPr id="187" name="Shape 187"/>
         <p:cNvGrpSpPr/>
         <p:nvPr/>
       </p:nvGrpSpPr>
@@ -13995,7 +19114,7 @@
       </p:grpSpPr>
       <p:sp>
         <p:nvSpPr>
-          <p:cNvPr id="175" name="Google Shape;175;p20"/>
+          <p:cNvPr id="188" name="Google Shape;188;p21"/>
           <p:cNvSpPr txBox="1"/>
           <p:nvPr>
             <p:ph type="title"/>
@@ -14039,7 +19158,7 @@
       </p:sp>
       <p:pic>
         <p:nvPicPr>
-          <p:cNvPr id="176" name="Google Shape;176;p20"/>
+          <p:cNvPr id="189" name="Google Shape;189;p21"/>
           <p:cNvPicPr preferRelativeResize="0"/>
           <p:nvPr/>
         </p:nvPicPr>
@@ -14062,276 +19181,6 @@
           <a:noFill/>
           <a:ln>
             <a:noFill/>
-          </a:ln>
-        </p:spPr>
-      </p:pic>
-    </p:spTree>
-  </p:cSld>
-  <p:clrMapOvr>
-    <a:masterClrMapping/>
-  </p:clrMapOvr>
-</p:sld>
-</file>
-
-<file path=ppt/slides/slide9.xml><?xml version="1.0" encoding="utf-8"?>
-<p:sld xmlns:a="http://schemas.openxmlformats.org/drawingml/2006/main" xmlns:r="http://schemas.openxmlformats.org/officeDocument/2006/relationships" xmlns:mc="http://schemas.openxmlformats.org/markup-compatibility/2006" xmlns:mv="urn:schemas-microsoft-com:mac:vml" xmlns:p="http://schemas.openxmlformats.org/presentationml/2006/main" xmlns:c="http://schemas.openxmlformats.org/drawingml/2006/chart" xmlns:dgm="http://schemas.openxmlformats.org/drawingml/2006/diagram" xmlns:o="urn:schemas-microsoft-com:office:office" xmlns:v="urn:schemas-microsoft-com:vml" xmlns:pvml="urn:schemas-microsoft-com:office:powerpoint" xmlns:com="http://schemas.openxmlformats.org/drawingml/2006/compatibility" xmlns:p14="http://schemas.microsoft.com/office/powerpoint/2010/main" xmlns:p15="http://schemas.microsoft.com/office/powerpoint/2012/main">
-  <p:cSld>
-    <p:spTree>
-      <p:nvGrpSpPr>
-        <p:cNvPr id="180" name="Shape 180"/>
-        <p:cNvGrpSpPr/>
-        <p:nvPr/>
-      </p:nvGrpSpPr>
-      <p:grpSpPr>
-        <a:xfrm>
-          <a:off x="0" y="0"/>
-          <a:ext cx="0" cy="0"/>
-          <a:chOff x="0" y="0"/>
-          <a:chExt cx="0" cy="0"/>
-        </a:xfrm>
-      </p:grpSpPr>
-      <p:sp>
-        <p:nvSpPr>
-          <p:cNvPr id="181" name="Google Shape;181;p21"/>
-          <p:cNvSpPr txBox="1"/>
-          <p:nvPr>
-            <p:ph type="title"/>
-          </p:nvPr>
-        </p:nvSpPr>
-        <p:spPr>
-          <a:xfrm>
-            <a:off x="1297500" y="393750"/>
-            <a:ext cx="7038900" cy="914100"/>
-          </a:xfrm>
-          <a:prstGeom prst="rect">
-            <a:avLst/>
-          </a:prstGeom>
-        </p:spPr>
-        <p:txBody>
-          <a:bodyPr anchorCtr="0" anchor="t" bIns="91425" lIns="91425" spcFirstLastPara="1" rIns="91425" wrap="square" tIns="91425">
-            <a:noAutofit/>
-          </a:bodyPr>
-          <a:lstStyle/>
-          <a:p>
-            <a:pPr indent="0" lvl="0" marL="0" rtl="0" algn="l">
-              <a:lnSpc>
-                <a:spcPct val="115000"/>
-              </a:lnSpc>
-              <a:spcBef>
-                <a:spcPts val="1800"/>
-              </a:spcBef>
-              <a:spcAft>
-                <a:spcPts val="600"/>
-              </a:spcAft>
-              <a:buNone/>
-            </a:pPr>
-            <a:r>
-              <a:rPr lang="en">
-                <a:solidFill>
-                  <a:srgbClr val="FFFFFF"/>
-                </a:solidFill>
-                <a:latin typeface="Lato"/>
-                <a:ea typeface="Lato"/>
-                <a:cs typeface="Lato"/>
-                <a:sym typeface="Lato"/>
-              </a:rPr>
-              <a:t>SSD Diagram</a:t>
-            </a:r>
-            <a:endParaRPr/>
-          </a:p>
-        </p:txBody>
-      </p:sp>
-      <p:sp>
-        <p:nvSpPr>
-          <p:cNvPr id="182" name="Google Shape;182;p21"/>
-          <p:cNvSpPr txBox="1"/>
-          <p:nvPr>
-            <p:ph idx="1" type="body"/>
-          </p:nvPr>
-        </p:nvSpPr>
-        <p:spPr>
-          <a:xfrm>
-            <a:off x="1297500" y="1567550"/>
-            <a:ext cx="2729400" cy="2911200"/>
-          </a:xfrm>
-          <a:prstGeom prst="rect">
-            <a:avLst/>
-          </a:prstGeom>
-        </p:spPr>
-        <p:txBody>
-          <a:bodyPr anchorCtr="0" anchor="t" bIns="91425" lIns="91425" spcFirstLastPara="1" rIns="91425" wrap="square" tIns="91425">
-            <a:noAutofit/>
-          </a:bodyPr>
-          <a:lstStyle/>
-          <a:p>
-            <a:pPr indent="0" lvl="0" marL="0" rtl="0" algn="l">
-              <a:spcBef>
-                <a:spcPts val="1600"/>
-              </a:spcBef>
-              <a:spcAft>
-                <a:spcPts val="0"/>
-              </a:spcAft>
-              <a:buNone/>
-            </a:pPr>
-            <a:r>
-              <a:rPr lang="en" sz="1400">
-                <a:solidFill>
-                  <a:srgbClr val="FFFFFF"/>
-                </a:solidFill>
-              </a:rPr>
-              <a:t>Use Case Example: Seed and Grow Loops</a:t>
-            </a:r>
-            <a:endParaRPr sz="1400">
-              <a:solidFill>
-                <a:srgbClr val="FFFFFF"/>
-              </a:solidFill>
-            </a:endParaRPr>
-          </a:p>
-          <a:p>
-            <a:pPr indent="-304800" lvl="0" marL="457200" rtl="0" algn="l">
-              <a:spcBef>
-                <a:spcPts val="400"/>
-              </a:spcBef>
-              <a:spcAft>
-                <a:spcPts val="0"/>
-              </a:spcAft>
-              <a:buClr>
-                <a:srgbClr val="FFFFFF"/>
-              </a:buClr>
-              <a:buSzPts val="1200"/>
-              <a:buAutoNum type="arabicPeriod"/>
-            </a:pPr>
-            <a:r>
-              <a:rPr lang="en" sz="1200">
-                <a:solidFill>
-                  <a:srgbClr val="FFFFFF"/>
-                </a:solidFill>
-              </a:rPr>
-              <a:t>Get seeds</a:t>
-            </a:r>
-            <a:endParaRPr sz="1200">
-              <a:solidFill>
-                <a:srgbClr val="FFFFFF"/>
-              </a:solidFill>
-            </a:endParaRPr>
-          </a:p>
-          <a:p>
-            <a:pPr indent="-304800" lvl="0" marL="457200" rtl="0" algn="l">
-              <a:spcBef>
-                <a:spcPts val="0"/>
-              </a:spcBef>
-              <a:spcAft>
-                <a:spcPts val="0"/>
-              </a:spcAft>
-              <a:buClr>
-                <a:srgbClr val="FFFFFF"/>
-              </a:buClr>
-              <a:buSzPts val="1200"/>
-              <a:buAutoNum type="arabicPeriod"/>
-            </a:pPr>
-            <a:r>
-              <a:rPr lang="en" sz="1200">
-                <a:solidFill>
-                  <a:srgbClr val="FFFFFF"/>
-                </a:solidFill>
-              </a:rPr>
-              <a:t>Plant seeds</a:t>
-            </a:r>
-            <a:endParaRPr sz="1200">
-              <a:solidFill>
-                <a:srgbClr val="FFFFFF"/>
-              </a:solidFill>
-            </a:endParaRPr>
-          </a:p>
-          <a:p>
-            <a:pPr indent="-304800" lvl="0" marL="457200" rtl="0" algn="l">
-              <a:spcBef>
-                <a:spcPts val="0"/>
-              </a:spcBef>
-              <a:spcAft>
-                <a:spcPts val="0"/>
-              </a:spcAft>
-              <a:buClr>
-                <a:srgbClr val="FFFFFF"/>
-              </a:buClr>
-              <a:buSzPts val="1200"/>
-              <a:buAutoNum type="arabicPeriod"/>
-            </a:pPr>
-            <a:r>
-              <a:rPr lang="en" sz="1200">
-                <a:solidFill>
-                  <a:srgbClr val="FFFFFF"/>
-                </a:solidFill>
-              </a:rPr>
-              <a:t>Cycle sensor activation</a:t>
-            </a:r>
-            <a:endParaRPr sz="1200">
-              <a:solidFill>
-                <a:srgbClr val="FFFFFF"/>
-              </a:solidFill>
-            </a:endParaRPr>
-          </a:p>
-          <a:p>
-            <a:pPr indent="-304800" lvl="0" marL="457200" rtl="0" algn="l">
-              <a:spcBef>
-                <a:spcPts val="0"/>
-              </a:spcBef>
-              <a:spcAft>
-                <a:spcPts val="0"/>
-              </a:spcAft>
-              <a:buClr>
-                <a:srgbClr val="FFFFFF"/>
-              </a:buClr>
-              <a:buSzPts val="1200"/>
-              <a:buAutoNum type="arabicPeriod"/>
-            </a:pPr>
-            <a:r>
-              <a:rPr lang="en" sz="1200">
-                <a:solidFill>
-                  <a:srgbClr val="FFFFFF"/>
-                </a:solidFill>
-              </a:rPr>
-              <a:t>Engage support systems</a:t>
-            </a:r>
-            <a:endParaRPr>
-              <a:solidFill>
-                <a:srgbClr val="FFFFFF"/>
-              </a:solidFill>
-            </a:endParaRPr>
-          </a:p>
-        </p:txBody>
-      </p:sp>
-      <p:pic>
-        <p:nvPicPr>
-          <p:cNvPr id="183" name="Google Shape;183;p21"/>
-          <p:cNvPicPr preferRelativeResize="0"/>
-          <p:nvPr/>
-        </p:nvPicPr>
-        <p:blipFill>
-          <a:blip r:embed="rId3">
-            <a:alphaModFix/>
-          </a:blip>
-          <a:stretch>
-            <a:fillRect/>
-          </a:stretch>
-        </p:blipFill>
-        <p:spPr>
-          <a:xfrm>
-            <a:off x="3869550" y="951475"/>
-            <a:ext cx="4812300" cy="3240541"/>
-          </a:xfrm>
-          <a:prstGeom prst="rect">
-            <a:avLst/>
-          </a:prstGeom>
-          <a:noFill/>
-          <a:ln cap="flat" cmpd="sng" w="9525">
-            <a:solidFill>
-              <a:schemeClr val="dk2"/>
-            </a:solidFill>
-            <a:prstDash val="solid"/>
-            <a:round/>
-            <a:headEnd len="sm" w="sm" type="none"/>
-            <a:tailEnd len="sm" w="sm" type="none"/>
           </a:ln>
         </p:spPr>
       </p:pic>

--- a/docs/Milestone1Presentation.pptx
+++ b/docs/Milestone1Presentation.pptx
@@ -11830,7 +11830,7 @@
             <a:tbl>
               <a:tblPr>
                 <a:noFill/>
-                <a:tableStyleId>{C9ED71EE-A23C-49A4-B947-668A60F3EF4A}</a:tableStyleId>
+                <a:tableStyleId>{D76AD4D8-0980-496B-99F9-FFA61FFBC261}</a:tableStyleId>
               </a:tblPr>
               <a:tblGrid>
                 <a:gridCol w="1485900"/>
@@ -13373,7 +13373,7 @@
             <a:tbl>
               <a:tblPr>
                 <a:noFill/>
-                <a:tableStyleId>{C9ED71EE-A23C-49A4-B947-668A60F3EF4A}</a:tableStyleId>
+                <a:tableStyleId>{D76AD4D8-0980-496B-99F9-FFA61FFBC261}</a:tableStyleId>
               </a:tblPr>
               <a:tblGrid>
                 <a:gridCol w="1981200"/>
@@ -14114,7 +14114,7 @@
             <a:tbl>
               <a:tblPr>
                 <a:noFill/>
-                <a:tableStyleId>{C9ED71EE-A23C-49A4-B947-668A60F3EF4A}</a:tableStyleId>
+                <a:tableStyleId>{D76AD4D8-0980-496B-99F9-FFA61FFBC261}</a:tableStyleId>
               </a:tblPr>
               <a:tblGrid>
                 <a:gridCol w="1485900"/>
@@ -15999,6 +15999,9 @@
           <a:lstStyle/>
           <a:p>
             <a:pPr indent="0" lvl="0" marL="0" rtl="0" algn="l">
+              <a:lnSpc>
+                <a:spcPct val="115000"/>
+              </a:lnSpc>
               <a:spcBef>
                 <a:spcPts val="0"/>
               </a:spcBef>
@@ -16008,79 +16011,82 @@
               <a:buNone/>
             </a:pPr>
             <a:r>
-              <a:rPr lang="en"/>
-              <a:t>DEMO</a:t>
-            </a:r>
-            <a:endParaRPr/>
-          </a:p>
-        </p:txBody>
-      </p:sp>
-      <p:sp>
-        <p:nvSpPr>
-          <p:cNvPr id="154" name="Google Shape;154;p16"/>
-          <p:cNvSpPr txBox="1"/>
-          <p:nvPr>
-            <p:ph idx="1" type="body"/>
-          </p:nvPr>
-        </p:nvSpPr>
-        <p:spPr>
-          <a:xfrm>
-            <a:off x="1297500" y="1307850"/>
-            <a:ext cx="7038900" cy="3171000"/>
-          </a:xfrm>
-          <a:prstGeom prst="rect">
-            <a:avLst/>
-          </a:prstGeom>
-        </p:spPr>
-        <p:txBody>
-          <a:bodyPr anchorCtr="0" anchor="t" bIns="91425" lIns="91425" spcFirstLastPara="1" rIns="91425" wrap="square" tIns="91425">
-            <a:noAutofit/>
-          </a:bodyPr>
-          <a:lstStyle/>
-          <a:p>
-            <a:pPr indent="0" lvl="0" marL="0" rtl="0" algn="l">
-              <a:spcBef>
-                <a:spcPts val="0"/>
-              </a:spcBef>
-              <a:spcAft>
-                <a:spcPts val="0"/>
-              </a:spcAft>
-              <a:buNone/>
-            </a:pPr>
-            <a:r>
-              <a:rPr lang="en"/>
-              <a:t>HelloWorld - LEDS say “hello” in Morse Code using Python! </a:t>
+              <a:rPr lang="en" sz="1300">
+                <a:latin typeface="Lato"/>
+                <a:ea typeface="Lato"/>
+                <a:cs typeface="Lato"/>
+                <a:sym typeface="Lato"/>
+              </a:rPr>
+              <a:t>HelloWorld - LEDS say “hello” in Morse Code using Python! (</a:t>
             </a:r>
             <a:r>
-              <a:rPr lang="en"/>
-              <a:t>(</a:t>
-            </a:r>
-            <a:r>
-              <a:rPr lang="en" u="sng">
+              <a:rPr lang="en" sz="1300" u="sng">
                 <a:solidFill>
                   <a:schemeClr val="accent5"/>
                 </a:solidFill>
+                <a:latin typeface="Lato"/>
+                <a:ea typeface="Lato"/>
+                <a:cs typeface="Lato"/>
+                <a:sym typeface="Lato"/>
                 <a:hlinkClick r:id="rId3"/>
               </a:rPr>
               <a:t>DEMO</a:t>
             </a:r>
             <a:r>
-              <a:rPr lang="en"/>
+              <a:rPr lang="en" sz="1300">
+                <a:latin typeface="Lato"/>
+                <a:ea typeface="Lato"/>
+                <a:cs typeface="Lato"/>
+                <a:sym typeface="Lato"/>
+              </a:rPr>
               <a:t>) - </a:t>
             </a:r>
             <a:r>
-              <a:rPr i="1" lang="en"/>
+              <a:rPr i="1" lang="en" sz="1300">
+                <a:latin typeface="Lato"/>
+                <a:ea typeface="Lato"/>
+                <a:cs typeface="Lato"/>
+                <a:sym typeface="Lato"/>
+              </a:rPr>
               <a:t>in class only</a:t>
             </a:r>
-            <a:endParaRPr/>
+            <a:endParaRPr sz="1300">
+              <a:latin typeface="Lato"/>
+              <a:ea typeface="Lato"/>
+              <a:cs typeface="Lato"/>
+              <a:sym typeface="Lato"/>
+            </a:endParaRPr>
           </a:p>
           <a:p>
             <a:pPr indent="0" lvl="0" marL="0" rtl="0" algn="l">
+              <a:lnSpc>
+                <a:spcPct val="115000"/>
+              </a:lnSpc>
               <a:spcBef>
                 <a:spcPts val="1600"/>
               </a:spcBef>
               <a:spcAft>
+                <a:spcPts val="0"/>
+              </a:spcAft>
+              <a:buNone/>
+            </a:pPr>
+            <a:r>
+              <a:t/>
+            </a:r>
+            <a:endParaRPr sz="1300">
+              <a:latin typeface="Lato"/>
+              <a:ea typeface="Lato"/>
+              <a:cs typeface="Lato"/>
+              <a:sym typeface="Lato"/>
+            </a:endParaRPr>
+          </a:p>
+          <a:p>
+            <a:pPr indent="0" lvl="0" marL="0" rtl="0" algn="l">
+              <a:spcBef>
                 <a:spcPts val="1600"/>
+              </a:spcBef>
+              <a:spcAft>
+                <a:spcPts val="0"/>
               </a:spcAft>
               <a:buNone/>
             </a:pPr>
@@ -16093,7 +16099,7 @@
       </p:sp>
       <p:pic>
         <p:nvPicPr>
-          <p:cNvPr id="155" name="Google Shape;155;p16"/>
+          <p:cNvPr id="154" name="Google Shape;154;p16"/>
           <p:cNvPicPr preferRelativeResize="0"/>
           <p:nvPr/>
         </p:nvPicPr>
@@ -16107,8 +16113,8 @@
         </p:blipFill>
         <p:spPr>
           <a:xfrm rot="5400000">
-            <a:off x="3043125" y="585151"/>
-            <a:ext cx="3057750" cy="5673200"/>
+            <a:off x="4886763" y="1028313"/>
+            <a:ext cx="2839100" cy="5267524"/>
           </a:xfrm>
           <a:prstGeom prst="rect">
             <a:avLst/>
@@ -16122,6 +16128,34 @@
             <a:round/>
             <a:headEnd len="sm" w="sm" type="none"/>
             <a:tailEnd len="sm" w="sm" type="none"/>
+          </a:ln>
+        </p:spPr>
+      </p:pic>
+      <p:pic>
+        <p:nvPicPr>
+          <p:cNvPr id="155" name="Google Shape;155;p16"/>
+          <p:cNvPicPr preferRelativeResize="0"/>
+          <p:nvPr/>
+        </p:nvPicPr>
+        <p:blipFill>
+          <a:blip r:embed="rId5">
+            <a:alphaModFix/>
+          </a:blip>
+          <a:stretch>
+            <a:fillRect/>
+          </a:stretch>
+        </p:blipFill>
+        <p:spPr>
+          <a:xfrm>
+            <a:off x="127549" y="1495900"/>
+            <a:ext cx="4597375" cy="2157650"/>
+          </a:xfrm>
+          <a:prstGeom prst="rect">
+            <a:avLst/>
+          </a:prstGeom>
+          <a:noFill/>
+          <a:ln>
+            <a:noFill/>
           </a:ln>
         </p:spPr>
       </p:pic>
@@ -16221,7 +16255,7 @@
             <a:tbl>
               <a:tblPr>
                 <a:noFill/>
-                <a:tableStyleId>{C9ED71EE-A23C-49A4-B947-668A60F3EF4A}</a:tableStyleId>
+                <a:tableStyleId>{D76AD4D8-0980-496B-99F9-FFA61FFBC261}</a:tableStyleId>
               </a:tblPr>
               <a:tblGrid>
                 <a:gridCol w="1485900"/>
